--- a/figures/ggplot_structure.pptx
+++ b/figures/ggplot_structure.pptx
@@ -1820,58 +1820,6 @@
         </dgm:presLayoutVars>
       </dgm:prSet>
       <dgm:spPr/>
-    </dgm:pt>
-    <dgm:pt modelId="{FBA0EEE6-D53E-451F-A063-F72AC8C43F5D}" type="pres">
-      <dgm:prSet presAssocID="{2EC6C609-E7D5-4B3C-9FC6-A6AD016269D2}" presName="hierRoot1" presStyleCnt="0">
-        <dgm:presLayoutVars>
-          <dgm:hierBranch val="init"/>
-        </dgm:presLayoutVars>
-      </dgm:prSet>
-      <dgm:spPr/>
-    </dgm:pt>
-    <dgm:pt modelId="{BE3E4F9A-1BAE-4659-BC79-310C0A121701}" type="pres">
-      <dgm:prSet presAssocID="{2EC6C609-E7D5-4B3C-9FC6-A6AD016269D2}" presName="rootComposite1" presStyleCnt="0"/>
-      <dgm:spPr/>
-    </dgm:pt>
-    <dgm:pt modelId="{2080319B-642B-4D96-B1EF-39DDB94FEA71}" type="pres">
-      <dgm:prSet presAssocID="{2EC6C609-E7D5-4B3C-9FC6-A6AD016269D2}" presName="rootText1" presStyleLbl="node0" presStyleIdx="0" presStyleCnt="1" custAng="16200000" custScaleX="90909" custScaleY="90909" custLinFactNeighborX="-7471" custLinFactNeighborY="-90428">
-        <dgm:presLayoutVars>
-          <dgm:chPref val="3"/>
-        </dgm:presLayoutVars>
-      </dgm:prSet>
-      <dgm:spPr/>
-    </dgm:pt>
-    <dgm:pt modelId="{7D9B1EBF-A866-4163-B65B-0018C62FC76A}" type="pres">
-      <dgm:prSet presAssocID="{2EC6C609-E7D5-4B3C-9FC6-A6AD016269D2}" presName="rootConnector1" presStyleLbl="node1" presStyleIdx="0" presStyleCnt="0"/>
-      <dgm:spPr/>
-    </dgm:pt>
-    <dgm:pt modelId="{3BC32326-22F2-4BC3-A4EB-9F69B9FB1652}" type="pres">
-      <dgm:prSet presAssocID="{2EC6C609-E7D5-4B3C-9FC6-A6AD016269D2}" presName="hierChild2" presStyleCnt="0"/>
-      <dgm:spPr/>
-    </dgm:pt>
-    <dgm:pt modelId="{BC0DA0C3-2F34-4196-8133-E265789C24FC}" type="pres">
-      <dgm:prSet presAssocID="{AD5F70A2-D73E-4F6E-B6B6-EC4BB56F2E3A}" presName="Name64" presStyleLbl="parChTrans1D2" presStyleIdx="0" presStyleCnt="4"/>
-      <dgm:spPr/>
-    </dgm:pt>
-    <dgm:pt modelId="{3BACC1C3-0F42-4CBB-BCD9-6D3429A7F1C2}" type="pres">
-      <dgm:prSet presAssocID="{A2EDA3B9-860E-45BC-8D51-F63D55834A0B}" presName="hierRoot2" presStyleCnt="0">
-        <dgm:presLayoutVars>
-          <dgm:hierBranch val="hang"/>
-        </dgm:presLayoutVars>
-      </dgm:prSet>
-      <dgm:spPr/>
-    </dgm:pt>
-    <dgm:pt modelId="{2E6CA5DB-FD9D-4E48-B564-020911C63800}" type="pres">
-      <dgm:prSet presAssocID="{A2EDA3B9-860E-45BC-8D51-F63D55834A0B}" presName="rootComposite" presStyleCnt="0"/>
-      <dgm:spPr/>
-    </dgm:pt>
-    <dgm:pt modelId="{F7DD4743-AB9B-49CB-BEC9-3FDFA5225BBE}" type="pres">
-      <dgm:prSet presAssocID="{A2EDA3B9-860E-45BC-8D51-F63D55834A0B}" presName="rootText" presStyleLbl="node2" presStyleIdx="0" presStyleCnt="4" custScaleX="75727" custScaleY="202439" custLinFactY="-200000" custLinFactNeighborX="-88885" custLinFactNeighborY="-293152">
-        <dgm:presLayoutVars>
-          <dgm:chPref val="3"/>
-        </dgm:presLayoutVars>
-      </dgm:prSet>
-      <dgm:spPr/>
       <dgm:t>
         <a:bodyPr/>
         <a:lstStyle/>
@@ -1880,32 +1828,20 @@
         </a:p>
       </dgm:t>
     </dgm:pt>
-    <dgm:pt modelId="{518A956C-0E06-470C-BA21-471AD058F7DE}" type="pres">
-      <dgm:prSet presAssocID="{A2EDA3B9-860E-45BC-8D51-F63D55834A0B}" presName="rootConnector" presStyleLbl="node2" presStyleIdx="0" presStyleCnt="4"/>
-      <dgm:spPr/>
-    </dgm:pt>
-    <dgm:pt modelId="{958440BA-8272-4F09-B6E9-1AABA8A086EA}" type="pres">
-      <dgm:prSet presAssocID="{A2EDA3B9-860E-45BC-8D51-F63D55834A0B}" presName="hierChild4" presStyleCnt="0"/>
-      <dgm:spPr/>
-    </dgm:pt>
-    <dgm:pt modelId="{44FD0E4C-C4EE-4710-9294-A41B802A79C0}" type="pres">
-      <dgm:prSet presAssocID="{F06BF1F2-B49C-491F-8E50-3C651AD3D16A}" presName="Name47" presStyleLbl="parChTrans1D3" presStyleIdx="0" presStyleCnt="3" custSzX="1443326" custSzY="6496980"/>
-      <dgm:spPr/>
-    </dgm:pt>
-    <dgm:pt modelId="{AD140B5C-0F08-4877-AFFC-6846AE3DCEFC}" type="pres">
-      <dgm:prSet presAssocID="{44034F92-B4B0-4D7C-89FC-5778BDDFAD96}" presName="hierRoot2" presStyleCnt="0">
+    <dgm:pt modelId="{FBA0EEE6-D53E-451F-A063-F72AC8C43F5D}" type="pres">
+      <dgm:prSet presAssocID="{2EC6C609-E7D5-4B3C-9FC6-A6AD016269D2}" presName="hierRoot1" presStyleCnt="0">
         <dgm:presLayoutVars>
           <dgm:hierBranch val="init"/>
         </dgm:presLayoutVars>
       </dgm:prSet>
       <dgm:spPr/>
     </dgm:pt>
-    <dgm:pt modelId="{AC63870E-9F2F-4221-ADD9-981AC75DF087}" type="pres">
-      <dgm:prSet presAssocID="{44034F92-B4B0-4D7C-89FC-5778BDDFAD96}" presName="rootComposite" presStyleCnt="0"/>
-      <dgm:spPr/>
-    </dgm:pt>
-    <dgm:pt modelId="{FABCCD5F-C157-4DE5-BE28-BDA5FB49084B}" type="pres">
-      <dgm:prSet presAssocID="{44034F92-B4B0-4D7C-89FC-5778BDDFAD96}" presName="rootText" presStyleLbl="node3" presStyleIdx="0" presStyleCnt="1" custScaleX="52676" custScaleY="124550" custLinFactX="-200000" custLinFactY="24101" custLinFactNeighborX="-262179" custLinFactNeighborY="100000">
+    <dgm:pt modelId="{BE3E4F9A-1BAE-4659-BC79-310C0A121701}" type="pres">
+      <dgm:prSet presAssocID="{2EC6C609-E7D5-4B3C-9FC6-A6AD016269D2}" presName="rootComposite1" presStyleCnt="0"/>
+      <dgm:spPr/>
+    </dgm:pt>
+    <dgm:pt modelId="{2080319B-642B-4D96-B1EF-39DDB94FEA71}" type="pres">
+      <dgm:prSet presAssocID="{2EC6C609-E7D5-4B3C-9FC6-A6AD016269D2}" presName="rootText1" presStyleLbl="node0" presStyleIdx="0" presStyleCnt="1" custAng="16200000" custScaleX="90909" custScaleY="90909" custLinFactNeighborX="-7471" custLinFactNeighborY="-90428">
         <dgm:presLayoutVars>
           <dgm:chPref val="3"/>
         </dgm:presLayoutVars>
@@ -1919,36 +1855,8 @@
         </a:p>
       </dgm:t>
     </dgm:pt>
-    <dgm:pt modelId="{51CDDB36-4F73-48E1-853A-D5EB038D3588}" type="pres">
-      <dgm:prSet presAssocID="{44034F92-B4B0-4D7C-89FC-5778BDDFAD96}" presName="rootConnector" presStyleLbl="node3" presStyleIdx="0" presStyleCnt="1"/>
-      <dgm:spPr/>
-    </dgm:pt>
-    <dgm:pt modelId="{DDCC78CE-CAF4-4DEE-AD6F-765F9A7836B4}" type="pres">
-      <dgm:prSet presAssocID="{44034F92-B4B0-4D7C-89FC-5778BDDFAD96}" presName="hierChild4" presStyleCnt="0"/>
-      <dgm:spPr/>
-    </dgm:pt>
-    <dgm:pt modelId="{985EEF71-F883-450E-8D3C-E7FB45488CE5}" type="pres">
-      <dgm:prSet presAssocID="{B9E6ADF9-5384-4CE2-90A0-47F8B1035431}" presName="Name64" presStyleLbl="parChTrans1D4" presStyleIdx="0" presStyleCnt="9" custSzX="532170" custSzY="86653"/>
-      <dgm:spPr/>
-    </dgm:pt>
-    <dgm:pt modelId="{B2599F32-2C24-4E58-96FE-4CBEBCB7C654}" type="pres">
-      <dgm:prSet presAssocID="{25D4E244-3252-4363-B485-CFCC038FED88}" presName="hierRoot2" presStyleCnt="0">
-        <dgm:presLayoutVars>
-          <dgm:hierBranch val="init"/>
-        </dgm:presLayoutVars>
-      </dgm:prSet>
-      <dgm:spPr/>
-    </dgm:pt>
-    <dgm:pt modelId="{D0953897-B11E-4C18-989A-98230A033199}" type="pres">
-      <dgm:prSet presAssocID="{25D4E244-3252-4363-B485-CFCC038FED88}" presName="rootComposite" presStyleCnt="0"/>
-      <dgm:spPr/>
-    </dgm:pt>
-    <dgm:pt modelId="{1BF09A72-5553-4CF0-BAAF-4C2F29A6B64A}" type="pres">
-      <dgm:prSet presAssocID="{25D4E244-3252-4363-B485-CFCC038FED88}" presName="rootText" presStyleLbl="node4" presStyleIdx="0" presStyleCnt="3" custScaleX="45284" custScaleY="64536" custLinFactX="-200000" custLinFactY="24101" custLinFactNeighborX="-257236" custLinFactNeighborY="100000">
-        <dgm:presLayoutVars>
-          <dgm:chPref val="3"/>
-        </dgm:presLayoutVars>
-      </dgm:prSet>
+    <dgm:pt modelId="{7D9B1EBF-A866-4163-B65B-0018C62FC76A}" type="pres">
+      <dgm:prSet presAssocID="{2EC6C609-E7D5-4B3C-9FC6-A6AD016269D2}" presName="rootConnector1" presStyleLbl="node1" presStyleIdx="0" presStyleCnt="0"/>
       <dgm:spPr/>
       <dgm:t>
         <a:bodyPr/>
@@ -1958,48 +1866,12 @@
         </a:p>
       </dgm:t>
     </dgm:pt>
-    <dgm:pt modelId="{EE532E65-DC7D-41C5-99C5-B4866D6C2C00}" type="pres">
-      <dgm:prSet presAssocID="{25D4E244-3252-4363-B485-CFCC038FED88}" presName="rootConnector" presStyleLbl="node4" presStyleIdx="0" presStyleCnt="3"/>
-      <dgm:spPr/>
-    </dgm:pt>
-    <dgm:pt modelId="{9F1F45DA-D9E4-4DC6-917D-58339E3D133F}" type="pres">
-      <dgm:prSet presAssocID="{25D4E244-3252-4363-B485-CFCC038FED88}" presName="hierChild4" presStyleCnt="0"/>
-      <dgm:spPr/>
-    </dgm:pt>
-    <dgm:pt modelId="{E5EBBE5B-9684-4BA6-89F0-55439D604431}" type="pres">
-      <dgm:prSet presAssocID="{25D4E244-3252-4363-B485-CFCC038FED88}" presName="hierChild5" presStyleCnt="0"/>
-      <dgm:spPr/>
-    </dgm:pt>
-    <dgm:pt modelId="{6A42F3B0-F88F-47B5-BF00-AFA2AE7CB5FE}" type="pres">
-      <dgm:prSet presAssocID="{44034F92-B4B0-4D7C-89FC-5778BDDFAD96}" presName="hierChild5" presStyleCnt="0"/>
-      <dgm:spPr/>
-    </dgm:pt>
-    <dgm:pt modelId="{6507B821-373E-4A1B-B6BB-84128103A67F}" type="pres">
-      <dgm:prSet presAssocID="{A2EDA3B9-860E-45BC-8D51-F63D55834A0B}" presName="hierChild5" presStyleCnt="0"/>
-      <dgm:spPr/>
-    </dgm:pt>
-    <dgm:pt modelId="{8959CE4D-C95F-4740-A864-E32484E321A8}" type="pres">
-      <dgm:prSet presAssocID="{98D803F1-3754-497C-9335-24F22E5E934D}" presName="Name115" presStyleLbl="parChTrans1D3" presStyleIdx="1" presStyleCnt="3" custSzX="1312586" custSzY="370732"/>
-      <dgm:spPr/>
-    </dgm:pt>
-    <dgm:pt modelId="{62C44468-DED3-4812-B572-E9C093E3023D}" type="pres">
-      <dgm:prSet presAssocID="{BC8DB884-7F9A-4C6A-83B6-C697E0737C40}" presName="hierRoot3" presStyleCnt="0">
-        <dgm:presLayoutVars>
-          <dgm:hierBranch/>
-        </dgm:presLayoutVars>
-      </dgm:prSet>
-      <dgm:spPr/>
-    </dgm:pt>
-    <dgm:pt modelId="{C0462616-05EB-472A-8FB5-D24580E5A6D2}" type="pres">
-      <dgm:prSet presAssocID="{BC8DB884-7F9A-4C6A-83B6-C697E0737C40}" presName="rootComposite3" presStyleCnt="0"/>
-      <dgm:spPr/>
-    </dgm:pt>
-    <dgm:pt modelId="{556993A9-E15D-4CD1-A952-8174A291897E}" type="pres">
-      <dgm:prSet presAssocID="{BC8DB884-7F9A-4C6A-83B6-C697E0737C40}" presName="rootText3" presStyleLbl="asst2" presStyleIdx="0" presStyleCnt="8" custScaleX="66807" custScaleY="106616" custLinFactX="-7143" custLinFactY="-299670" custLinFactNeighborX="-100000" custLinFactNeighborY="-300000">
-        <dgm:presLayoutVars>
-          <dgm:chPref val="3"/>
-        </dgm:presLayoutVars>
-      </dgm:prSet>
+    <dgm:pt modelId="{3BC32326-22F2-4BC3-A4EB-9F69B9FB1652}" type="pres">
+      <dgm:prSet presAssocID="{2EC6C609-E7D5-4B3C-9FC6-A6AD016269D2}" presName="hierChild2" presStyleCnt="0"/>
+      <dgm:spPr/>
+    </dgm:pt>
+    <dgm:pt modelId="{BC0DA0C3-2F34-4196-8133-E265789C24FC}" type="pres">
+      <dgm:prSet presAssocID="{AD5F70A2-D73E-4F6E-B6B6-EC4BB56F2E3A}" presName="Name64" presStyleLbl="parChTrans1D2" presStyleIdx="0" presStyleCnt="4"/>
       <dgm:spPr/>
       <dgm:t>
         <a:bodyPr/>
@@ -2009,32 +1881,20 @@
         </a:p>
       </dgm:t>
     </dgm:pt>
-    <dgm:pt modelId="{DD5FEC92-B0C8-4F9A-B3E0-41D5D756698A}" type="pres">
-      <dgm:prSet presAssocID="{BC8DB884-7F9A-4C6A-83B6-C697E0737C40}" presName="rootConnector3" presStyleLbl="asst2" presStyleIdx="0" presStyleCnt="8"/>
-      <dgm:spPr/>
-    </dgm:pt>
-    <dgm:pt modelId="{77DF6354-5837-45B9-B865-628F580F6721}" type="pres">
-      <dgm:prSet presAssocID="{BC8DB884-7F9A-4C6A-83B6-C697E0737C40}" presName="hierChild6" presStyleCnt="0"/>
-      <dgm:spPr/>
-    </dgm:pt>
-    <dgm:pt modelId="{FC4F6A48-B6CF-4337-98C8-F9C910FD0825}" type="pres">
-      <dgm:prSet presAssocID="{89C1B82A-3FA2-480B-9D06-7605E72A68F3}" presName="Name64" presStyleLbl="parChTrans1D4" presStyleIdx="1" presStyleCnt="9" custSzX="4123084" custSzY="855742"/>
-      <dgm:spPr/>
-    </dgm:pt>
-    <dgm:pt modelId="{24694F89-4084-490D-A81D-8E0AC00116A5}" type="pres">
-      <dgm:prSet presAssocID="{B4F09747-FBF8-41EA-934B-5E1F66862013}" presName="hierRoot2" presStyleCnt="0">
+    <dgm:pt modelId="{3BACC1C3-0F42-4CBB-BCD9-6D3429A7F1C2}" type="pres">
+      <dgm:prSet presAssocID="{A2EDA3B9-860E-45BC-8D51-F63D55834A0B}" presName="hierRoot2" presStyleCnt="0">
         <dgm:presLayoutVars>
-          <dgm:hierBranch val="init"/>
+          <dgm:hierBranch val="hang"/>
         </dgm:presLayoutVars>
       </dgm:prSet>
       <dgm:spPr/>
     </dgm:pt>
-    <dgm:pt modelId="{CFB86A12-7DF5-4910-8478-C55992E03731}" type="pres">
-      <dgm:prSet presAssocID="{B4F09747-FBF8-41EA-934B-5E1F66862013}" presName="rootComposite" presStyleCnt="0"/>
-      <dgm:spPr/>
-    </dgm:pt>
-    <dgm:pt modelId="{08EA9D08-644C-4287-941A-553225F3C022}" type="pres">
-      <dgm:prSet presAssocID="{B4F09747-FBF8-41EA-934B-5E1F66862013}" presName="rootText" presStyleLbl="node4" presStyleIdx="1" presStyleCnt="3" custScaleX="53477" custScaleY="107159" custLinFactX="-100000" custLinFactY="-300000" custLinFactNeighborX="-146478" custLinFactNeighborY="-388625">
+    <dgm:pt modelId="{2E6CA5DB-FD9D-4E48-B564-020911C63800}" type="pres">
+      <dgm:prSet presAssocID="{A2EDA3B9-860E-45BC-8D51-F63D55834A0B}" presName="rootComposite" presStyleCnt="0"/>
+      <dgm:spPr/>
+    </dgm:pt>
+    <dgm:pt modelId="{F7DD4743-AB9B-49CB-BEC9-3FDFA5225BBE}" type="pres">
+      <dgm:prSet presAssocID="{A2EDA3B9-860E-45BC-8D51-F63D55834A0B}" presName="rootText" presStyleLbl="node2" presStyleIdx="0" presStyleCnt="4" custScaleX="75727" custScaleY="202439" custLinFactY="-200000" custLinFactNeighborX="-88885" custLinFactNeighborY="-293152">
         <dgm:presLayoutVars>
           <dgm:chPref val="3"/>
         </dgm:presLayoutVars>
@@ -2048,44 +1908,8 @@
         </a:p>
       </dgm:t>
     </dgm:pt>
-    <dgm:pt modelId="{81978EE9-A3D3-4F0E-B01C-67FEACF197E1}" type="pres">
-      <dgm:prSet presAssocID="{B4F09747-FBF8-41EA-934B-5E1F66862013}" presName="rootConnector" presStyleLbl="node4" presStyleIdx="1" presStyleCnt="3"/>
-      <dgm:spPr/>
-    </dgm:pt>
-    <dgm:pt modelId="{39D30BD2-82E5-44C3-B6B8-F8B435ABC63D}" type="pres">
-      <dgm:prSet presAssocID="{B4F09747-FBF8-41EA-934B-5E1F66862013}" presName="hierChild4" presStyleCnt="0"/>
-      <dgm:spPr/>
-    </dgm:pt>
-    <dgm:pt modelId="{C50BB83C-D85E-41EA-85D8-A802CF38F2C1}" type="pres">
-      <dgm:prSet presAssocID="{B4F09747-FBF8-41EA-934B-5E1F66862013}" presName="hierChild5" presStyleCnt="0"/>
-      <dgm:spPr/>
-    </dgm:pt>
-    <dgm:pt modelId="{C7B160D2-8423-4C8D-8C28-93416D561C54}" type="pres">
-      <dgm:prSet presAssocID="{BC8DB884-7F9A-4C6A-83B6-C697E0737C40}" presName="hierChild7" presStyleCnt="0"/>
-      <dgm:spPr/>
-    </dgm:pt>
-    <dgm:pt modelId="{2A7B97A2-75EE-4FA2-A66E-AE4628B27B74}" type="pres">
-      <dgm:prSet presAssocID="{4D632FFD-C399-4205-970F-9F5024BDA07B}" presName="Name115" presStyleLbl="parChTrans1D4" presStyleIdx="2" presStyleCnt="9" custSzX="2095510" custSzY="739640"/>
-      <dgm:spPr/>
-    </dgm:pt>
-    <dgm:pt modelId="{B617051F-713D-491D-9630-21F5F0D24C3B}" type="pres">
-      <dgm:prSet presAssocID="{A8EB4D03-BEC6-415E-AEC0-D70D1E5DF295}" presName="hierRoot3" presStyleCnt="0">
-        <dgm:presLayoutVars>
-          <dgm:hierBranch val="init"/>
-        </dgm:presLayoutVars>
-      </dgm:prSet>
-      <dgm:spPr/>
-    </dgm:pt>
-    <dgm:pt modelId="{0F47D772-9A02-4D0C-AC53-D300C369E184}" type="pres">
-      <dgm:prSet presAssocID="{A8EB4D03-BEC6-415E-AEC0-D70D1E5DF295}" presName="rootComposite3" presStyleCnt="0"/>
-      <dgm:spPr/>
-    </dgm:pt>
-    <dgm:pt modelId="{E46D91B8-1864-4ACE-880D-EE43968002F2}" type="pres">
-      <dgm:prSet presAssocID="{A8EB4D03-BEC6-415E-AEC0-D70D1E5DF295}" presName="rootText3" presStyleLbl="asst2" presStyleIdx="1" presStyleCnt="8" custScaleX="53477" custScaleY="107157" custLinFactX="-53797" custLinFactY="-200000" custLinFactNeighborX="-100000" custLinFactNeighborY="-246556">
-        <dgm:presLayoutVars>
-          <dgm:chPref val="3"/>
-        </dgm:presLayoutVars>
-      </dgm:prSet>
+    <dgm:pt modelId="{518A956C-0E06-470C-BA21-471AD058F7DE}" type="pres">
+      <dgm:prSet presAssocID="{A2EDA3B9-860E-45BC-8D51-F63D55834A0B}" presName="rootConnector" presStyleLbl="node2" presStyleIdx="0" presStyleCnt="4"/>
       <dgm:spPr/>
       <dgm:t>
         <a:bodyPr/>
@@ -2095,76 +1919,12 @@
         </a:p>
       </dgm:t>
     </dgm:pt>
-    <dgm:pt modelId="{2FE48843-58F9-4FA7-AD41-31343F5419AD}" type="pres">
-      <dgm:prSet presAssocID="{A8EB4D03-BEC6-415E-AEC0-D70D1E5DF295}" presName="rootConnector3" presStyleLbl="asst2" presStyleIdx="1" presStyleCnt="8"/>
-      <dgm:spPr/>
-    </dgm:pt>
-    <dgm:pt modelId="{8EECBA5A-8F8C-4949-804C-026D1F0B2C11}" type="pres">
-      <dgm:prSet presAssocID="{A8EB4D03-BEC6-415E-AEC0-D70D1E5DF295}" presName="hierChild6" presStyleCnt="0"/>
-      <dgm:spPr/>
-    </dgm:pt>
-    <dgm:pt modelId="{7FE07D6D-419D-4FB1-A847-7AFFAD3EE92D}" type="pres">
-      <dgm:prSet presAssocID="{A8EB4D03-BEC6-415E-AEC0-D70D1E5DF295}" presName="hierChild7" presStyleCnt="0"/>
-      <dgm:spPr/>
-    </dgm:pt>
-    <dgm:pt modelId="{666B7ED4-1440-4E0F-928C-C19310EAB7F1}" type="pres">
-      <dgm:prSet presAssocID="{77DA738C-36B7-4395-A738-35998C9A5A8B}" presName="Name115" presStyleLbl="parChTrans1D4" presStyleIdx="3" presStyleCnt="9" custSzX="2095510" custSzY="348694"/>
-      <dgm:spPr/>
-    </dgm:pt>
-    <dgm:pt modelId="{7970C6CA-C7A8-42D4-B249-A7CE74DA0F11}" type="pres">
-      <dgm:prSet presAssocID="{5A80081A-A96B-4E42-A778-F41834F8834D}" presName="hierRoot3" presStyleCnt="0">
-        <dgm:presLayoutVars>
-          <dgm:hierBranch val="init"/>
-        </dgm:presLayoutVars>
-      </dgm:prSet>
-      <dgm:spPr/>
-    </dgm:pt>
-    <dgm:pt modelId="{CFCC9DA7-5CDD-42D8-8251-842F1A13AF29}" type="pres">
-      <dgm:prSet presAssocID="{5A80081A-A96B-4E42-A778-F41834F8834D}" presName="rootComposite3" presStyleCnt="0"/>
-      <dgm:spPr/>
-    </dgm:pt>
-    <dgm:pt modelId="{7EA8C150-67AD-4449-A92E-08A01AECE502}" type="pres">
-      <dgm:prSet presAssocID="{5A80081A-A96B-4E42-A778-F41834F8834D}" presName="rootText3" presStyleLbl="asst2" presStyleIdx="2" presStyleCnt="8" custScaleX="53477" custScaleY="107157" custLinFactX="-52766" custLinFactY="-367269" custLinFactNeighborX="-100000" custLinFactNeighborY="-400000">
-        <dgm:presLayoutVars>
-          <dgm:chPref val="3"/>
-        </dgm:presLayoutVars>
-      </dgm:prSet>
-      <dgm:spPr/>
-    </dgm:pt>
-    <dgm:pt modelId="{8A3D6086-61AC-4392-B905-4D38A44CBA29}" type="pres">
-      <dgm:prSet presAssocID="{5A80081A-A96B-4E42-A778-F41834F8834D}" presName="rootConnector3" presStyleLbl="asst2" presStyleIdx="2" presStyleCnt="8"/>
-      <dgm:spPr/>
-    </dgm:pt>
-    <dgm:pt modelId="{6632E7DD-2D33-4EFB-B8DC-F06D9D7A8ED9}" type="pres">
-      <dgm:prSet presAssocID="{5A80081A-A96B-4E42-A778-F41834F8834D}" presName="hierChild6" presStyleCnt="0"/>
-      <dgm:spPr/>
-    </dgm:pt>
-    <dgm:pt modelId="{4A53A8DE-10E6-4C2C-AF30-6F90BCE0E3C2}" type="pres">
-      <dgm:prSet presAssocID="{5A80081A-A96B-4E42-A778-F41834F8834D}" presName="hierChild7" presStyleCnt="0"/>
-      <dgm:spPr/>
-    </dgm:pt>
-    <dgm:pt modelId="{F061BB6D-1705-4918-B391-A3C33A0C0EC0}" type="pres">
-      <dgm:prSet presAssocID="{33C19BF9-391F-4A13-AAE0-B94291797E3E}" presName="Name115" presStyleLbl="parChTrans1D4" presStyleIdx="4" presStyleCnt="9" custSzX="5486418" custSzY="739640"/>
-      <dgm:spPr/>
-    </dgm:pt>
-    <dgm:pt modelId="{EE117886-06A3-4860-9118-9ABAF5CA141D}" type="pres">
-      <dgm:prSet presAssocID="{5C1F2BF8-8A32-45B1-9061-47C4235B3CFA}" presName="hierRoot3" presStyleCnt="0">
-        <dgm:presLayoutVars>
-          <dgm:hierBranch val="init"/>
-        </dgm:presLayoutVars>
-      </dgm:prSet>
-      <dgm:spPr/>
-    </dgm:pt>
-    <dgm:pt modelId="{747663BD-9674-4646-90AA-3D06A2B6A264}" type="pres">
-      <dgm:prSet presAssocID="{5C1F2BF8-8A32-45B1-9061-47C4235B3CFA}" presName="rootComposite3" presStyleCnt="0"/>
-      <dgm:spPr/>
-    </dgm:pt>
-    <dgm:pt modelId="{9F264E81-31BB-4948-AFA1-083E4D73A81A}" type="pres">
-      <dgm:prSet presAssocID="{5C1F2BF8-8A32-45B1-9061-47C4235B3CFA}" presName="rootText3" presStyleLbl="asst2" presStyleIdx="3" presStyleCnt="8" custScaleX="53477" custScaleY="107157" custLinFactX="-66159" custLinFactY="-200000" custLinFactNeighborX="-100000" custLinFactNeighborY="-250948">
-        <dgm:presLayoutVars>
-          <dgm:chPref val="3"/>
-        </dgm:presLayoutVars>
-      </dgm:prSet>
+    <dgm:pt modelId="{958440BA-8272-4F09-B6E9-1AABA8A086EA}" type="pres">
+      <dgm:prSet presAssocID="{A2EDA3B9-860E-45BC-8D51-F63D55834A0B}" presName="hierChild4" presStyleCnt="0"/>
+      <dgm:spPr/>
+    </dgm:pt>
+    <dgm:pt modelId="{44FD0E4C-C4EE-4710-9294-A41B802A79C0}" type="pres">
+      <dgm:prSet presAssocID="{F06BF1F2-B49C-491F-8E50-3C651AD3D16A}" presName="Name47" presStyleLbl="parChTrans1D3" presStyleIdx="0" presStyleCnt="3" custSzX="1443326" custSzY="6496980"/>
       <dgm:spPr/>
       <dgm:t>
         <a:bodyPr/>
@@ -2174,36 +1934,20 @@
         </a:p>
       </dgm:t>
     </dgm:pt>
-    <dgm:pt modelId="{83516224-8137-4026-BFE3-622879AA7CC8}" type="pres">
-      <dgm:prSet presAssocID="{5C1F2BF8-8A32-45B1-9061-47C4235B3CFA}" presName="rootConnector3" presStyleLbl="asst2" presStyleIdx="3" presStyleCnt="8"/>
-      <dgm:spPr/>
-    </dgm:pt>
-    <dgm:pt modelId="{B671C74A-04BA-49DF-BE2B-E5F0552CDCEC}" type="pres">
-      <dgm:prSet presAssocID="{5C1F2BF8-8A32-45B1-9061-47C4235B3CFA}" presName="hierChild6" presStyleCnt="0"/>
-      <dgm:spPr/>
-    </dgm:pt>
-    <dgm:pt modelId="{4AD2E0B0-2E9A-49FB-B2F0-8A16A94467E7}" type="pres">
-      <dgm:prSet presAssocID="{5C1F2BF8-8A32-45B1-9061-47C4235B3CFA}" presName="hierChild7" presStyleCnt="0"/>
-      <dgm:spPr/>
-    </dgm:pt>
-    <dgm:pt modelId="{F2D11448-41E5-4724-879E-06AA3944915F}" type="pres">
-      <dgm:prSet presAssocID="{8B5E82D5-DFD6-4434-BAEA-6FC9B55D3871}" presName="Name115" presStyleLbl="parChTrans1D3" presStyleIdx="2" presStyleCnt="3" custSzX="1391410" custSzY="3011298"/>
-      <dgm:spPr/>
-    </dgm:pt>
-    <dgm:pt modelId="{6F4897FF-F0DB-4FBA-8BE7-214F18FCC4F1}" type="pres">
-      <dgm:prSet presAssocID="{F50E6865-D51A-49D3-BBA3-2A36B5CE744E}" presName="hierRoot3" presStyleCnt="0">
+    <dgm:pt modelId="{AD140B5C-0F08-4877-AFFC-6846AE3DCEFC}" type="pres">
+      <dgm:prSet presAssocID="{44034F92-B4B0-4D7C-89FC-5778BDDFAD96}" presName="hierRoot2" presStyleCnt="0">
         <dgm:presLayoutVars>
           <dgm:hierBranch val="init"/>
         </dgm:presLayoutVars>
       </dgm:prSet>
       <dgm:spPr/>
     </dgm:pt>
-    <dgm:pt modelId="{7B952F8D-D4B0-4D28-A20E-8B3621E193B8}" type="pres">
-      <dgm:prSet presAssocID="{F50E6865-D51A-49D3-BBA3-2A36B5CE744E}" presName="rootComposite3" presStyleCnt="0"/>
-      <dgm:spPr/>
-    </dgm:pt>
-    <dgm:pt modelId="{986C1812-1810-47F5-A099-ABD15361AF24}" type="pres">
-      <dgm:prSet presAssocID="{F50E6865-D51A-49D3-BBA3-2A36B5CE744E}" presName="rootText3" presStyleLbl="asst2" presStyleIdx="4" presStyleCnt="8" custScaleX="60824" custScaleY="104760" custLinFactX="-23757" custLinFactY="-200000" custLinFactNeighborX="-100000" custLinFactNeighborY="-208351">
+    <dgm:pt modelId="{AC63870E-9F2F-4221-ADD9-981AC75DF087}" type="pres">
+      <dgm:prSet presAssocID="{44034F92-B4B0-4D7C-89FC-5778BDDFAD96}" presName="rootComposite" presStyleCnt="0"/>
+      <dgm:spPr/>
+    </dgm:pt>
+    <dgm:pt modelId="{FABCCD5F-C157-4DE5-BE28-BDA5FB49084B}" type="pres">
+      <dgm:prSet presAssocID="{44034F92-B4B0-4D7C-89FC-5778BDDFAD96}" presName="rootText" presStyleLbl="node3" presStyleIdx="0" presStyleCnt="1" custScaleX="52676" custScaleY="124550" custLinFactX="-200000" custLinFactY="24101" custLinFactNeighborX="-262179" custLinFactNeighborY="100000">
         <dgm:presLayoutVars>
           <dgm:chPref val="3"/>
         </dgm:presLayoutVars>
@@ -2217,36 +1961,8 @@
         </a:p>
       </dgm:t>
     </dgm:pt>
-    <dgm:pt modelId="{57E473C7-20BC-4CAF-A736-EFFF5CFA7122}" type="pres">
-      <dgm:prSet presAssocID="{F50E6865-D51A-49D3-BBA3-2A36B5CE744E}" presName="rootConnector3" presStyleLbl="asst2" presStyleIdx="4" presStyleCnt="8"/>
-      <dgm:spPr/>
-    </dgm:pt>
-    <dgm:pt modelId="{ABE88287-7BB1-4127-B3CD-D80926CFCE3E}" type="pres">
-      <dgm:prSet presAssocID="{F50E6865-D51A-49D3-BBA3-2A36B5CE744E}" presName="hierChild6" presStyleCnt="0"/>
-      <dgm:spPr/>
-    </dgm:pt>
-    <dgm:pt modelId="{05E26F3D-4F04-4871-AC1E-99337AED2DD4}" type="pres">
-      <dgm:prSet presAssocID="{335FA561-4929-49F7-88FF-D0DB668988A0}" presName="Name64" presStyleLbl="parChTrans1D4" presStyleIdx="5" presStyleCnt="9" custSzX="2550819" custSzY="973739"/>
-      <dgm:spPr/>
-    </dgm:pt>
-    <dgm:pt modelId="{DD99023D-BE99-49CB-833B-338805E1C282}" type="pres">
-      <dgm:prSet presAssocID="{A2816C6B-591A-475D-9635-C3FBB5329F80}" presName="hierRoot2" presStyleCnt="0">
-        <dgm:presLayoutVars>
-          <dgm:hierBranch val="init"/>
-        </dgm:presLayoutVars>
-      </dgm:prSet>
-      <dgm:spPr/>
-    </dgm:pt>
-    <dgm:pt modelId="{B1126DB5-484A-4AD9-96E1-84492F33EE7D}" type="pres">
-      <dgm:prSet presAssocID="{A2816C6B-591A-475D-9635-C3FBB5329F80}" presName="rootComposite" presStyleCnt="0"/>
-      <dgm:spPr/>
-    </dgm:pt>
-    <dgm:pt modelId="{1BFC8042-51E5-4F80-8989-CCDC2F4B5CE1}" type="pres">
-      <dgm:prSet presAssocID="{A2816C6B-591A-475D-9635-C3FBB5329F80}" presName="rootText" presStyleLbl="node4" presStyleIdx="2" presStyleCnt="3" custScaleX="56034" custScaleY="116439" custLinFactX="-100000" custLinFactY="-100000" custLinFactNeighborX="-135696" custLinFactNeighborY="-170850">
-        <dgm:presLayoutVars>
-          <dgm:chPref val="3"/>
-        </dgm:presLayoutVars>
-      </dgm:prSet>
+    <dgm:pt modelId="{51CDDB36-4F73-48E1-853A-D5EB038D3588}" type="pres">
+      <dgm:prSet presAssocID="{44034F92-B4B0-4D7C-89FC-5778BDDFAD96}" presName="rootConnector" presStyleLbl="node3" presStyleIdx="0" presStyleCnt="1"/>
       <dgm:spPr/>
       <dgm:t>
         <a:bodyPr/>
@@ -2256,44 +1972,12 @@
         </a:p>
       </dgm:t>
     </dgm:pt>
-    <dgm:pt modelId="{BBE20D7F-EF8A-4D56-99D5-2C4BD4B3BB23}" type="pres">
-      <dgm:prSet presAssocID="{A2816C6B-591A-475D-9635-C3FBB5329F80}" presName="rootConnector" presStyleLbl="node4" presStyleIdx="2" presStyleCnt="3"/>
-      <dgm:spPr/>
-    </dgm:pt>
-    <dgm:pt modelId="{B6F4D88D-B87D-4AFB-B728-9EB5CC53172D}" type="pres">
-      <dgm:prSet presAssocID="{A2816C6B-591A-475D-9635-C3FBB5329F80}" presName="hierChild4" presStyleCnt="0"/>
-      <dgm:spPr/>
-    </dgm:pt>
-    <dgm:pt modelId="{B4B7E563-B8DB-46B0-AAD3-878267D97518}" type="pres">
-      <dgm:prSet presAssocID="{A2816C6B-591A-475D-9635-C3FBB5329F80}" presName="hierChild5" presStyleCnt="0"/>
-      <dgm:spPr/>
-    </dgm:pt>
-    <dgm:pt modelId="{42B5019C-AC42-41A7-B234-18D78ECC2297}" type="pres">
-      <dgm:prSet presAssocID="{F50E6865-D51A-49D3-BBA3-2A36B5CE744E}" presName="hierChild7" presStyleCnt="0"/>
-      <dgm:spPr/>
-    </dgm:pt>
-    <dgm:pt modelId="{AAC9802A-64F1-4A22-BC7F-EA7E327DCDDF}" type="pres">
-      <dgm:prSet presAssocID="{C041D622-8A26-4690-940A-25C2A0ACDDDF}" presName="Name115" presStyleLbl="parChTrans1D4" presStyleIdx="6" presStyleCnt="9" custSzX="1643508" custSzY="336413"/>
-      <dgm:spPr/>
-    </dgm:pt>
-    <dgm:pt modelId="{38D841AC-138D-4F83-8EE6-FD3634BFF03F}" type="pres">
-      <dgm:prSet presAssocID="{4D4BBA52-8469-435F-A0C7-D358A4DFD81D}" presName="hierRoot3" presStyleCnt="0">
-        <dgm:presLayoutVars>
-          <dgm:hierBranch val="init"/>
-        </dgm:presLayoutVars>
-      </dgm:prSet>
-      <dgm:spPr/>
-    </dgm:pt>
-    <dgm:pt modelId="{CA0D5178-84CD-4E06-A337-CA5DAF1544A2}" type="pres">
-      <dgm:prSet presAssocID="{4D4BBA52-8469-435F-A0C7-D358A4DFD81D}" presName="rootComposite3" presStyleCnt="0"/>
-      <dgm:spPr/>
-    </dgm:pt>
-    <dgm:pt modelId="{049524DC-52C0-401D-9C7B-E44E3451C89C}" type="pres">
-      <dgm:prSet presAssocID="{4D4BBA52-8469-435F-A0C7-D358A4DFD81D}" presName="rootText3" presStyleLbl="asst2" presStyleIdx="5" presStyleCnt="8" custScaleX="60490" custScaleY="94727" custLinFactX="-45194" custLinFactY="-200000" custLinFactNeighborX="-100000" custLinFactNeighborY="-240474">
-        <dgm:presLayoutVars>
-          <dgm:chPref val="3"/>
-        </dgm:presLayoutVars>
-      </dgm:prSet>
+    <dgm:pt modelId="{DDCC78CE-CAF4-4DEE-AD6F-765F9A7836B4}" type="pres">
+      <dgm:prSet presAssocID="{44034F92-B4B0-4D7C-89FC-5778BDDFAD96}" presName="hierChild4" presStyleCnt="0"/>
+      <dgm:spPr/>
+    </dgm:pt>
+    <dgm:pt modelId="{985EEF71-F883-450E-8D3C-E7FB45488CE5}" type="pres">
+      <dgm:prSet presAssocID="{B9E6ADF9-5384-4CE2-90A0-47F8B1035431}" presName="Name64" presStyleLbl="parChTrans1D4" presStyleIdx="0" presStyleCnt="9" custSzX="532170" custSzY="86653"/>
       <dgm:spPr/>
       <dgm:t>
         <a:bodyPr/>
@@ -2303,36 +1987,20 @@
         </a:p>
       </dgm:t>
     </dgm:pt>
-    <dgm:pt modelId="{9209DC5F-BAB1-473C-9ECE-DCF49A51FBD2}" type="pres">
-      <dgm:prSet presAssocID="{4D4BBA52-8469-435F-A0C7-D358A4DFD81D}" presName="rootConnector3" presStyleLbl="asst2" presStyleIdx="5" presStyleCnt="8"/>
-      <dgm:spPr/>
-    </dgm:pt>
-    <dgm:pt modelId="{7D45757D-A37A-482C-8FE6-BD89CE690304}" type="pres">
-      <dgm:prSet presAssocID="{4D4BBA52-8469-435F-A0C7-D358A4DFD81D}" presName="hierChild6" presStyleCnt="0"/>
-      <dgm:spPr/>
-    </dgm:pt>
-    <dgm:pt modelId="{D7BE304D-DB65-4405-8384-984F6569E433}" type="pres">
-      <dgm:prSet presAssocID="{4D4BBA52-8469-435F-A0C7-D358A4DFD81D}" presName="hierChild7" presStyleCnt="0"/>
-      <dgm:spPr/>
-    </dgm:pt>
-    <dgm:pt modelId="{0C22C9BE-AF0A-497D-A893-EEDAB479F5D8}" type="pres">
-      <dgm:prSet presAssocID="{74110F04-8663-46B2-A56B-5845466BBC77}" presName="Name115" presStyleLbl="parChTrans1D4" presStyleIdx="7" presStyleCnt="9" custSzX="1629302" custSzY="533583"/>
-      <dgm:spPr/>
-    </dgm:pt>
-    <dgm:pt modelId="{A8C33662-EEFD-4E47-8B31-B7AE621B1DA1}" type="pres">
-      <dgm:prSet presAssocID="{F39B1217-F4BA-49D0-9AF1-48AF14C6FED2}" presName="hierRoot3" presStyleCnt="0">
+    <dgm:pt modelId="{B2599F32-2C24-4E58-96FE-4CBEBCB7C654}" type="pres">
+      <dgm:prSet presAssocID="{25D4E244-3252-4363-B485-CFCC038FED88}" presName="hierRoot2" presStyleCnt="0">
         <dgm:presLayoutVars>
           <dgm:hierBranch val="init"/>
         </dgm:presLayoutVars>
       </dgm:prSet>
       <dgm:spPr/>
     </dgm:pt>
-    <dgm:pt modelId="{C67551A6-431E-40E2-9B27-84723F6DC98D}" type="pres">
-      <dgm:prSet presAssocID="{F39B1217-F4BA-49D0-9AF1-48AF14C6FED2}" presName="rootComposite3" presStyleCnt="0"/>
-      <dgm:spPr/>
-    </dgm:pt>
-    <dgm:pt modelId="{3377E816-CCFA-4883-AD24-77904C317FF4}" type="pres">
-      <dgm:prSet presAssocID="{F39B1217-F4BA-49D0-9AF1-48AF14C6FED2}" presName="rootText3" presStyleLbl="asst2" presStyleIdx="6" presStyleCnt="8" custScaleX="59425" custScaleY="113413" custLinFactX="-47295" custLinFactY="-141587" custLinFactNeighborX="-100000" custLinFactNeighborY="-200000">
+    <dgm:pt modelId="{D0953897-B11E-4C18-989A-98230A033199}" type="pres">
+      <dgm:prSet presAssocID="{25D4E244-3252-4363-B485-CFCC038FED88}" presName="rootComposite" presStyleCnt="0"/>
+      <dgm:spPr/>
+    </dgm:pt>
+    <dgm:pt modelId="{1BF09A72-5553-4CF0-BAAF-4C2F29A6B64A}" type="pres">
+      <dgm:prSet presAssocID="{25D4E244-3252-4363-B485-CFCC038FED88}" presName="rootText" presStyleLbl="node4" presStyleIdx="0" presStyleCnt="3" custScaleX="45284" custScaleY="64536" custLinFactX="-200000" custLinFactY="24101" custLinFactNeighborX="-257236" custLinFactNeighborY="100000">
         <dgm:presLayoutVars>
           <dgm:chPref val="3"/>
         </dgm:presLayoutVars>
@@ -2346,40 +2014,8 @@
         </a:p>
       </dgm:t>
     </dgm:pt>
-    <dgm:pt modelId="{6BF5D627-BE06-40F6-B36B-EFE92067737A}" type="pres">
-      <dgm:prSet presAssocID="{F39B1217-F4BA-49D0-9AF1-48AF14C6FED2}" presName="rootConnector3" presStyleLbl="asst2" presStyleIdx="6" presStyleCnt="8"/>
-      <dgm:spPr/>
-    </dgm:pt>
-    <dgm:pt modelId="{8121AA11-5BF8-4B6E-B3F2-FEE5B10BD5FE}" type="pres">
-      <dgm:prSet presAssocID="{F39B1217-F4BA-49D0-9AF1-48AF14C6FED2}" presName="hierChild6" presStyleCnt="0"/>
-      <dgm:spPr/>
-    </dgm:pt>
-    <dgm:pt modelId="{1B7232A0-C1E1-462A-86A3-8007FBE636F3}" type="pres">
-      <dgm:prSet presAssocID="{F39B1217-F4BA-49D0-9AF1-48AF14C6FED2}" presName="hierChild7" presStyleCnt="0"/>
-      <dgm:spPr/>
-    </dgm:pt>
-    <dgm:pt modelId="{255325DC-B028-4E1A-899A-2B2925A95ACE}" type="pres">
-      <dgm:prSet presAssocID="{643CDB0B-733F-4F7D-B323-25E60D66A478}" presName="Name115" presStyleLbl="parChTrans1D4" presStyleIdx="8" presStyleCnt="9" custSzX="4317350" custSzY="336413"/>
-      <dgm:spPr/>
-    </dgm:pt>
-    <dgm:pt modelId="{BBDB2216-24A8-4873-BEAC-33D96416F51E}" type="pres">
-      <dgm:prSet presAssocID="{CAC235E9-9009-46C7-BD4B-EA53128023A8}" presName="hierRoot3" presStyleCnt="0">
-        <dgm:presLayoutVars>
-          <dgm:hierBranch val="init"/>
-        </dgm:presLayoutVars>
-      </dgm:prSet>
-      <dgm:spPr/>
-    </dgm:pt>
-    <dgm:pt modelId="{1D682FF5-34A3-4E17-9483-443C847C23FE}" type="pres">
-      <dgm:prSet presAssocID="{CAC235E9-9009-46C7-BD4B-EA53128023A8}" presName="rootComposite3" presStyleCnt="0"/>
-      <dgm:spPr/>
-    </dgm:pt>
-    <dgm:pt modelId="{028C9B1A-798C-4DF4-A2CB-E9A84371AB77}" type="pres">
-      <dgm:prSet presAssocID="{CAC235E9-9009-46C7-BD4B-EA53128023A8}" presName="rootText3" presStyleLbl="asst2" presStyleIdx="7" presStyleCnt="8" custScaleX="46343" custScaleY="103915" custLinFactX="-59648" custLinFactY="-200000" custLinFactNeighborX="-100000" custLinFactNeighborY="-235880">
-        <dgm:presLayoutVars>
-          <dgm:chPref val="3"/>
-        </dgm:presLayoutVars>
-      </dgm:prSet>
+    <dgm:pt modelId="{EE532E65-DC7D-41C5-99C5-B4866D6C2C00}" type="pres">
+      <dgm:prSet presAssocID="{25D4E244-3252-4363-B485-CFCC038FED88}" presName="rootConnector" presStyleLbl="node4" presStyleIdx="0" presStyleCnt="3"/>
       <dgm:spPr/>
       <dgm:t>
         <a:bodyPr/>
@@ -2389,40 +2025,24 @@
         </a:p>
       </dgm:t>
     </dgm:pt>
-    <dgm:pt modelId="{D01D2D38-C270-4504-9D8A-32847808A27C}" type="pres">
-      <dgm:prSet presAssocID="{CAC235E9-9009-46C7-BD4B-EA53128023A8}" presName="rootConnector3" presStyleLbl="asst2" presStyleIdx="7" presStyleCnt="8"/>
-      <dgm:spPr/>
-    </dgm:pt>
-    <dgm:pt modelId="{FDF34EEC-D286-4037-A47E-785AF5F14093}" type="pres">
-      <dgm:prSet presAssocID="{CAC235E9-9009-46C7-BD4B-EA53128023A8}" presName="hierChild6" presStyleCnt="0"/>
-      <dgm:spPr/>
-    </dgm:pt>
-    <dgm:pt modelId="{833E36C1-7BBA-44F5-8E79-2BFFC6B3381D}" type="pres">
-      <dgm:prSet presAssocID="{CAC235E9-9009-46C7-BD4B-EA53128023A8}" presName="hierChild7" presStyleCnt="0"/>
-      <dgm:spPr/>
-    </dgm:pt>
-    <dgm:pt modelId="{C7D77DCA-3D7C-4B2F-9D7A-0844C9A156ED}" type="pres">
-      <dgm:prSet presAssocID="{23E01589-027A-41EF-9062-904FF62A0221}" presName="Name64" presStyleLbl="parChTrans1D2" presStyleIdx="1" presStyleCnt="4"/>
-      <dgm:spPr/>
-    </dgm:pt>
-    <dgm:pt modelId="{226E61D9-2817-4D1E-AC88-E04FF275A88B}" type="pres">
-      <dgm:prSet presAssocID="{ED3B0839-D385-4759-B07B-8AC8D3958942}" presName="hierRoot2" presStyleCnt="0">
-        <dgm:presLayoutVars>
-          <dgm:hierBranch val="init"/>
-        </dgm:presLayoutVars>
-      </dgm:prSet>
-      <dgm:spPr/>
-    </dgm:pt>
-    <dgm:pt modelId="{B5B5EA0B-0104-42DD-9D33-E08B2058F5A7}" type="pres">
-      <dgm:prSet presAssocID="{ED3B0839-D385-4759-B07B-8AC8D3958942}" presName="rootComposite" presStyleCnt="0"/>
-      <dgm:spPr/>
-    </dgm:pt>
-    <dgm:pt modelId="{A2E958C8-5C62-47CE-8A00-AFAB0A3EA338}" type="pres">
-      <dgm:prSet presAssocID="{ED3B0839-D385-4759-B07B-8AC8D3958942}" presName="rootText" presStyleLbl="node2" presStyleIdx="1" presStyleCnt="4" custScaleX="98275" custScaleY="143242" custLinFactNeighborX="5716" custLinFactNeighborY="-15197">
-        <dgm:presLayoutVars>
-          <dgm:chPref val="3"/>
-        </dgm:presLayoutVars>
-      </dgm:prSet>
+    <dgm:pt modelId="{9F1F45DA-D9E4-4DC6-917D-58339E3D133F}" type="pres">
+      <dgm:prSet presAssocID="{25D4E244-3252-4363-B485-CFCC038FED88}" presName="hierChild4" presStyleCnt="0"/>
+      <dgm:spPr/>
+    </dgm:pt>
+    <dgm:pt modelId="{E5EBBE5B-9684-4BA6-89F0-55439D604431}" type="pres">
+      <dgm:prSet presAssocID="{25D4E244-3252-4363-B485-CFCC038FED88}" presName="hierChild5" presStyleCnt="0"/>
+      <dgm:spPr/>
+    </dgm:pt>
+    <dgm:pt modelId="{6A42F3B0-F88F-47B5-BF00-AFA2AE7CB5FE}" type="pres">
+      <dgm:prSet presAssocID="{44034F92-B4B0-4D7C-89FC-5778BDDFAD96}" presName="hierChild5" presStyleCnt="0"/>
+      <dgm:spPr/>
+    </dgm:pt>
+    <dgm:pt modelId="{6507B821-373E-4A1B-B6BB-84128103A67F}" type="pres">
+      <dgm:prSet presAssocID="{A2EDA3B9-860E-45BC-8D51-F63D55834A0B}" presName="hierChild5" presStyleCnt="0"/>
+      <dgm:spPr/>
+    </dgm:pt>
+    <dgm:pt modelId="{8959CE4D-C95F-4740-A864-E32484E321A8}" type="pres">
+      <dgm:prSet presAssocID="{98D803F1-3754-497C-9335-24F22E5E934D}" presName="Name115" presStyleLbl="parChTrans1D3" presStyleIdx="1" presStyleCnt="3" custSzX="1312586" custSzY="370732"/>
       <dgm:spPr/>
       <dgm:t>
         <a:bodyPr/>
@@ -2432,36 +2052,20 @@
         </a:p>
       </dgm:t>
     </dgm:pt>
-    <dgm:pt modelId="{B0158D37-1482-41C9-95E8-6DFA554248F5}" type="pres">
-      <dgm:prSet presAssocID="{ED3B0839-D385-4759-B07B-8AC8D3958942}" presName="rootConnector" presStyleLbl="node2" presStyleIdx="1" presStyleCnt="4"/>
-      <dgm:spPr/>
-    </dgm:pt>
-    <dgm:pt modelId="{2123D06D-87BE-4203-B9CF-2F37C4D96283}" type="pres">
-      <dgm:prSet presAssocID="{ED3B0839-D385-4759-B07B-8AC8D3958942}" presName="hierChild4" presStyleCnt="0"/>
-      <dgm:spPr/>
-    </dgm:pt>
-    <dgm:pt modelId="{7376646D-2F61-49C2-B4B9-F0E6CD3A3EBF}" type="pres">
-      <dgm:prSet presAssocID="{ED3B0839-D385-4759-B07B-8AC8D3958942}" presName="hierChild5" presStyleCnt="0"/>
-      <dgm:spPr/>
-    </dgm:pt>
-    <dgm:pt modelId="{6C2EBBDD-FDF9-4D1D-93E0-60AF6F27A2A1}" type="pres">
-      <dgm:prSet presAssocID="{F70494FF-D6D0-47E8-A64E-B6CDEC8F2C84}" presName="Name64" presStyleLbl="parChTrans1D2" presStyleIdx="2" presStyleCnt="4"/>
-      <dgm:spPr/>
-    </dgm:pt>
-    <dgm:pt modelId="{54B0A418-4EFA-4DA6-A79B-5291F605742F}" type="pres">
-      <dgm:prSet presAssocID="{B5BFF3B3-3CFD-460A-94A1-291B336615D7}" presName="hierRoot2" presStyleCnt="0">
+    <dgm:pt modelId="{62C44468-DED3-4812-B572-E9C093E3023D}" type="pres">
+      <dgm:prSet presAssocID="{BC8DB884-7F9A-4C6A-83B6-C697E0737C40}" presName="hierRoot3" presStyleCnt="0">
         <dgm:presLayoutVars>
-          <dgm:hierBranch val="init"/>
+          <dgm:hierBranch/>
         </dgm:presLayoutVars>
       </dgm:prSet>
       <dgm:spPr/>
     </dgm:pt>
-    <dgm:pt modelId="{1B7C639C-C009-41E7-B18B-0584EABE74FC}" type="pres">
-      <dgm:prSet presAssocID="{B5BFF3B3-3CFD-460A-94A1-291B336615D7}" presName="rootComposite" presStyleCnt="0"/>
-      <dgm:spPr/>
-    </dgm:pt>
-    <dgm:pt modelId="{0E686097-54A9-4522-AF1B-4C407A2E37BE}" type="pres">
-      <dgm:prSet presAssocID="{B5BFF3B3-3CFD-460A-94A1-291B336615D7}" presName="rootText" presStyleLbl="node2" presStyleIdx="2" presStyleCnt="4" custScaleX="98661" custScaleY="157270" custLinFactY="100000" custLinFactNeighborX="16824" custLinFactNeighborY="197455">
+    <dgm:pt modelId="{C0462616-05EB-472A-8FB5-D24580E5A6D2}" type="pres">
+      <dgm:prSet presAssocID="{BC8DB884-7F9A-4C6A-83B6-C697E0737C40}" presName="rootComposite3" presStyleCnt="0"/>
+      <dgm:spPr/>
+    </dgm:pt>
+    <dgm:pt modelId="{556993A9-E15D-4CD1-A952-8174A291897E}" type="pres">
+      <dgm:prSet presAssocID="{BC8DB884-7F9A-4C6A-83B6-C697E0737C40}" presName="rootText3" presStyleLbl="asst2" presStyleIdx="0" presStyleCnt="8" custScaleX="66807" custScaleY="106616" custLinFactX="-7143" custLinFactY="-299670" custLinFactNeighborX="-100000" custLinFactNeighborY="-300000">
         <dgm:presLayoutVars>
           <dgm:chPref val="3"/>
         </dgm:presLayoutVars>
@@ -2475,40 +2079,8 @@
         </a:p>
       </dgm:t>
     </dgm:pt>
-    <dgm:pt modelId="{57682123-CE78-43A9-8363-B6D86383FC87}" type="pres">
-      <dgm:prSet presAssocID="{B5BFF3B3-3CFD-460A-94A1-291B336615D7}" presName="rootConnector" presStyleLbl="node2" presStyleIdx="2" presStyleCnt="4"/>
-      <dgm:spPr/>
-    </dgm:pt>
-    <dgm:pt modelId="{F48A8813-33ED-4946-B837-1C5AAD30C1A1}" type="pres">
-      <dgm:prSet presAssocID="{B5BFF3B3-3CFD-460A-94A1-291B336615D7}" presName="hierChild4" presStyleCnt="0"/>
-      <dgm:spPr/>
-    </dgm:pt>
-    <dgm:pt modelId="{4BE6F646-6E86-4199-BDCF-ED2109651F72}" type="pres">
-      <dgm:prSet presAssocID="{B5BFF3B3-3CFD-460A-94A1-291B336615D7}" presName="hierChild5" presStyleCnt="0"/>
-      <dgm:spPr/>
-    </dgm:pt>
-    <dgm:pt modelId="{53F06461-5CB0-4E89-923B-35E39DF14CCF}" type="pres">
-      <dgm:prSet presAssocID="{BA5B6A22-1E3A-4C38-BCE2-AA57458FFF9A}" presName="Name64" presStyleLbl="parChTrans1D2" presStyleIdx="3" presStyleCnt="4"/>
-      <dgm:spPr/>
-    </dgm:pt>
-    <dgm:pt modelId="{70E5FAE5-9628-4353-9C4D-81873F3BA6EB}" type="pres">
-      <dgm:prSet presAssocID="{F03F9D8E-7FC6-4A5A-B4E0-A2B5147A8DF8}" presName="hierRoot2" presStyleCnt="0">
-        <dgm:presLayoutVars>
-          <dgm:hierBranch val="init"/>
-        </dgm:presLayoutVars>
-      </dgm:prSet>
-      <dgm:spPr/>
-    </dgm:pt>
-    <dgm:pt modelId="{C1F7A4F6-3D1F-484C-B6EC-DB5A42671415}" type="pres">
-      <dgm:prSet presAssocID="{F03F9D8E-7FC6-4A5A-B4E0-A2B5147A8DF8}" presName="rootComposite" presStyleCnt="0"/>
-      <dgm:spPr/>
-    </dgm:pt>
-    <dgm:pt modelId="{771FB855-8FBC-446B-913B-0B006896F1BA}" type="pres">
-      <dgm:prSet presAssocID="{F03F9D8E-7FC6-4A5A-B4E0-A2B5147A8DF8}" presName="rootText" presStyleLbl="node2" presStyleIdx="3" presStyleCnt="4" custScaleX="83630" custScaleY="248876" custLinFactY="200000" custLinFactNeighborX="-87696" custLinFactNeighborY="205661">
-        <dgm:presLayoutVars>
-          <dgm:chPref val="3"/>
-        </dgm:presLayoutVars>
-      </dgm:prSet>
+    <dgm:pt modelId="{DD5FEC92-B0C8-4F9A-B3E0-41D5D756698A}" type="pres">
+      <dgm:prSet presAssocID="{BC8DB884-7F9A-4C6A-83B6-C697E0737C40}" presName="rootConnector3" presStyleLbl="asst2" presStyleIdx="0" presStyleCnt="8"/>
       <dgm:spPr/>
       <dgm:t>
         <a:bodyPr/>
@@ -2518,9 +2090,689 @@
         </a:p>
       </dgm:t>
     </dgm:pt>
+    <dgm:pt modelId="{77DF6354-5837-45B9-B865-628F580F6721}" type="pres">
+      <dgm:prSet presAssocID="{BC8DB884-7F9A-4C6A-83B6-C697E0737C40}" presName="hierChild6" presStyleCnt="0"/>
+      <dgm:spPr/>
+    </dgm:pt>
+    <dgm:pt modelId="{FC4F6A48-B6CF-4337-98C8-F9C910FD0825}" type="pres">
+      <dgm:prSet presAssocID="{89C1B82A-3FA2-480B-9D06-7605E72A68F3}" presName="Name64" presStyleLbl="parChTrans1D4" presStyleIdx="1" presStyleCnt="9" custSzX="4123084" custSzY="855742"/>
+      <dgm:spPr/>
+      <dgm:t>
+        <a:bodyPr/>
+        <a:lstStyle/>
+        <a:p>
+          <a:endParaRPr lang="en-US"/>
+        </a:p>
+      </dgm:t>
+    </dgm:pt>
+    <dgm:pt modelId="{24694F89-4084-490D-A81D-8E0AC00116A5}" type="pres">
+      <dgm:prSet presAssocID="{B4F09747-FBF8-41EA-934B-5E1F66862013}" presName="hierRoot2" presStyleCnt="0">
+        <dgm:presLayoutVars>
+          <dgm:hierBranch val="init"/>
+        </dgm:presLayoutVars>
+      </dgm:prSet>
+      <dgm:spPr/>
+    </dgm:pt>
+    <dgm:pt modelId="{CFB86A12-7DF5-4910-8478-C55992E03731}" type="pres">
+      <dgm:prSet presAssocID="{B4F09747-FBF8-41EA-934B-5E1F66862013}" presName="rootComposite" presStyleCnt="0"/>
+      <dgm:spPr/>
+    </dgm:pt>
+    <dgm:pt modelId="{08EA9D08-644C-4287-941A-553225F3C022}" type="pres">
+      <dgm:prSet presAssocID="{B4F09747-FBF8-41EA-934B-5E1F66862013}" presName="rootText" presStyleLbl="node4" presStyleIdx="1" presStyleCnt="3" custScaleX="53477" custScaleY="107159" custLinFactX="-100000" custLinFactY="-300000" custLinFactNeighborX="-136334" custLinFactNeighborY="-388625">
+        <dgm:presLayoutVars>
+          <dgm:chPref val="3"/>
+        </dgm:presLayoutVars>
+      </dgm:prSet>
+      <dgm:spPr/>
+      <dgm:t>
+        <a:bodyPr/>
+        <a:lstStyle/>
+        <a:p>
+          <a:endParaRPr lang="en-US"/>
+        </a:p>
+      </dgm:t>
+    </dgm:pt>
+    <dgm:pt modelId="{81978EE9-A3D3-4F0E-B01C-67FEACF197E1}" type="pres">
+      <dgm:prSet presAssocID="{B4F09747-FBF8-41EA-934B-5E1F66862013}" presName="rootConnector" presStyleLbl="node4" presStyleIdx="1" presStyleCnt="3"/>
+      <dgm:spPr/>
+      <dgm:t>
+        <a:bodyPr/>
+        <a:lstStyle/>
+        <a:p>
+          <a:endParaRPr lang="en-US"/>
+        </a:p>
+      </dgm:t>
+    </dgm:pt>
+    <dgm:pt modelId="{39D30BD2-82E5-44C3-B6B8-F8B435ABC63D}" type="pres">
+      <dgm:prSet presAssocID="{B4F09747-FBF8-41EA-934B-5E1F66862013}" presName="hierChild4" presStyleCnt="0"/>
+      <dgm:spPr/>
+    </dgm:pt>
+    <dgm:pt modelId="{C50BB83C-D85E-41EA-85D8-A802CF38F2C1}" type="pres">
+      <dgm:prSet presAssocID="{B4F09747-FBF8-41EA-934B-5E1F66862013}" presName="hierChild5" presStyleCnt="0"/>
+      <dgm:spPr/>
+    </dgm:pt>
+    <dgm:pt modelId="{C7B160D2-8423-4C8D-8C28-93416D561C54}" type="pres">
+      <dgm:prSet presAssocID="{BC8DB884-7F9A-4C6A-83B6-C697E0737C40}" presName="hierChild7" presStyleCnt="0"/>
+      <dgm:spPr/>
+    </dgm:pt>
+    <dgm:pt modelId="{2A7B97A2-75EE-4FA2-A66E-AE4628B27B74}" type="pres">
+      <dgm:prSet presAssocID="{4D632FFD-C399-4205-970F-9F5024BDA07B}" presName="Name115" presStyleLbl="parChTrans1D4" presStyleIdx="2" presStyleCnt="9" custSzX="2095510" custSzY="739640"/>
+      <dgm:spPr/>
+      <dgm:t>
+        <a:bodyPr/>
+        <a:lstStyle/>
+        <a:p>
+          <a:endParaRPr lang="en-US"/>
+        </a:p>
+      </dgm:t>
+    </dgm:pt>
+    <dgm:pt modelId="{B617051F-713D-491D-9630-21F5F0D24C3B}" type="pres">
+      <dgm:prSet presAssocID="{A8EB4D03-BEC6-415E-AEC0-D70D1E5DF295}" presName="hierRoot3" presStyleCnt="0">
+        <dgm:presLayoutVars>
+          <dgm:hierBranch val="init"/>
+        </dgm:presLayoutVars>
+      </dgm:prSet>
+      <dgm:spPr/>
+    </dgm:pt>
+    <dgm:pt modelId="{0F47D772-9A02-4D0C-AC53-D300C369E184}" type="pres">
+      <dgm:prSet presAssocID="{A8EB4D03-BEC6-415E-AEC0-D70D1E5DF295}" presName="rootComposite3" presStyleCnt="0"/>
+      <dgm:spPr/>
+    </dgm:pt>
+    <dgm:pt modelId="{E46D91B8-1864-4ACE-880D-EE43968002F2}" type="pres">
+      <dgm:prSet presAssocID="{A8EB4D03-BEC6-415E-AEC0-D70D1E5DF295}" presName="rootText3" presStyleLbl="asst2" presStyleIdx="1" presStyleCnt="8" custScaleX="53477" custScaleY="107157" custLinFactX="-52525" custLinFactY="-200000" custLinFactNeighborX="-100000" custLinFactNeighborY="-238220">
+        <dgm:presLayoutVars>
+          <dgm:chPref val="3"/>
+        </dgm:presLayoutVars>
+      </dgm:prSet>
+      <dgm:spPr/>
+      <dgm:t>
+        <a:bodyPr/>
+        <a:lstStyle/>
+        <a:p>
+          <a:endParaRPr lang="en-US"/>
+        </a:p>
+      </dgm:t>
+    </dgm:pt>
+    <dgm:pt modelId="{2FE48843-58F9-4FA7-AD41-31343F5419AD}" type="pres">
+      <dgm:prSet presAssocID="{A8EB4D03-BEC6-415E-AEC0-D70D1E5DF295}" presName="rootConnector3" presStyleLbl="asst2" presStyleIdx="1" presStyleCnt="8"/>
+      <dgm:spPr/>
+      <dgm:t>
+        <a:bodyPr/>
+        <a:lstStyle/>
+        <a:p>
+          <a:endParaRPr lang="en-US"/>
+        </a:p>
+      </dgm:t>
+    </dgm:pt>
+    <dgm:pt modelId="{8EECBA5A-8F8C-4949-804C-026D1F0B2C11}" type="pres">
+      <dgm:prSet presAssocID="{A8EB4D03-BEC6-415E-AEC0-D70D1E5DF295}" presName="hierChild6" presStyleCnt="0"/>
+      <dgm:spPr/>
+    </dgm:pt>
+    <dgm:pt modelId="{7FE07D6D-419D-4FB1-A847-7AFFAD3EE92D}" type="pres">
+      <dgm:prSet presAssocID="{A8EB4D03-BEC6-415E-AEC0-D70D1E5DF295}" presName="hierChild7" presStyleCnt="0"/>
+      <dgm:spPr/>
+    </dgm:pt>
+    <dgm:pt modelId="{666B7ED4-1440-4E0F-928C-C19310EAB7F1}" type="pres">
+      <dgm:prSet presAssocID="{77DA738C-36B7-4395-A738-35998C9A5A8B}" presName="Name115" presStyleLbl="parChTrans1D4" presStyleIdx="3" presStyleCnt="9" custSzX="2095510" custSzY="348694"/>
+      <dgm:spPr/>
+      <dgm:t>
+        <a:bodyPr/>
+        <a:lstStyle/>
+        <a:p>
+          <a:endParaRPr lang="en-US"/>
+        </a:p>
+      </dgm:t>
+    </dgm:pt>
+    <dgm:pt modelId="{7970C6CA-C7A8-42D4-B249-A7CE74DA0F11}" type="pres">
+      <dgm:prSet presAssocID="{5A80081A-A96B-4E42-A778-F41834F8834D}" presName="hierRoot3" presStyleCnt="0">
+        <dgm:presLayoutVars>
+          <dgm:hierBranch val="init"/>
+        </dgm:presLayoutVars>
+      </dgm:prSet>
+      <dgm:spPr/>
+    </dgm:pt>
+    <dgm:pt modelId="{CFCC9DA7-5CDD-42D8-8251-842F1A13AF29}" type="pres">
+      <dgm:prSet presAssocID="{5A80081A-A96B-4E42-A778-F41834F8834D}" presName="rootComposite3" presStyleCnt="0"/>
+      <dgm:spPr/>
+    </dgm:pt>
+    <dgm:pt modelId="{7EA8C150-67AD-4449-A92E-08A01AECE502}" type="pres">
+      <dgm:prSet presAssocID="{5A80081A-A96B-4E42-A778-F41834F8834D}" presName="rootText3" presStyleLbl="asst2" presStyleIdx="2" presStyleCnt="8" custScaleX="53477" custScaleY="107157" custLinFactX="-52766" custLinFactY="-367269" custLinFactNeighborX="-100000" custLinFactNeighborY="-400000">
+        <dgm:presLayoutVars>
+          <dgm:chPref val="3"/>
+        </dgm:presLayoutVars>
+      </dgm:prSet>
+      <dgm:spPr/>
+      <dgm:t>
+        <a:bodyPr/>
+        <a:lstStyle/>
+        <a:p>
+          <a:endParaRPr lang="en-US"/>
+        </a:p>
+      </dgm:t>
+    </dgm:pt>
+    <dgm:pt modelId="{8A3D6086-61AC-4392-B905-4D38A44CBA29}" type="pres">
+      <dgm:prSet presAssocID="{5A80081A-A96B-4E42-A778-F41834F8834D}" presName="rootConnector3" presStyleLbl="asst2" presStyleIdx="2" presStyleCnt="8"/>
+      <dgm:spPr/>
+      <dgm:t>
+        <a:bodyPr/>
+        <a:lstStyle/>
+        <a:p>
+          <a:endParaRPr lang="en-US"/>
+        </a:p>
+      </dgm:t>
+    </dgm:pt>
+    <dgm:pt modelId="{6632E7DD-2D33-4EFB-B8DC-F06D9D7A8ED9}" type="pres">
+      <dgm:prSet presAssocID="{5A80081A-A96B-4E42-A778-F41834F8834D}" presName="hierChild6" presStyleCnt="0"/>
+      <dgm:spPr/>
+    </dgm:pt>
+    <dgm:pt modelId="{4A53A8DE-10E6-4C2C-AF30-6F90BCE0E3C2}" type="pres">
+      <dgm:prSet presAssocID="{5A80081A-A96B-4E42-A778-F41834F8834D}" presName="hierChild7" presStyleCnt="0"/>
+      <dgm:spPr/>
+    </dgm:pt>
+    <dgm:pt modelId="{F061BB6D-1705-4918-B391-A3C33A0C0EC0}" type="pres">
+      <dgm:prSet presAssocID="{33C19BF9-391F-4A13-AAE0-B94291797E3E}" presName="Name115" presStyleLbl="parChTrans1D4" presStyleIdx="4" presStyleCnt="9" custSzX="5486418" custSzY="739640"/>
+      <dgm:spPr/>
+      <dgm:t>
+        <a:bodyPr/>
+        <a:lstStyle/>
+        <a:p>
+          <a:endParaRPr lang="en-US"/>
+        </a:p>
+      </dgm:t>
+    </dgm:pt>
+    <dgm:pt modelId="{EE117886-06A3-4860-9118-9ABAF5CA141D}" type="pres">
+      <dgm:prSet presAssocID="{5C1F2BF8-8A32-45B1-9061-47C4235B3CFA}" presName="hierRoot3" presStyleCnt="0">
+        <dgm:presLayoutVars>
+          <dgm:hierBranch val="init"/>
+        </dgm:presLayoutVars>
+      </dgm:prSet>
+      <dgm:spPr/>
+    </dgm:pt>
+    <dgm:pt modelId="{747663BD-9674-4646-90AA-3D06A2B6A264}" type="pres">
+      <dgm:prSet presAssocID="{5C1F2BF8-8A32-45B1-9061-47C4235B3CFA}" presName="rootComposite3" presStyleCnt="0"/>
+      <dgm:spPr/>
+    </dgm:pt>
+    <dgm:pt modelId="{9F264E81-31BB-4948-AFA1-083E4D73A81A}" type="pres">
+      <dgm:prSet presAssocID="{5C1F2BF8-8A32-45B1-9061-47C4235B3CFA}" presName="rootText3" presStyleLbl="asst2" presStyleIdx="3" presStyleCnt="8" custScaleX="47796" custScaleY="105640" custLinFactX="-66159" custLinFactY="-200000" custLinFactNeighborX="-100000" custLinFactNeighborY="-234276">
+        <dgm:presLayoutVars>
+          <dgm:chPref val="3"/>
+        </dgm:presLayoutVars>
+      </dgm:prSet>
+      <dgm:spPr/>
+      <dgm:t>
+        <a:bodyPr/>
+        <a:lstStyle/>
+        <a:p>
+          <a:endParaRPr lang="en-US"/>
+        </a:p>
+      </dgm:t>
+    </dgm:pt>
+    <dgm:pt modelId="{83516224-8137-4026-BFE3-622879AA7CC8}" type="pres">
+      <dgm:prSet presAssocID="{5C1F2BF8-8A32-45B1-9061-47C4235B3CFA}" presName="rootConnector3" presStyleLbl="asst2" presStyleIdx="3" presStyleCnt="8"/>
+      <dgm:spPr/>
+      <dgm:t>
+        <a:bodyPr/>
+        <a:lstStyle/>
+        <a:p>
+          <a:endParaRPr lang="en-US"/>
+        </a:p>
+      </dgm:t>
+    </dgm:pt>
+    <dgm:pt modelId="{B671C74A-04BA-49DF-BE2B-E5F0552CDCEC}" type="pres">
+      <dgm:prSet presAssocID="{5C1F2BF8-8A32-45B1-9061-47C4235B3CFA}" presName="hierChild6" presStyleCnt="0"/>
+      <dgm:spPr/>
+    </dgm:pt>
+    <dgm:pt modelId="{4AD2E0B0-2E9A-49FB-B2F0-8A16A94467E7}" type="pres">
+      <dgm:prSet presAssocID="{5C1F2BF8-8A32-45B1-9061-47C4235B3CFA}" presName="hierChild7" presStyleCnt="0"/>
+      <dgm:spPr/>
+    </dgm:pt>
+    <dgm:pt modelId="{F2D11448-41E5-4724-879E-06AA3944915F}" type="pres">
+      <dgm:prSet presAssocID="{8B5E82D5-DFD6-4434-BAEA-6FC9B55D3871}" presName="Name115" presStyleLbl="parChTrans1D3" presStyleIdx="2" presStyleCnt="3" custSzX="1391410" custSzY="3011298"/>
+      <dgm:spPr/>
+      <dgm:t>
+        <a:bodyPr/>
+        <a:lstStyle/>
+        <a:p>
+          <a:endParaRPr lang="en-US"/>
+        </a:p>
+      </dgm:t>
+    </dgm:pt>
+    <dgm:pt modelId="{6F4897FF-F0DB-4FBA-8BE7-214F18FCC4F1}" type="pres">
+      <dgm:prSet presAssocID="{F50E6865-D51A-49D3-BBA3-2A36B5CE744E}" presName="hierRoot3" presStyleCnt="0">
+        <dgm:presLayoutVars>
+          <dgm:hierBranch val="init"/>
+        </dgm:presLayoutVars>
+      </dgm:prSet>
+      <dgm:spPr/>
+    </dgm:pt>
+    <dgm:pt modelId="{7B952F8D-D4B0-4D28-A20E-8B3621E193B8}" type="pres">
+      <dgm:prSet presAssocID="{F50E6865-D51A-49D3-BBA3-2A36B5CE744E}" presName="rootComposite3" presStyleCnt="0"/>
+      <dgm:spPr/>
+    </dgm:pt>
+    <dgm:pt modelId="{986C1812-1810-47F5-A099-ABD15361AF24}" type="pres">
+      <dgm:prSet presAssocID="{F50E6865-D51A-49D3-BBA3-2A36B5CE744E}" presName="rootText3" presStyleLbl="asst2" presStyleIdx="4" presStyleCnt="8" custScaleX="60824" custScaleY="104760" custLinFactX="-23757" custLinFactY="-200000" custLinFactNeighborX="-100000" custLinFactNeighborY="-208351">
+        <dgm:presLayoutVars>
+          <dgm:chPref val="3"/>
+        </dgm:presLayoutVars>
+      </dgm:prSet>
+      <dgm:spPr/>
+      <dgm:t>
+        <a:bodyPr/>
+        <a:lstStyle/>
+        <a:p>
+          <a:endParaRPr lang="en-US"/>
+        </a:p>
+      </dgm:t>
+    </dgm:pt>
+    <dgm:pt modelId="{57E473C7-20BC-4CAF-A736-EFFF5CFA7122}" type="pres">
+      <dgm:prSet presAssocID="{F50E6865-D51A-49D3-BBA3-2A36B5CE744E}" presName="rootConnector3" presStyleLbl="asst2" presStyleIdx="4" presStyleCnt="8"/>
+      <dgm:spPr/>
+      <dgm:t>
+        <a:bodyPr/>
+        <a:lstStyle/>
+        <a:p>
+          <a:endParaRPr lang="en-US"/>
+        </a:p>
+      </dgm:t>
+    </dgm:pt>
+    <dgm:pt modelId="{ABE88287-7BB1-4127-B3CD-D80926CFCE3E}" type="pres">
+      <dgm:prSet presAssocID="{F50E6865-D51A-49D3-BBA3-2A36B5CE744E}" presName="hierChild6" presStyleCnt="0"/>
+      <dgm:spPr/>
+    </dgm:pt>
+    <dgm:pt modelId="{05E26F3D-4F04-4871-AC1E-99337AED2DD4}" type="pres">
+      <dgm:prSet presAssocID="{335FA561-4929-49F7-88FF-D0DB668988A0}" presName="Name64" presStyleLbl="parChTrans1D4" presStyleIdx="5" presStyleCnt="9" custSzX="2550819" custSzY="973739"/>
+      <dgm:spPr/>
+      <dgm:t>
+        <a:bodyPr/>
+        <a:lstStyle/>
+        <a:p>
+          <a:endParaRPr lang="en-US"/>
+        </a:p>
+      </dgm:t>
+    </dgm:pt>
+    <dgm:pt modelId="{DD99023D-BE99-49CB-833B-338805E1C282}" type="pres">
+      <dgm:prSet presAssocID="{A2816C6B-591A-475D-9635-C3FBB5329F80}" presName="hierRoot2" presStyleCnt="0">
+        <dgm:presLayoutVars>
+          <dgm:hierBranch val="init"/>
+        </dgm:presLayoutVars>
+      </dgm:prSet>
+      <dgm:spPr/>
+    </dgm:pt>
+    <dgm:pt modelId="{B1126DB5-484A-4AD9-96E1-84492F33EE7D}" type="pres">
+      <dgm:prSet presAssocID="{A2816C6B-591A-475D-9635-C3FBB5329F80}" presName="rootComposite" presStyleCnt="0"/>
+      <dgm:spPr/>
+    </dgm:pt>
+    <dgm:pt modelId="{1BFC8042-51E5-4F80-8989-CCDC2F4B5CE1}" type="pres">
+      <dgm:prSet presAssocID="{A2816C6B-591A-475D-9635-C3FBB5329F80}" presName="rootText" presStyleLbl="node4" presStyleIdx="2" presStyleCnt="3" custScaleX="56034" custScaleY="116439" custLinFactX="-100000" custLinFactY="-100000" custLinFactNeighborX="-135696" custLinFactNeighborY="-170850">
+        <dgm:presLayoutVars>
+          <dgm:chPref val="3"/>
+        </dgm:presLayoutVars>
+      </dgm:prSet>
+      <dgm:spPr/>
+      <dgm:t>
+        <a:bodyPr/>
+        <a:lstStyle/>
+        <a:p>
+          <a:endParaRPr lang="en-US"/>
+        </a:p>
+      </dgm:t>
+    </dgm:pt>
+    <dgm:pt modelId="{BBE20D7F-EF8A-4D56-99D5-2C4BD4B3BB23}" type="pres">
+      <dgm:prSet presAssocID="{A2816C6B-591A-475D-9635-C3FBB5329F80}" presName="rootConnector" presStyleLbl="node4" presStyleIdx="2" presStyleCnt="3"/>
+      <dgm:spPr/>
+      <dgm:t>
+        <a:bodyPr/>
+        <a:lstStyle/>
+        <a:p>
+          <a:endParaRPr lang="en-US"/>
+        </a:p>
+      </dgm:t>
+    </dgm:pt>
+    <dgm:pt modelId="{B6F4D88D-B87D-4AFB-B728-9EB5CC53172D}" type="pres">
+      <dgm:prSet presAssocID="{A2816C6B-591A-475D-9635-C3FBB5329F80}" presName="hierChild4" presStyleCnt="0"/>
+      <dgm:spPr/>
+    </dgm:pt>
+    <dgm:pt modelId="{B4B7E563-B8DB-46B0-AAD3-878267D97518}" type="pres">
+      <dgm:prSet presAssocID="{A2816C6B-591A-475D-9635-C3FBB5329F80}" presName="hierChild5" presStyleCnt="0"/>
+      <dgm:spPr/>
+    </dgm:pt>
+    <dgm:pt modelId="{42B5019C-AC42-41A7-B234-18D78ECC2297}" type="pres">
+      <dgm:prSet presAssocID="{F50E6865-D51A-49D3-BBA3-2A36B5CE744E}" presName="hierChild7" presStyleCnt="0"/>
+      <dgm:spPr/>
+    </dgm:pt>
+    <dgm:pt modelId="{AAC9802A-64F1-4A22-BC7F-EA7E327DCDDF}" type="pres">
+      <dgm:prSet presAssocID="{C041D622-8A26-4690-940A-25C2A0ACDDDF}" presName="Name115" presStyleLbl="parChTrans1D4" presStyleIdx="6" presStyleCnt="9" custSzX="1643508" custSzY="336413"/>
+      <dgm:spPr/>
+      <dgm:t>
+        <a:bodyPr/>
+        <a:lstStyle/>
+        <a:p>
+          <a:endParaRPr lang="en-US"/>
+        </a:p>
+      </dgm:t>
+    </dgm:pt>
+    <dgm:pt modelId="{38D841AC-138D-4F83-8EE6-FD3634BFF03F}" type="pres">
+      <dgm:prSet presAssocID="{4D4BBA52-8469-435F-A0C7-D358A4DFD81D}" presName="hierRoot3" presStyleCnt="0">
+        <dgm:presLayoutVars>
+          <dgm:hierBranch val="init"/>
+        </dgm:presLayoutVars>
+      </dgm:prSet>
+      <dgm:spPr/>
+    </dgm:pt>
+    <dgm:pt modelId="{CA0D5178-84CD-4E06-A337-CA5DAF1544A2}" type="pres">
+      <dgm:prSet presAssocID="{4D4BBA52-8469-435F-A0C7-D358A4DFD81D}" presName="rootComposite3" presStyleCnt="0"/>
+      <dgm:spPr/>
+    </dgm:pt>
+    <dgm:pt modelId="{049524DC-52C0-401D-9C7B-E44E3451C89C}" type="pres">
+      <dgm:prSet presAssocID="{4D4BBA52-8469-435F-A0C7-D358A4DFD81D}" presName="rootText3" presStyleLbl="asst2" presStyleIdx="5" presStyleCnt="8" custScaleX="55218" custScaleY="99361" custLinFactX="-49004" custLinFactY="-200000" custLinFactNeighborX="-100000" custLinFactNeighborY="-238390">
+        <dgm:presLayoutVars>
+          <dgm:chPref val="3"/>
+        </dgm:presLayoutVars>
+      </dgm:prSet>
+      <dgm:spPr/>
+      <dgm:t>
+        <a:bodyPr/>
+        <a:lstStyle/>
+        <a:p>
+          <a:endParaRPr lang="en-US"/>
+        </a:p>
+      </dgm:t>
+    </dgm:pt>
+    <dgm:pt modelId="{9209DC5F-BAB1-473C-9ECE-DCF49A51FBD2}" type="pres">
+      <dgm:prSet presAssocID="{4D4BBA52-8469-435F-A0C7-D358A4DFD81D}" presName="rootConnector3" presStyleLbl="asst2" presStyleIdx="5" presStyleCnt="8"/>
+      <dgm:spPr/>
+      <dgm:t>
+        <a:bodyPr/>
+        <a:lstStyle/>
+        <a:p>
+          <a:endParaRPr lang="en-US"/>
+        </a:p>
+      </dgm:t>
+    </dgm:pt>
+    <dgm:pt modelId="{7D45757D-A37A-482C-8FE6-BD89CE690304}" type="pres">
+      <dgm:prSet presAssocID="{4D4BBA52-8469-435F-A0C7-D358A4DFD81D}" presName="hierChild6" presStyleCnt="0"/>
+      <dgm:spPr/>
+    </dgm:pt>
+    <dgm:pt modelId="{D7BE304D-DB65-4405-8384-984F6569E433}" type="pres">
+      <dgm:prSet presAssocID="{4D4BBA52-8469-435F-A0C7-D358A4DFD81D}" presName="hierChild7" presStyleCnt="0"/>
+      <dgm:spPr/>
+    </dgm:pt>
+    <dgm:pt modelId="{0C22C9BE-AF0A-497D-A893-EEDAB479F5D8}" type="pres">
+      <dgm:prSet presAssocID="{74110F04-8663-46B2-A56B-5845466BBC77}" presName="Name115" presStyleLbl="parChTrans1D4" presStyleIdx="7" presStyleCnt="9" custSzX="1629302" custSzY="533583"/>
+      <dgm:spPr/>
+      <dgm:t>
+        <a:bodyPr/>
+        <a:lstStyle/>
+        <a:p>
+          <a:endParaRPr lang="en-US"/>
+        </a:p>
+      </dgm:t>
+    </dgm:pt>
+    <dgm:pt modelId="{A8C33662-EEFD-4E47-8B31-B7AE621B1DA1}" type="pres">
+      <dgm:prSet presAssocID="{F39B1217-F4BA-49D0-9AF1-48AF14C6FED2}" presName="hierRoot3" presStyleCnt="0">
+        <dgm:presLayoutVars>
+          <dgm:hierBranch val="init"/>
+        </dgm:presLayoutVars>
+      </dgm:prSet>
+      <dgm:spPr/>
+    </dgm:pt>
+    <dgm:pt modelId="{C67551A6-431E-40E2-9B27-84723F6DC98D}" type="pres">
+      <dgm:prSet presAssocID="{F39B1217-F4BA-49D0-9AF1-48AF14C6FED2}" presName="rootComposite3" presStyleCnt="0"/>
+      <dgm:spPr/>
+    </dgm:pt>
+    <dgm:pt modelId="{3377E816-CCFA-4883-AD24-77904C317FF4}" type="pres">
+      <dgm:prSet presAssocID="{F39B1217-F4BA-49D0-9AF1-48AF14C6FED2}" presName="rootText3" presStyleLbl="asst2" presStyleIdx="6" presStyleCnt="8" custScaleX="54244" custScaleY="118961" custLinFactX="-49191" custLinFactY="-147839" custLinFactNeighborX="-100000" custLinFactNeighborY="-200000">
+        <dgm:presLayoutVars>
+          <dgm:chPref val="3"/>
+        </dgm:presLayoutVars>
+      </dgm:prSet>
+      <dgm:spPr/>
+      <dgm:t>
+        <a:bodyPr/>
+        <a:lstStyle/>
+        <a:p>
+          <a:endParaRPr lang="en-US"/>
+        </a:p>
+      </dgm:t>
+    </dgm:pt>
+    <dgm:pt modelId="{6BF5D627-BE06-40F6-B36B-EFE92067737A}" type="pres">
+      <dgm:prSet presAssocID="{F39B1217-F4BA-49D0-9AF1-48AF14C6FED2}" presName="rootConnector3" presStyleLbl="asst2" presStyleIdx="6" presStyleCnt="8"/>
+      <dgm:spPr/>
+      <dgm:t>
+        <a:bodyPr/>
+        <a:lstStyle/>
+        <a:p>
+          <a:endParaRPr lang="en-US"/>
+        </a:p>
+      </dgm:t>
+    </dgm:pt>
+    <dgm:pt modelId="{8121AA11-5BF8-4B6E-B3F2-FEE5B10BD5FE}" type="pres">
+      <dgm:prSet presAssocID="{F39B1217-F4BA-49D0-9AF1-48AF14C6FED2}" presName="hierChild6" presStyleCnt="0"/>
+      <dgm:spPr/>
+    </dgm:pt>
+    <dgm:pt modelId="{1B7232A0-C1E1-462A-86A3-8007FBE636F3}" type="pres">
+      <dgm:prSet presAssocID="{F39B1217-F4BA-49D0-9AF1-48AF14C6FED2}" presName="hierChild7" presStyleCnt="0"/>
+      <dgm:spPr/>
+    </dgm:pt>
+    <dgm:pt modelId="{255325DC-B028-4E1A-899A-2B2925A95ACE}" type="pres">
+      <dgm:prSet presAssocID="{643CDB0B-733F-4F7D-B323-25E60D66A478}" presName="Name115" presStyleLbl="parChTrans1D4" presStyleIdx="8" presStyleCnt="9" custSzX="4317350" custSzY="336413"/>
+      <dgm:spPr/>
+      <dgm:t>
+        <a:bodyPr/>
+        <a:lstStyle/>
+        <a:p>
+          <a:endParaRPr lang="en-US"/>
+        </a:p>
+      </dgm:t>
+    </dgm:pt>
+    <dgm:pt modelId="{BBDB2216-24A8-4873-BEAC-33D96416F51E}" type="pres">
+      <dgm:prSet presAssocID="{CAC235E9-9009-46C7-BD4B-EA53128023A8}" presName="hierRoot3" presStyleCnt="0">
+        <dgm:presLayoutVars>
+          <dgm:hierBranch val="init"/>
+        </dgm:presLayoutVars>
+      </dgm:prSet>
+      <dgm:spPr/>
+    </dgm:pt>
+    <dgm:pt modelId="{1D682FF5-34A3-4E17-9483-443C847C23FE}" type="pres">
+      <dgm:prSet presAssocID="{CAC235E9-9009-46C7-BD4B-EA53128023A8}" presName="rootComposite3" presStyleCnt="0"/>
+      <dgm:spPr/>
+    </dgm:pt>
+    <dgm:pt modelId="{028C9B1A-798C-4DF4-A2CB-E9A84371AB77}" type="pres">
+      <dgm:prSet presAssocID="{CAC235E9-9009-46C7-BD4B-EA53128023A8}" presName="rootText3" presStyleLbl="asst2" presStyleIdx="7" presStyleCnt="8" custScaleX="46343" custScaleY="103915" custLinFactX="-59648" custLinFactY="-200000" custLinFactNeighborX="-100000" custLinFactNeighborY="-235880">
+        <dgm:presLayoutVars>
+          <dgm:chPref val="3"/>
+        </dgm:presLayoutVars>
+      </dgm:prSet>
+      <dgm:spPr/>
+      <dgm:t>
+        <a:bodyPr/>
+        <a:lstStyle/>
+        <a:p>
+          <a:endParaRPr lang="en-US"/>
+        </a:p>
+      </dgm:t>
+    </dgm:pt>
+    <dgm:pt modelId="{D01D2D38-C270-4504-9D8A-32847808A27C}" type="pres">
+      <dgm:prSet presAssocID="{CAC235E9-9009-46C7-BD4B-EA53128023A8}" presName="rootConnector3" presStyleLbl="asst2" presStyleIdx="7" presStyleCnt="8"/>
+      <dgm:spPr/>
+      <dgm:t>
+        <a:bodyPr/>
+        <a:lstStyle/>
+        <a:p>
+          <a:endParaRPr lang="en-US"/>
+        </a:p>
+      </dgm:t>
+    </dgm:pt>
+    <dgm:pt modelId="{FDF34EEC-D286-4037-A47E-785AF5F14093}" type="pres">
+      <dgm:prSet presAssocID="{CAC235E9-9009-46C7-BD4B-EA53128023A8}" presName="hierChild6" presStyleCnt="0"/>
+      <dgm:spPr/>
+    </dgm:pt>
+    <dgm:pt modelId="{833E36C1-7BBA-44F5-8E79-2BFFC6B3381D}" type="pres">
+      <dgm:prSet presAssocID="{CAC235E9-9009-46C7-BD4B-EA53128023A8}" presName="hierChild7" presStyleCnt="0"/>
+      <dgm:spPr/>
+    </dgm:pt>
+    <dgm:pt modelId="{C7D77DCA-3D7C-4B2F-9D7A-0844C9A156ED}" type="pres">
+      <dgm:prSet presAssocID="{23E01589-027A-41EF-9062-904FF62A0221}" presName="Name64" presStyleLbl="parChTrans1D2" presStyleIdx="1" presStyleCnt="4"/>
+      <dgm:spPr/>
+      <dgm:t>
+        <a:bodyPr/>
+        <a:lstStyle/>
+        <a:p>
+          <a:endParaRPr lang="en-US"/>
+        </a:p>
+      </dgm:t>
+    </dgm:pt>
+    <dgm:pt modelId="{226E61D9-2817-4D1E-AC88-E04FF275A88B}" type="pres">
+      <dgm:prSet presAssocID="{ED3B0839-D385-4759-B07B-8AC8D3958942}" presName="hierRoot2" presStyleCnt="0">
+        <dgm:presLayoutVars>
+          <dgm:hierBranch val="init"/>
+        </dgm:presLayoutVars>
+      </dgm:prSet>
+      <dgm:spPr/>
+    </dgm:pt>
+    <dgm:pt modelId="{B5B5EA0B-0104-42DD-9D33-E08B2058F5A7}" type="pres">
+      <dgm:prSet presAssocID="{ED3B0839-D385-4759-B07B-8AC8D3958942}" presName="rootComposite" presStyleCnt="0"/>
+      <dgm:spPr/>
+    </dgm:pt>
+    <dgm:pt modelId="{A2E958C8-5C62-47CE-8A00-AFAB0A3EA338}" type="pres">
+      <dgm:prSet presAssocID="{ED3B0839-D385-4759-B07B-8AC8D3958942}" presName="rootText" presStyleLbl="node2" presStyleIdx="1" presStyleCnt="4" custScaleX="98275" custScaleY="143242" custLinFactNeighborX="38593" custLinFactNeighborY="-15154">
+        <dgm:presLayoutVars>
+          <dgm:chPref val="3"/>
+        </dgm:presLayoutVars>
+      </dgm:prSet>
+      <dgm:spPr/>
+      <dgm:t>
+        <a:bodyPr/>
+        <a:lstStyle/>
+        <a:p>
+          <a:endParaRPr lang="en-US"/>
+        </a:p>
+      </dgm:t>
+    </dgm:pt>
+    <dgm:pt modelId="{B0158D37-1482-41C9-95E8-6DFA554248F5}" type="pres">
+      <dgm:prSet presAssocID="{ED3B0839-D385-4759-B07B-8AC8D3958942}" presName="rootConnector" presStyleLbl="node2" presStyleIdx="1" presStyleCnt="4"/>
+      <dgm:spPr/>
+      <dgm:t>
+        <a:bodyPr/>
+        <a:lstStyle/>
+        <a:p>
+          <a:endParaRPr lang="en-US"/>
+        </a:p>
+      </dgm:t>
+    </dgm:pt>
+    <dgm:pt modelId="{2123D06D-87BE-4203-B9CF-2F37C4D96283}" type="pres">
+      <dgm:prSet presAssocID="{ED3B0839-D385-4759-B07B-8AC8D3958942}" presName="hierChild4" presStyleCnt="0"/>
+      <dgm:spPr/>
+    </dgm:pt>
+    <dgm:pt modelId="{7376646D-2F61-49C2-B4B9-F0E6CD3A3EBF}" type="pres">
+      <dgm:prSet presAssocID="{ED3B0839-D385-4759-B07B-8AC8D3958942}" presName="hierChild5" presStyleCnt="0"/>
+      <dgm:spPr/>
+    </dgm:pt>
+    <dgm:pt modelId="{6C2EBBDD-FDF9-4D1D-93E0-60AF6F27A2A1}" type="pres">
+      <dgm:prSet presAssocID="{F70494FF-D6D0-47E8-A64E-B6CDEC8F2C84}" presName="Name64" presStyleLbl="parChTrans1D2" presStyleIdx="2" presStyleCnt="4"/>
+      <dgm:spPr/>
+      <dgm:t>
+        <a:bodyPr/>
+        <a:lstStyle/>
+        <a:p>
+          <a:endParaRPr lang="en-US"/>
+        </a:p>
+      </dgm:t>
+    </dgm:pt>
+    <dgm:pt modelId="{54B0A418-4EFA-4DA6-A79B-5291F605742F}" type="pres">
+      <dgm:prSet presAssocID="{B5BFF3B3-3CFD-460A-94A1-291B336615D7}" presName="hierRoot2" presStyleCnt="0">
+        <dgm:presLayoutVars>
+          <dgm:hierBranch val="init"/>
+        </dgm:presLayoutVars>
+      </dgm:prSet>
+      <dgm:spPr/>
+    </dgm:pt>
+    <dgm:pt modelId="{1B7C639C-C009-41E7-B18B-0584EABE74FC}" type="pres">
+      <dgm:prSet presAssocID="{B5BFF3B3-3CFD-460A-94A1-291B336615D7}" presName="rootComposite" presStyleCnt="0"/>
+      <dgm:spPr/>
+    </dgm:pt>
+    <dgm:pt modelId="{0E686097-54A9-4522-AF1B-4C407A2E37BE}" type="pres">
+      <dgm:prSet presAssocID="{B5BFF3B3-3CFD-460A-94A1-291B336615D7}" presName="rootText" presStyleLbl="node2" presStyleIdx="2" presStyleCnt="4" custScaleX="98661" custScaleY="157270" custLinFactY="101847" custLinFactNeighborX="37327" custLinFactNeighborY="200000">
+        <dgm:presLayoutVars>
+          <dgm:chPref val="3"/>
+        </dgm:presLayoutVars>
+      </dgm:prSet>
+      <dgm:spPr/>
+      <dgm:t>
+        <a:bodyPr/>
+        <a:lstStyle/>
+        <a:p>
+          <a:endParaRPr lang="en-US"/>
+        </a:p>
+      </dgm:t>
+    </dgm:pt>
+    <dgm:pt modelId="{57682123-CE78-43A9-8363-B6D86383FC87}" type="pres">
+      <dgm:prSet presAssocID="{B5BFF3B3-3CFD-460A-94A1-291B336615D7}" presName="rootConnector" presStyleLbl="node2" presStyleIdx="2" presStyleCnt="4"/>
+      <dgm:spPr/>
+      <dgm:t>
+        <a:bodyPr/>
+        <a:lstStyle/>
+        <a:p>
+          <a:endParaRPr lang="en-US"/>
+        </a:p>
+      </dgm:t>
+    </dgm:pt>
+    <dgm:pt modelId="{F48A8813-33ED-4946-B837-1C5AAD30C1A1}" type="pres">
+      <dgm:prSet presAssocID="{B5BFF3B3-3CFD-460A-94A1-291B336615D7}" presName="hierChild4" presStyleCnt="0"/>
+      <dgm:spPr/>
+    </dgm:pt>
+    <dgm:pt modelId="{4BE6F646-6E86-4199-BDCF-ED2109651F72}" type="pres">
+      <dgm:prSet presAssocID="{B5BFF3B3-3CFD-460A-94A1-291B336615D7}" presName="hierChild5" presStyleCnt="0"/>
+      <dgm:spPr/>
+    </dgm:pt>
+    <dgm:pt modelId="{53F06461-5CB0-4E89-923B-35E39DF14CCF}" type="pres">
+      <dgm:prSet presAssocID="{BA5B6A22-1E3A-4C38-BCE2-AA57458FFF9A}" presName="Name64" presStyleLbl="parChTrans1D2" presStyleIdx="3" presStyleCnt="4"/>
+      <dgm:spPr/>
+      <dgm:t>
+        <a:bodyPr/>
+        <a:lstStyle/>
+        <a:p>
+          <a:endParaRPr lang="en-US"/>
+        </a:p>
+      </dgm:t>
+    </dgm:pt>
+    <dgm:pt modelId="{70E5FAE5-9628-4353-9C4D-81873F3BA6EB}" type="pres">
+      <dgm:prSet presAssocID="{F03F9D8E-7FC6-4A5A-B4E0-A2B5147A8DF8}" presName="hierRoot2" presStyleCnt="0">
+        <dgm:presLayoutVars>
+          <dgm:hierBranch val="init"/>
+        </dgm:presLayoutVars>
+      </dgm:prSet>
+      <dgm:spPr/>
+    </dgm:pt>
+    <dgm:pt modelId="{C1F7A4F6-3D1F-484C-B6EC-DB5A42671415}" type="pres">
+      <dgm:prSet presAssocID="{F03F9D8E-7FC6-4A5A-B4E0-A2B5147A8DF8}" presName="rootComposite" presStyleCnt="0"/>
+      <dgm:spPr/>
+    </dgm:pt>
+    <dgm:pt modelId="{771FB855-8FBC-446B-913B-0B006896F1BA}" type="pres">
+      <dgm:prSet presAssocID="{F03F9D8E-7FC6-4A5A-B4E0-A2B5147A8DF8}" presName="rootText" presStyleLbl="node2" presStyleIdx="3" presStyleCnt="4" custScaleX="83630" custScaleY="248876" custLinFactY="200000" custLinFactNeighborX="-87696" custLinFactNeighborY="205661">
+        <dgm:presLayoutVars>
+          <dgm:chPref val="3"/>
+        </dgm:presLayoutVars>
+      </dgm:prSet>
+      <dgm:spPr/>
+      <dgm:t>
+        <a:bodyPr/>
+        <a:lstStyle/>
+        <a:p>
+          <a:endParaRPr lang="en-US"/>
+        </a:p>
+      </dgm:t>
+    </dgm:pt>
     <dgm:pt modelId="{8F66C026-6C77-4F3A-8B71-91D31EC49CD7}" type="pres">
       <dgm:prSet presAssocID="{F03F9D8E-7FC6-4A5A-B4E0-A2B5147A8DF8}" presName="rootConnector" presStyleLbl="node2" presStyleIdx="3" presStyleCnt="4"/>
       <dgm:spPr/>
+      <dgm:t>
+        <a:bodyPr/>
+        <a:lstStyle/>
+        <a:p>
+          <a:endParaRPr lang="en-US"/>
+        </a:p>
+      </dgm:t>
     </dgm:pt>
     <dgm:pt modelId="{006F721B-886F-41F7-90C0-D56368C859EF}" type="pres">
       <dgm:prSet presAssocID="{F03F9D8E-7FC6-4A5A-B4E0-A2B5147A8DF8}" presName="hierChild4" presStyleCnt="0"/>
@@ -2536,74 +2788,74 @@
     </dgm:pt>
   </dgm:ptLst>
   <dgm:cxnLst>
+    <dgm:cxn modelId="{56AFD882-42D5-4DDE-9DDF-961219DA105D}" type="presOf" srcId="{25D4E244-3252-4363-B485-CFCC038FED88}" destId="{EE532E65-DC7D-41C5-99C5-B4866D6C2C00}" srcOrd="1" destOrd="0" presId="urn:microsoft.com/office/officeart/2009/3/layout/HorizontalOrganizationChart"/>
+    <dgm:cxn modelId="{F487E88B-2EE3-43C1-83C6-40C27FF9A278}" srcId="{44034F92-B4B0-4D7C-89FC-5778BDDFAD96}" destId="{25D4E244-3252-4363-B485-CFCC038FED88}" srcOrd="0" destOrd="0" parTransId="{B9E6ADF9-5384-4CE2-90A0-47F8B1035431}" sibTransId="{876AC0E0-FE3A-4044-8D7D-BB805B71123D}"/>
+    <dgm:cxn modelId="{9B58309A-C0B4-498B-A894-CDCE0915E966}" type="presOf" srcId="{F03F9D8E-7FC6-4A5A-B4E0-A2B5147A8DF8}" destId="{771FB855-8FBC-446B-913B-0B006896F1BA}" srcOrd="0" destOrd="0" presId="urn:microsoft.com/office/officeart/2009/3/layout/HorizontalOrganizationChart"/>
+    <dgm:cxn modelId="{B3D4B394-9D0A-4CF8-8F16-53AE64E4266A}" type="presOf" srcId="{643CDB0B-733F-4F7D-B323-25E60D66A478}" destId="{255325DC-B028-4E1A-899A-2B2925A95ACE}" srcOrd="0" destOrd="0" presId="urn:microsoft.com/office/officeart/2009/3/layout/HorizontalOrganizationChart"/>
+    <dgm:cxn modelId="{BA9696B6-6EEB-4A67-94CF-9367930B8FD1}" type="presOf" srcId="{ED3B0839-D385-4759-B07B-8AC8D3958942}" destId="{B0158D37-1482-41C9-95E8-6DFA554248F5}" srcOrd="1" destOrd="0" presId="urn:microsoft.com/office/officeart/2009/3/layout/HorizontalOrganizationChart"/>
+    <dgm:cxn modelId="{93627636-3874-45E3-ACA8-25B5223D12FF}" type="presOf" srcId="{F50E6865-D51A-49D3-BBA3-2A36B5CE744E}" destId="{57E473C7-20BC-4CAF-A736-EFFF5CFA7122}" srcOrd="1" destOrd="0" presId="urn:microsoft.com/office/officeart/2009/3/layout/HorizontalOrganizationChart"/>
+    <dgm:cxn modelId="{21275736-FB6B-4AED-9DFA-A6F020F8D4CA}" srcId="{2EC6C609-E7D5-4B3C-9FC6-A6AD016269D2}" destId="{F03F9D8E-7FC6-4A5A-B4E0-A2B5147A8DF8}" srcOrd="3" destOrd="0" parTransId="{BA5B6A22-1E3A-4C38-BCE2-AA57458FFF9A}" sibTransId="{CD6BF11B-CDB6-4EC1-99A6-1FCAA0C13802}"/>
+    <dgm:cxn modelId="{1BE700E7-7D0E-4585-880A-FDBA1E75882E}" srcId="{BC8DB884-7F9A-4C6A-83B6-C697E0737C40}" destId="{B4F09747-FBF8-41EA-934B-5E1F66862013}" srcOrd="3" destOrd="0" parTransId="{89C1B82A-3FA2-480B-9D06-7605E72A68F3}" sibTransId="{3EA48C51-7BB2-4121-85A1-46F85D7BA9D7}"/>
+    <dgm:cxn modelId="{C49CE5CA-7403-4483-B073-DB737450D0E3}" srcId="{A2EDA3B9-860E-45BC-8D51-F63D55834A0B}" destId="{44034F92-B4B0-4D7C-89FC-5778BDDFAD96}" srcOrd="2" destOrd="0" parTransId="{F06BF1F2-B49C-491F-8E50-3C651AD3D16A}" sibTransId="{38FC138A-3104-4776-BDD5-9780CB8D1187}"/>
+    <dgm:cxn modelId="{37AF199E-0E23-418D-8E2F-12DA2EED1182}" srcId="{F50E6865-D51A-49D3-BBA3-2A36B5CE744E}" destId="{CAC235E9-9009-46C7-BD4B-EA53128023A8}" srcOrd="2" destOrd="0" parTransId="{643CDB0B-733F-4F7D-B323-25E60D66A478}" sibTransId="{194DBAF2-140F-4CAE-ACDB-82C25B03EC3E}"/>
+    <dgm:cxn modelId="{C774436E-12FF-4F04-B7E7-7DD604AF6FCD}" type="presOf" srcId="{2EC6C609-E7D5-4B3C-9FC6-A6AD016269D2}" destId="{2080319B-642B-4D96-B1EF-39DDB94FEA71}" srcOrd="0" destOrd="0" presId="urn:microsoft.com/office/officeart/2009/3/layout/HorizontalOrganizationChart"/>
+    <dgm:cxn modelId="{3C9C2EDA-6995-420B-9AC7-88C5098ABBE6}" type="presOf" srcId="{335FA561-4929-49F7-88FF-D0DB668988A0}" destId="{05E26F3D-4F04-4871-AC1E-99337AED2DD4}" srcOrd="0" destOrd="0" presId="urn:microsoft.com/office/officeart/2009/3/layout/HorizontalOrganizationChart"/>
+    <dgm:cxn modelId="{8EC75C87-C823-4555-851A-AE4C5F61054C}" type="presOf" srcId="{AD5F70A2-D73E-4F6E-B6B6-EC4BB56F2E3A}" destId="{BC0DA0C3-2F34-4196-8133-E265789C24FC}" srcOrd="0" destOrd="0" presId="urn:microsoft.com/office/officeart/2009/3/layout/HorizontalOrganizationChart"/>
+    <dgm:cxn modelId="{FFA46D65-C0D0-4A18-A8B3-8DBC55798B56}" type="presOf" srcId="{F39B1217-F4BA-49D0-9AF1-48AF14C6FED2}" destId="{6BF5D627-BE06-40F6-B36B-EFE92067737A}" srcOrd="1" destOrd="0" presId="urn:microsoft.com/office/officeart/2009/3/layout/HorizontalOrganizationChart"/>
+    <dgm:cxn modelId="{33062B5D-A7C0-45E5-AAA7-6D0D9C451FFE}" type="presOf" srcId="{A8EB4D03-BEC6-415E-AEC0-D70D1E5DF295}" destId="{E46D91B8-1864-4ACE-880D-EE43968002F2}" srcOrd="0" destOrd="0" presId="urn:microsoft.com/office/officeart/2009/3/layout/HorizontalOrganizationChart"/>
+    <dgm:cxn modelId="{B3C1DA9B-3062-4081-A190-B98A9DAC071A}" srcId="{DC9F0736-55E5-40A7-8012-1C14E0BB4EAE}" destId="{2EC6C609-E7D5-4B3C-9FC6-A6AD016269D2}" srcOrd="0" destOrd="0" parTransId="{D21F158E-3271-4E61-9E98-F73A0EEF6308}" sibTransId="{C0BE3F7E-5BA3-4135-9DF8-641EB989F5BD}"/>
+    <dgm:cxn modelId="{F8C519E8-6120-49F0-8407-5FFE3FC22A4A}" srcId="{F50E6865-D51A-49D3-BBA3-2A36B5CE744E}" destId="{F39B1217-F4BA-49D0-9AF1-48AF14C6FED2}" srcOrd="1" destOrd="0" parTransId="{74110F04-8663-46B2-A56B-5845466BBC77}" sibTransId="{AA32C25D-C8B4-486C-AB0C-CF3BC6153E7F}"/>
+    <dgm:cxn modelId="{EE20B726-FD5D-492A-A85F-B3CDC5712723}" srcId="{A2EDA3B9-860E-45BC-8D51-F63D55834A0B}" destId="{BC8DB884-7F9A-4C6A-83B6-C697E0737C40}" srcOrd="0" destOrd="0" parTransId="{98D803F1-3754-497C-9335-24F22E5E934D}" sibTransId="{D08759FD-9E78-4515-A37D-80742D0A7158}"/>
+    <dgm:cxn modelId="{CD9DAA33-7E68-404C-AC3D-A1A61B1FED0E}" srcId="{2EC6C609-E7D5-4B3C-9FC6-A6AD016269D2}" destId="{B5BFF3B3-3CFD-460A-94A1-291B336615D7}" srcOrd="2" destOrd="0" parTransId="{F70494FF-D6D0-47E8-A64E-B6CDEC8F2C84}" sibTransId="{54F2E2DE-5097-4126-866E-5A5457CD229F}"/>
+    <dgm:cxn modelId="{A2C9E8B7-E6A1-4963-8E93-38AD02B9242C}" type="presOf" srcId="{A8EB4D03-BEC6-415E-AEC0-D70D1E5DF295}" destId="{2FE48843-58F9-4FA7-AD41-31343F5419AD}" srcOrd="1" destOrd="0" presId="urn:microsoft.com/office/officeart/2009/3/layout/HorizontalOrganizationChart"/>
+    <dgm:cxn modelId="{EC975A3D-EC48-4EEB-8F84-02EBA1337102}" type="presOf" srcId="{A2816C6B-591A-475D-9635-C3FBB5329F80}" destId="{1BFC8042-51E5-4F80-8989-CCDC2F4B5CE1}" srcOrd="0" destOrd="0" presId="urn:microsoft.com/office/officeart/2009/3/layout/HorizontalOrganizationChart"/>
+    <dgm:cxn modelId="{4888B80D-4D50-49F3-82B1-E3E49E379159}" type="presOf" srcId="{44034F92-B4B0-4D7C-89FC-5778BDDFAD96}" destId="{51CDDB36-4F73-48E1-853A-D5EB038D3588}" srcOrd="1" destOrd="0" presId="urn:microsoft.com/office/officeart/2009/3/layout/HorizontalOrganizationChart"/>
+    <dgm:cxn modelId="{D883DBB0-70FE-492D-9E0F-E42DC5FF93F7}" type="presOf" srcId="{BC8DB884-7F9A-4C6A-83B6-C697E0737C40}" destId="{DD5FEC92-B0C8-4F9A-B3E0-41D5D756698A}" srcOrd="1" destOrd="0" presId="urn:microsoft.com/office/officeart/2009/3/layout/HorizontalOrganizationChart"/>
+    <dgm:cxn modelId="{CA7D4B2A-3880-44CA-BA86-FCD9FC5BEF52}" srcId="{A2EDA3B9-860E-45BC-8D51-F63D55834A0B}" destId="{F50E6865-D51A-49D3-BBA3-2A36B5CE744E}" srcOrd="1" destOrd="0" parTransId="{8B5E82D5-DFD6-4434-BAEA-6FC9B55D3871}" sibTransId="{216146A3-DCBB-4A96-84AA-18A0A1AA7EC7}"/>
+    <dgm:cxn modelId="{BE18D3FE-ACCC-4144-B798-A5E3F8707212}" type="presOf" srcId="{44034F92-B4B0-4D7C-89FC-5778BDDFAD96}" destId="{FABCCD5F-C157-4DE5-BE28-BDA5FB49084B}" srcOrd="0" destOrd="0" presId="urn:microsoft.com/office/officeart/2009/3/layout/HorizontalOrganizationChart"/>
+    <dgm:cxn modelId="{65F0619A-DC28-494A-8110-62F1D47000D7}" type="presOf" srcId="{F03F9D8E-7FC6-4A5A-B4E0-A2B5147A8DF8}" destId="{8F66C026-6C77-4F3A-8B71-91D31EC49CD7}" srcOrd="1" destOrd="0" presId="urn:microsoft.com/office/officeart/2009/3/layout/HorizontalOrganizationChart"/>
+    <dgm:cxn modelId="{39E8A253-8B42-41E7-8AA3-75563398C0B4}" type="presOf" srcId="{98D803F1-3754-497C-9335-24F22E5E934D}" destId="{8959CE4D-C95F-4740-A864-E32484E321A8}" srcOrd="0" destOrd="0" presId="urn:microsoft.com/office/officeart/2009/3/layout/HorizontalOrganizationChart"/>
+    <dgm:cxn modelId="{267281E2-E2C6-422E-9B30-05932873A349}" type="presOf" srcId="{5A80081A-A96B-4E42-A778-F41834F8834D}" destId="{8A3D6086-61AC-4392-B905-4D38A44CBA29}" srcOrd="1" destOrd="0" presId="urn:microsoft.com/office/officeart/2009/3/layout/HorizontalOrganizationChart"/>
+    <dgm:cxn modelId="{40A83D56-A221-41CE-A617-8CB894ED7582}" srcId="{BC8DB884-7F9A-4C6A-83B6-C697E0737C40}" destId="{5C1F2BF8-8A32-45B1-9061-47C4235B3CFA}" srcOrd="2" destOrd="0" parTransId="{33C19BF9-391F-4A13-AAE0-B94291797E3E}" sibTransId="{BEC1BD8D-C9AD-4274-8BC4-234ED8C1E459}"/>
+    <dgm:cxn modelId="{BEED4FA7-409D-473C-B342-10D8ED0AC8ED}" srcId="{BC8DB884-7F9A-4C6A-83B6-C697E0737C40}" destId="{5A80081A-A96B-4E42-A778-F41834F8834D}" srcOrd="1" destOrd="0" parTransId="{77DA738C-36B7-4395-A738-35998C9A5A8B}" sibTransId="{8DD07FC4-AD59-40D5-8F2E-4A4F75A469E0}"/>
+    <dgm:cxn modelId="{28E0C34A-49B7-43AD-9B65-8F3CDE4A2F8D}" type="presOf" srcId="{5C1F2BF8-8A32-45B1-9061-47C4235B3CFA}" destId="{9F264E81-31BB-4948-AFA1-083E4D73A81A}" srcOrd="0" destOrd="0" presId="urn:microsoft.com/office/officeart/2009/3/layout/HorizontalOrganizationChart"/>
+    <dgm:cxn modelId="{CBF4197E-204D-43AE-8AFB-206E927D3FC0}" type="presOf" srcId="{DC9F0736-55E5-40A7-8012-1C14E0BB4EAE}" destId="{674A9219-5955-4BFB-867C-B3DADBD26AA0}" srcOrd="0" destOrd="0" presId="urn:microsoft.com/office/officeart/2009/3/layout/HorizontalOrganizationChart"/>
+    <dgm:cxn modelId="{8CE3AC4D-6B0D-49BE-A5EC-1B6FD9152E24}" type="presOf" srcId="{A2EDA3B9-860E-45BC-8D51-F63D55834A0B}" destId="{F7DD4743-AB9B-49CB-BEC9-3FDFA5225BBE}" srcOrd="0" destOrd="0" presId="urn:microsoft.com/office/officeart/2009/3/layout/HorizontalOrganizationChart"/>
+    <dgm:cxn modelId="{07261BA3-5CAD-4999-8D30-63C957F6884E}" type="presOf" srcId="{2EC6C609-E7D5-4B3C-9FC6-A6AD016269D2}" destId="{7D9B1EBF-A866-4163-B65B-0018C62FC76A}" srcOrd="1" destOrd="0" presId="urn:microsoft.com/office/officeart/2009/3/layout/HorizontalOrganizationChart"/>
+    <dgm:cxn modelId="{F1DA9587-D02B-411A-BD5B-6968F299D7A0}" type="presOf" srcId="{A2EDA3B9-860E-45BC-8D51-F63D55834A0B}" destId="{518A956C-0E06-470C-BA21-471AD058F7DE}" srcOrd="1" destOrd="0" presId="urn:microsoft.com/office/officeart/2009/3/layout/HorizontalOrganizationChart"/>
+    <dgm:cxn modelId="{F062E995-CAFD-450C-9E88-6A00D3779470}" type="presOf" srcId="{4D632FFD-C399-4205-970F-9F5024BDA07B}" destId="{2A7B97A2-75EE-4FA2-A66E-AE4628B27B74}" srcOrd="0" destOrd="0" presId="urn:microsoft.com/office/officeart/2009/3/layout/HorizontalOrganizationChart"/>
+    <dgm:cxn modelId="{214516D3-CC21-4575-AE21-6103AB1A0E39}" type="presOf" srcId="{B5BFF3B3-3CFD-460A-94A1-291B336615D7}" destId="{0E686097-54A9-4522-AF1B-4C407A2E37BE}" srcOrd="0" destOrd="0" presId="urn:microsoft.com/office/officeart/2009/3/layout/HorizontalOrganizationChart"/>
+    <dgm:cxn modelId="{3B919FFA-A589-4EB9-86B0-1DAFE8C93517}" type="presOf" srcId="{F39B1217-F4BA-49D0-9AF1-48AF14C6FED2}" destId="{3377E816-CCFA-4883-AD24-77904C317FF4}" srcOrd="0" destOrd="0" presId="urn:microsoft.com/office/officeart/2009/3/layout/HorizontalOrganizationChart"/>
     <dgm:cxn modelId="{8AB21A77-1B13-4355-A7E8-70F8B496347A}" type="presOf" srcId="{4D4BBA52-8469-435F-A0C7-D358A4DFD81D}" destId="{9209DC5F-BAB1-473C-9ECE-DCF49A51FBD2}" srcOrd="1" destOrd="0" presId="urn:microsoft.com/office/officeart/2009/3/layout/HorizontalOrganizationChart"/>
+    <dgm:cxn modelId="{1166C2C7-FE97-426E-8E98-3E5D101A39CD}" type="presOf" srcId="{B5BFF3B3-3CFD-460A-94A1-291B336615D7}" destId="{57682123-CE78-43A9-8363-B6D86383FC87}" srcOrd="1" destOrd="0" presId="urn:microsoft.com/office/officeart/2009/3/layout/HorizontalOrganizationChart"/>
+    <dgm:cxn modelId="{A821C9DC-2D83-40AA-B301-D9C75A8C967E}" type="presOf" srcId="{B9E6ADF9-5384-4CE2-90A0-47F8B1035431}" destId="{985EEF71-F883-450E-8D3C-E7FB45488CE5}" srcOrd="0" destOrd="0" presId="urn:microsoft.com/office/officeart/2009/3/layout/HorizontalOrganizationChart"/>
+    <dgm:cxn modelId="{2765E336-EFDB-4C6F-B483-4EA940CD0577}" type="presOf" srcId="{77DA738C-36B7-4395-A738-35998C9A5A8B}" destId="{666B7ED4-1440-4E0F-928C-C19310EAB7F1}" srcOrd="0" destOrd="0" presId="urn:microsoft.com/office/officeart/2009/3/layout/HorizontalOrganizationChart"/>
+    <dgm:cxn modelId="{C2E1A457-879E-4E6C-8EA8-4839C717542F}" type="presOf" srcId="{A2816C6B-591A-475D-9635-C3FBB5329F80}" destId="{BBE20D7F-EF8A-4D56-99D5-2C4BD4B3BB23}" srcOrd="1" destOrd="0" presId="urn:microsoft.com/office/officeart/2009/3/layout/HorizontalOrganizationChart"/>
+    <dgm:cxn modelId="{75448354-4988-41EF-9D37-A33CBC8E8360}" srcId="{2EC6C609-E7D5-4B3C-9FC6-A6AD016269D2}" destId="{A2EDA3B9-860E-45BC-8D51-F63D55834A0B}" srcOrd="0" destOrd="0" parTransId="{AD5F70A2-D73E-4F6E-B6B6-EC4BB56F2E3A}" sibTransId="{476561E9-BDDD-40A2-957B-90215D422A89}"/>
+    <dgm:cxn modelId="{77AD7960-757B-41E6-94E6-B6BE7842B419}" type="presOf" srcId="{25D4E244-3252-4363-B485-CFCC038FED88}" destId="{1BF09A72-5553-4CF0-BAAF-4C2F29A6B64A}" srcOrd="0" destOrd="0" presId="urn:microsoft.com/office/officeart/2009/3/layout/HorizontalOrganizationChart"/>
+    <dgm:cxn modelId="{D4C6EBC8-FCC9-4694-B8AD-FAFEFD515C97}" type="presOf" srcId="{F70494FF-D6D0-47E8-A64E-B6CDEC8F2C84}" destId="{6C2EBBDD-FDF9-4D1D-93E0-60AF6F27A2A1}" srcOrd="0" destOrd="0" presId="urn:microsoft.com/office/officeart/2009/3/layout/HorizontalOrganizationChart"/>
+    <dgm:cxn modelId="{BB14EDF9-8F23-4274-8014-61874164A245}" type="presOf" srcId="{BA5B6A22-1E3A-4C38-BCE2-AA57458FFF9A}" destId="{53F06461-5CB0-4E89-923B-35E39DF14CCF}" srcOrd="0" destOrd="0" presId="urn:microsoft.com/office/officeart/2009/3/layout/HorizontalOrganizationChart"/>
+    <dgm:cxn modelId="{74139D48-D1BD-4561-8C6C-19D429C97C8B}" srcId="{BC8DB884-7F9A-4C6A-83B6-C697E0737C40}" destId="{A8EB4D03-BEC6-415E-AEC0-D70D1E5DF295}" srcOrd="0" destOrd="0" parTransId="{4D632FFD-C399-4205-970F-9F5024BDA07B}" sibTransId="{51B34156-9194-49AF-B0E3-E99799E7E295}"/>
+    <dgm:cxn modelId="{7EC6D2A4-6350-4E3E-B403-E31917B6D674}" type="presOf" srcId="{74110F04-8663-46B2-A56B-5845466BBC77}" destId="{0C22C9BE-AF0A-497D-A893-EEDAB479F5D8}" srcOrd="0" destOrd="0" presId="urn:microsoft.com/office/officeart/2009/3/layout/HorizontalOrganizationChart"/>
+    <dgm:cxn modelId="{5C5A5A0E-E5AC-459B-85D0-DDF804F20A3B}" type="presOf" srcId="{33C19BF9-391F-4A13-AAE0-B94291797E3E}" destId="{F061BB6D-1705-4918-B391-A3C33A0C0EC0}" srcOrd="0" destOrd="0" presId="urn:microsoft.com/office/officeart/2009/3/layout/HorizontalOrganizationChart"/>
+    <dgm:cxn modelId="{5C75833F-1676-4055-A668-F6C40F4253AD}" type="presOf" srcId="{CAC235E9-9009-46C7-BD4B-EA53128023A8}" destId="{D01D2D38-C270-4504-9D8A-32847808A27C}" srcOrd="1" destOrd="0" presId="urn:microsoft.com/office/officeart/2009/3/layout/HorizontalOrganizationChart"/>
+    <dgm:cxn modelId="{8DAEBF18-7D0F-4FD0-8181-3901FACDFD21}" type="presOf" srcId="{5A80081A-A96B-4E42-A778-F41834F8834D}" destId="{7EA8C150-67AD-4449-A92E-08A01AECE502}" srcOrd="0" destOrd="0" presId="urn:microsoft.com/office/officeart/2009/3/layout/HorizontalOrganizationChart"/>
+    <dgm:cxn modelId="{3365AE28-D007-4B62-85E8-5FE45E575DDD}" type="presOf" srcId="{8B5E82D5-DFD6-4434-BAEA-6FC9B55D3871}" destId="{F2D11448-41E5-4724-879E-06AA3944915F}" srcOrd="0" destOrd="0" presId="urn:microsoft.com/office/officeart/2009/3/layout/HorizontalOrganizationChart"/>
     <dgm:cxn modelId="{D9A57356-12FB-464D-AC2A-E11996CD3D32}" srcId="{F50E6865-D51A-49D3-BBA3-2A36B5CE744E}" destId="{A2816C6B-591A-475D-9635-C3FBB5329F80}" srcOrd="3" destOrd="0" parTransId="{335FA561-4929-49F7-88FF-D0DB668988A0}" sibTransId="{89481E6A-F9BB-4758-843B-8C53466B05E9}"/>
-    <dgm:cxn modelId="{CD9DAA33-7E68-404C-AC3D-A1A61B1FED0E}" srcId="{2EC6C609-E7D5-4B3C-9FC6-A6AD016269D2}" destId="{B5BFF3B3-3CFD-460A-94A1-291B336615D7}" srcOrd="2" destOrd="0" parTransId="{F70494FF-D6D0-47E8-A64E-B6CDEC8F2C84}" sibTransId="{54F2E2DE-5097-4126-866E-5A5457CD229F}"/>
+    <dgm:cxn modelId="{E9905ADC-76BC-4AB7-9993-D8B454C444AA}" type="presOf" srcId="{5C1F2BF8-8A32-45B1-9061-47C4235B3CFA}" destId="{83516224-8137-4026-BFE3-622879AA7CC8}" srcOrd="1" destOrd="0" presId="urn:microsoft.com/office/officeart/2009/3/layout/HorizontalOrganizationChart"/>
+    <dgm:cxn modelId="{C842BB3F-F018-4AE6-8710-E017642C2D96}" type="presOf" srcId="{CAC235E9-9009-46C7-BD4B-EA53128023A8}" destId="{028C9B1A-798C-4DF4-A2CB-E9A84371AB77}" srcOrd="0" destOrd="0" presId="urn:microsoft.com/office/officeart/2009/3/layout/HorizontalOrganizationChart"/>
+    <dgm:cxn modelId="{5824D0D3-B103-4157-A853-A0EE6B4BBC05}" type="presOf" srcId="{89C1B82A-3FA2-480B-9D06-7605E72A68F3}" destId="{FC4F6A48-B6CF-4337-98C8-F9C910FD0825}" srcOrd="0" destOrd="0" presId="urn:microsoft.com/office/officeart/2009/3/layout/HorizontalOrganizationChart"/>
+    <dgm:cxn modelId="{4A97ECD1-8EED-42D3-966F-A9ECCB42B8A1}" type="presOf" srcId="{B4F09747-FBF8-41EA-934B-5E1F66862013}" destId="{08EA9D08-644C-4287-941A-553225F3C022}" srcOrd="0" destOrd="0" presId="urn:microsoft.com/office/officeart/2009/3/layout/HorizontalOrganizationChart"/>
+    <dgm:cxn modelId="{1324A772-31E4-47B8-B47F-9301D8E30A0B}" type="presOf" srcId="{F50E6865-D51A-49D3-BBA3-2A36B5CE744E}" destId="{986C1812-1810-47F5-A099-ABD15361AF24}" srcOrd="0" destOrd="0" presId="urn:microsoft.com/office/officeart/2009/3/layout/HorizontalOrganizationChart"/>
+    <dgm:cxn modelId="{8F3448A6-66CD-48D3-BA44-E47B9EC838BF}" type="presOf" srcId="{ED3B0839-D385-4759-B07B-8AC8D3958942}" destId="{A2E958C8-5C62-47CE-8A00-AFAB0A3EA338}" srcOrd="0" destOrd="0" presId="urn:microsoft.com/office/officeart/2009/3/layout/HorizontalOrganizationChart"/>
+    <dgm:cxn modelId="{1F14B1BF-D66B-4FB3-9737-F6D3C1D4E030}" srcId="{2EC6C609-E7D5-4B3C-9FC6-A6AD016269D2}" destId="{ED3B0839-D385-4759-B07B-8AC8D3958942}" srcOrd="1" destOrd="0" parTransId="{23E01589-027A-41EF-9062-904FF62A0221}" sibTransId="{C3753B7C-6E77-48C2-B794-BE9D9A603AB5}"/>
+    <dgm:cxn modelId="{4C22EC6E-7B85-4448-9AB4-3097A05847F3}" type="presOf" srcId="{C041D622-8A26-4690-940A-25C2A0ACDDDF}" destId="{AAC9802A-64F1-4A22-BC7F-EA7E327DCDDF}" srcOrd="0" destOrd="0" presId="urn:microsoft.com/office/officeart/2009/3/layout/HorizontalOrganizationChart"/>
+    <dgm:cxn modelId="{7E1DED9E-6666-4FD5-830A-434F741646BF}" type="presOf" srcId="{B4F09747-FBF8-41EA-934B-5E1F66862013}" destId="{81978EE9-A3D3-4F0E-B01C-67FEACF197E1}" srcOrd="1" destOrd="0" presId="urn:microsoft.com/office/officeart/2009/3/layout/HorizontalOrganizationChart"/>
+    <dgm:cxn modelId="{0377646E-5F79-432C-9F91-3EEB6470804A}" srcId="{F50E6865-D51A-49D3-BBA3-2A36B5CE744E}" destId="{4D4BBA52-8469-435F-A0C7-D358A4DFD81D}" srcOrd="0" destOrd="0" parTransId="{C041D622-8A26-4690-940A-25C2A0ACDDDF}" sibTransId="{45426932-BFDB-4DA7-B33D-CA7FE5C3E6A4}"/>
     <dgm:cxn modelId="{8C6CAE51-13EA-4421-B936-F0244D4421DF}" type="presOf" srcId="{F06BF1F2-B49C-491F-8E50-3C651AD3D16A}" destId="{44FD0E4C-C4EE-4710-9294-A41B802A79C0}" srcOrd="0" destOrd="0" presId="urn:microsoft.com/office/officeart/2009/3/layout/HorizontalOrganizationChart"/>
-    <dgm:cxn modelId="{C49CE5CA-7403-4483-B073-DB737450D0E3}" srcId="{A2EDA3B9-860E-45BC-8D51-F63D55834A0B}" destId="{44034F92-B4B0-4D7C-89FC-5778BDDFAD96}" srcOrd="2" destOrd="0" parTransId="{F06BF1F2-B49C-491F-8E50-3C651AD3D16A}" sibTransId="{38FC138A-3104-4776-BDD5-9780CB8D1187}"/>
-    <dgm:cxn modelId="{D883DBB0-70FE-492D-9E0F-E42DC5FF93F7}" type="presOf" srcId="{BC8DB884-7F9A-4C6A-83B6-C697E0737C40}" destId="{DD5FEC92-B0C8-4F9A-B3E0-41D5D756698A}" srcOrd="1" destOrd="0" presId="urn:microsoft.com/office/officeart/2009/3/layout/HorizontalOrganizationChart"/>
-    <dgm:cxn modelId="{7EC6D2A4-6350-4E3E-B403-E31917B6D674}" type="presOf" srcId="{74110F04-8663-46B2-A56B-5845466BBC77}" destId="{0C22C9BE-AF0A-497D-A893-EEDAB479F5D8}" srcOrd="0" destOrd="0" presId="urn:microsoft.com/office/officeart/2009/3/layout/HorizontalOrganizationChart"/>
-    <dgm:cxn modelId="{1166C2C7-FE97-426E-8E98-3E5D101A39CD}" type="presOf" srcId="{B5BFF3B3-3CFD-460A-94A1-291B336615D7}" destId="{57682123-CE78-43A9-8363-B6D86383FC87}" srcOrd="1" destOrd="0" presId="urn:microsoft.com/office/officeart/2009/3/layout/HorizontalOrganizationChart"/>
-    <dgm:cxn modelId="{28E0C34A-49B7-43AD-9B65-8F3CDE4A2F8D}" type="presOf" srcId="{5C1F2BF8-8A32-45B1-9061-47C4235B3CFA}" destId="{9F264E81-31BB-4948-AFA1-083E4D73A81A}" srcOrd="0" destOrd="0" presId="urn:microsoft.com/office/officeart/2009/3/layout/HorizontalOrganizationChart"/>
-    <dgm:cxn modelId="{8DAEBF18-7D0F-4FD0-8181-3901FACDFD21}" type="presOf" srcId="{5A80081A-A96B-4E42-A778-F41834F8834D}" destId="{7EA8C150-67AD-4449-A92E-08A01AECE502}" srcOrd="0" destOrd="0" presId="urn:microsoft.com/office/officeart/2009/3/layout/HorizontalOrganizationChart"/>
-    <dgm:cxn modelId="{B3D4B394-9D0A-4CF8-8F16-53AE64E4266A}" type="presOf" srcId="{643CDB0B-733F-4F7D-B323-25E60D66A478}" destId="{255325DC-B028-4E1A-899A-2B2925A95ACE}" srcOrd="0" destOrd="0" presId="urn:microsoft.com/office/officeart/2009/3/layout/HorizontalOrganizationChart"/>
-    <dgm:cxn modelId="{A821C9DC-2D83-40AA-B301-D9C75A8C967E}" type="presOf" srcId="{B9E6ADF9-5384-4CE2-90A0-47F8B1035431}" destId="{985EEF71-F883-450E-8D3C-E7FB45488CE5}" srcOrd="0" destOrd="0" presId="urn:microsoft.com/office/officeart/2009/3/layout/HorizontalOrganizationChart"/>
-    <dgm:cxn modelId="{BA9696B6-6EEB-4A67-94CF-9367930B8FD1}" type="presOf" srcId="{ED3B0839-D385-4759-B07B-8AC8D3958942}" destId="{B0158D37-1482-41C9-95E8-6DFA554248F5}" srcOrd="1" destOrd="0" presId="urn:microsoft.com/office/officeart/2009/3/layout/HorizontalOrganizationChart"/>
-    <dgm:cxn modelId="{37AF199E-0E23-418D-8E2F-12DA2EED1182}" srcId="{F50E6865-D51A-49D3-BBA3-2A36B5CE744E}" destId="{CAC235E9-9009-46C7-BD4B-EA53128023A8}" srcOrd="2" destOrd="0" parTransId="{643CDB0B-733F-4F7D-B323-25E60D66A478}" sibTransId="{194DBAF2-140F-4CAE-ACDB-82C25B03EC3E}"/>
-    <dgm:cxn modelId="{F487E88B-2EE3-43C1-83C6-40C27FF9A278}" srcId="{44034F92-B4B0-4D7C-89FC-5778BDDFAD96}" destId="{25D4E244-3252-4363-B485-CFCC038FED88}" srcOrd="0" destOrd="0" parTransId="{B9E6ADF9-5384-4CE2-90A0-47F8B1035431}" sibTransId="{876AC0E0-FE3A-4044-8D7D-BB805B71123D}"/>
-    <dgm:cxn modelId="{21275736-FB6B-4AED-9DFA-A6F020F8D4CA}" srcId="{2EC6C609-E7D5-4B3C-9FC6-A6AD016269D2}" destId="{F03F9D8E-7FC6-4A5A-B4E0-A2B5147A8DF8}" srcOrd="3" destOrd="0" parTransId="{BA5B6A22-1E3A-4C38-BCE2-AA57458FFF9A}" sibTransId="{CD6BF11B-CDB6-4EC1-99A6-1FCAA0C13802}"/>
-    <dgm:cxn modelId="{C2E1A457-879E-4E6C-8EA8-4839C717542F}" type="presOf" srcId="{A2816C6B-591A-475D-9635-C3FBB5329F80}" destId="{BBE20D7F-EF8A-4D56-99D5-2C4BD4B3BB23}" srcOrd="1" destOrd="0" presId="urn:microsoft.com/office/officeart/2009/3/layout/HorizontalOrganizationChart"/>
-    <dgm:cxn modelId="{FFA46D65-C0D0-4A18-A8B3-8DBC55798B56}" type="presOf" srcId="{F39B1217-F4BA-49D0-9AF1-48AF14C6FED2}" destId="{6BF5D627-BE06-40F6-B36B-EFE92067737A}" srcOrd="1" destOrd="0" presId="urn:microsoft.com/office/officeart/2009/3/layout/HorizontalOrganizationChart"/>
-    <dgm:cxn modelId="{E9905ADC-76BC-4AB7-9993-D8B454C444AA}" type="presOf" srcId="{5C1F2BF8-8A32-45B1-9061-47C4235B3CFA}" destId="{83516224-8137-4026-BFE3-622879AA7CC8}" srcOrd="1" destOrd="0" presId="urn:microsoft.com/office/officeart/2009/3/layout/HorizontalOrganizationChart"/>
-    <dgm:cxn modelId="{4A97ECD1-8EED-42D3-966F-A9ECCB42B8A1}" type="presOf" srcId="{B4F09747-FBF8-41EA-934B-5E1F66862013}" destId="{08EA9D08-644C-4287-941A-553225F3C022}" srcOrd="0" destOrd="0" presId="urn:microsoft.com/office/officeart/2009/3/layout/HorizontalOrganizationChart"/>
-    <dgm:cxn modelId="{75448354-4988-41EF-9D37-A33CBC8E8360}" srcId="{2EC6C609-E7D5-4B3C-9FC6-A6AD016269D2}" destId="{A2EDA3B9-860E-45BC-8D51-F63D55834A0B}" srcOrd="0" destOrd="0" parTransId="{AD5F70A2-D73E-4F6E-B6B6-EC4BB56F2E3A}" sibTransId="{476561E9-BDDD-40A2-957B-90215D422A89}"/>
-    <dgm:cxn modelId="{07261BA3-5CAD-4999-8D30-63C957F6884E}" type="presOf" srcId="{2EC6C609-E7D5-4B3C-9FC6-A6AD016269D2}" destId="{7D9B1EBF-A866-4163-B65B-0018C62FC76A}" srcOrd="1" destOrd="0" presId="urn:microsoft.com/office/officeart/2009/3/layout/HorizontalOrganizationChart"/>
-    <dgm:cxn modelId="{4888B80D-4D50-49F3-82B1-E3E49E379159}" type="presOf" srcId="{44034F92-B4B0-4D7C-89FC-5778BDDFAD96}" destId="{51CDDB36-4F73-48E1-853A-D5EB038D3588}" srcOrd="1" destOrd="0" presId="urn:microsoft.com/office/officeart/2009/3/layout/HorizontalOrganizationChart"/>
-    <dgm:cxn modelId="{5824D0D3-B103-4157-A853-A0EE6B4BBC05}" type="presOf" srcId="{89C1B82A-3FA2-480B-9D06-7605E72A68F3}" destId="{FC4F6A48-B6CF-4337-98C8-F9C910FD0825}" srcOrd="0" destOrd="0" presId="urn:microsoft.com/office/officeart/2009/3/layout/HorizontalOrganizationChart"/>
-    <dgm:cxn modelId="{BE18D3FE-ACCC-4144-B798-A5E3F8707212}" type="presOf" srcId="{44034F92-B4B0-4D7C-89FC-5778BDDFAD96}" destId="{FABCCD5F-C157-4DE5-BE28-BDA5FB49084B}" srcOrd="0" destOrd="0" presId="urn:microsoft.com/office/officeart/2009/3/layout/HorizontalOrganizationChart"/>
-    <dgm:cxn modelId="{BB14EDF9-8F23-4274-8014-61874164A245}" type="presOf" srcId="{BA5B6A22-1E3A-4C38-BCE2-AA57458FFF9A}" destId="{53F06461-5CB0-4E89-923B-35E39DF14CCF}" srcOrd="0" destOrd="0" presId="urn:microsoft.com/office/officeart/2009/3/layout/HorizontalOrganizationChart"/>
-    <dgm:cxn modelId="{3365AE28-D007-4B62-85E8-5FE45E575DDD}" type="presOf" srcId="{8B5E82D5-DFD6-4434-BAEA-6FC9B55D3871}" destId="{F2D11448-41E5-4724-879E-06AA3944915F}" srcOrd="0" destOrd="0" presId="urn:microsoft.com/office/officeart/2009/3/layout/HorizontalOrganizationChart"/>
-    <dgm:cxn modelId="{F1DA9587-D02B-411A-BD5B-6968F299D7A0}" type="presOf" srcId="{A2EDA3B9-860E-45BC-8D51-F63D55834A0B}" destId="{518A956C-0E06-470C-BA21-471AD058F7DE}" srcOrd="1" destOrd="0" presId="urn:microsoft.com/office/officeart/2009/3/layout/HorizontalOrganizationChart"/>
-    <dgm:cxn modelId="{77AD7960-757B-41E6-94E6-B6BE7842B419}" type="presOf" srcId="{25D4E244-3252-4363-B485-CFCC038FED88}" destId="{1BF09A72-5553-4CF0-BAAF-4C2F29A6B64A}" srcOrd="0" destOrd="0" presId="urn:microsoft.com/office/officeart/2009/3/layout/HorizontalOrganizationChart"/>
-    <dgm:cxn modelId="{9B58309A-C0B4-498B-A894-CDCE0915E966}" type="presOf" srcId="{F03F9D8E-7FC6-4A5A-B4E0-A2B5147A8DF8}" destId="{771FB855-8FBC-446B-913B-0B006896F1BA}" srcOrd="0" destOrd="0" presId="urn:microsoft.com/office/officeart/2009/3/layout/HorizontalOrganizationChart"/>
-    <dgm:cxn modelId="{3C9C2EDA-6995-420B-9AC7-88C5098ABBE6}" type="presOf" srcId="{335FA561-4929-49F7-88FF-D0DB668988A0}" destId="{05E26F3D-4F04-4871-AC1E-99337AED2DD4}" srcOrd="0" destOrd="0" presId="urn:microsoft.com/office/officeart/2009/3/layout/HorizontalOrganizationChart"/>
-    <dgm:cxn modelId="{1BE700E7-7D0E-4585-880A-FDBA1E75882E}" srcId="{BC8DB884-7F9A-4C6A-83B6-C697E0737C40}" destId="{B4F09747-FBF8-41EA-934B-5E1F66862013}" srcOrd="3" destOrd="0" parTransId="{89C1B82A-3FA2-480B-9D06-7605E72A68F3}" sibTransId="{3EA48C51-7BB2-4121-85A1-46F85D7BA9D7}"/>
-    <dgm:cxn modelId="{D4C6EBC8-FCC9-4694-B8AD-FAFEFD515C97}" type="presOf" srcId="{F70494FF-D6D0-47E8-A64E-B6CDEC8F2C84}" destId="{6C2EBBDD-FDF9-4D1D-93E0-60AF6F27A2A1}" srcOrd="0" destOrd="0" presId="urn:microsoft.com/office/officeart/2009/3/layout/HorizontalOrganizationChart"/>
-    <dgm:cxn modelId="{33062B5D-A7C0-45E5-AAA7-6D0D9C451FFE}" type="presOf" srcId="{A8EB4D03-BEC6-415E-AEC0-D70D1E5DF295}" destId="{E46D91B8-1864-4ACE-880D-EE43968002F2}" srcOrd="0" destOrd="0" presId="urn:microsoft.com/office/officeart/2009/3/layout/HorizontalOrganizationChart"/>
-    <dgm:cxn modelId="{5C5A5A0E-E5AC-459B-85D0-DDF804F20A3B}" type="presOf" srcId="{33C19BF9-391F-4A13-AAE0-B94291797E3E}" destId="{F061BB6D-1705-4918-B391-A3C33A0C0EC0}" srcOrd="0" destOrd="0" presId="urn:microsoft.com/office/officeart/2009/3/layout/HorizontalOrganizationChart"/>
-    <dgm:cxn modelId="{C774436E-12FF-4F04-B7E7-7DD604AF6FCD}" type="presOf" srcId="{2EC6C609-E7D5-4B3C-9FC6-A6AD016269D2}" destId="{2080319B-642B-4D96-B1EF-39DDB94FEA71}" srcOrd="0" destOrd="0" presId="urn:microsoft.com/office/officeart/2009/3/layout/HorizontalOrganizationChart"/>
-    <dgm:cxn modelId="{4C22EC6E-7B85-4448-9AB4-3097A05847F3}" type="presOf" srcId="{C041D622-8A26-4690-940A-25C2A0ACDDDF}" destId="{AAC9802A-64F1-4A22-BC7F-EA7E327DCDDF}" srcOrd="0" destOrd="0" presId="urn:microsoft.com/office/officeart/2009/3/layout/HorizontalOrganizationChart"/>
-    <dgm:cxn modelId="{8F3448A6-66CD-48D3-BA44-E47B9EC838BF}" type="presOf" srcId="{ED3B0839-D385-4759-B07B-8AC8D3958942}" destId="{A2E958C8-5C62-47CE-8A00-AFAB0A3EA338}" srcOrd="0" destOrd="0" presId="urn:microsoft.com/office/officeart/2009/3/layout/HorizontalOrganizationChart"/>
-    <dgm:cxn modelId="{8CE3AC4D-6B0D-49BE-A5EC-1B6FD9152E24}" type="presOf" srcId="{A2EDA3B9-860E-45BC-8D51-F63D55834A0B}" destId="{F7DD4743-AB9B-49CB-BEC9-3FDFA5225BBE}" srcOrd="0" destOrd="0" presId="urn:microsoft.com/office/officeart/2009/3/layout/HorizontalOrganizationChart"/>
-    <dgm:cxn modelId="{5C75833F-1676-4055-A668-F6C40F4253AD}" type="presOf" srcId="{CAC235E9-9009-46C7-BD4B-EA53128023A8}" destId="{D01D2D38-C270-4504-9D8A-32847808A27C}" srcOrd="1" destOrd="0" presId="urn:microsoft.com/office/officeart/2009/3/layout/HorizontalOrganizationChart"/>
-    <dgm:cxn modelId="{56AFD882-42D5-4DDE-9DDF-961219DA105D}" type="presOf" srcId="{25D4E244-3252-4363-B485-CFCC038FED88}" destId="{EE532E65-DC7D-41C5-99C5-B4866D6C2C00}" srcOrd="1" destOrd="0" presId="urn:microsoft.com/office/officeart/2009/3/layout/HorizontalOrganizationChart"/>
-    <dgm:cxn modelId="{CBF4197E-204D-43AE-8AFB-206E927D3FC0}" type="presOf" srcId="{DC9F0736-55E5-40A7-8012-1C14E0BB4EAE}" destId="{674A9219-5955-4BFB-867C-B3DADBD26AA0}" srcOrd="0" destOrd="0" presId="urn:microsoft.com/office/officeart/2009/3/layout/HorizontalOrganizationChart"/>
-    <dgm:cxn modelId="{BEED4FA7-409D-473C-B342-10D8ED0AC8ED}" srcId="{BC8DB884-7F9A-4C6A-83B6-C697E0737C40}" destId="{5A80081A-A96B-4E42-A778-F41834F8834D}" srcOrd="1" destOrd="0" parTransId="{77DA738C-36B7-4395-A738-35998C9A5A8B}" sibTransId="{8DD07FC4-AD59-40D5-8F2E-4A4F75A469E0}"/>
-    <dgm:cxn modelId="{8EC75C87-C823-4555-851A-AE4C5F61054C}" type="presOf" srcId="{AD5F70A2-D73E-4F6E-B6B6-EC4BB56F2E3A}" destId="{BC0DA0C3-2F34-4196-8133-E265789C24FC}" srcOrd="0" destOrd="0" presId="urn:microsoft.com/office/officeart/2009/3/layout/HorizontalOrganizationChart"/>
-    <dgm:cxn modelId="{0377646E-5F79-432C-9F91-3EEB6470804A}" srcId="{F50E6865-D51A-49D3-BBA3-2A36B5CE744E}" destId="{4D4BBA52-8469-435F-A0C7-D358A4DFD81D}" srcOrd="0" destOrd="0" parTransId="{C041D622-8A26-4690-940A-25C2A0ACDDDF}" sibTransId="{45426932-BFDB-4DA7-B33D-CA7FE5C3E6A4}"/>
+    <dgm:cxn modelId="{015F0FBA-247C-4380-877D-815BA3E09678}" type="presOf" srcId="{4D4BBA52-8469-435F-A0C7-D358A4DFD81D}" destId="{049524DC-52C0-401D-9C7B-E44E3451C89C}" srcOrd="0" destOrd="0" presId="urn:microsoft.com/office/officeart/2009/3/layout/HorizontalOrganizationChart"/>
+    <dgm:cxn modelId="{576AE213-DFA7-418E-950B-45DACCF83015}" type="presOf" srcId="{BC8DB884-7F9A-4C6A-83B6-C697E0737C40}" destId="{556993A9-E15D-4CD1-A952-8174A291897E}" srcOrd="0" destOrd="0" presId="urn:microsoft.com/office/officeart/2009/3/layout/HorizontalOrganizationChart"/>
     <dgm:cxn modelId="{05E940DB-4587-4130-A007-A35E751A9F73}" type="presOf" srcId="{23E01589-027A-41EF-9062-904FF62A0221}" destId="{C7D77DCA-3D7C-4B2F-9D7A-0844C9A156ED}" srcOrd="0" destOrd="0" presId="urn:microsoft.com/office/officeart/2009/3/layout/HorizontalOrganizationChart"/>
-    <dgm:cxn modelId="{3B919FFA-A589-4EB9-86B0-1DAFE8C93517}" type="presOf" srcId="{F39B1217-F4BA-49D0-9AF1-48AF14C6FED2}" destId="{3377E816-CCFA-4883-AD24-77904C317FF4}" srcOrd="0" destOrd="0" presId="urn:microsoft.com/office/officeart/2009/3/layout/HorizontalOrganizationChart"/>
-    <dgm:cxn modelId="{B3C1DA9B-3062-4081-A190-B98A9DAC071A}" srcId="{DC9F0736-55E5-40A7-8012-1C14E0BB4EAE}" destId="{2EC6C609-E7D5-4B3C-9FC6-A6AD016269D2}" srcOrd="0" destOrd="0" parTransId="{D21F158E-3271-4E61-9E98-F73A0EEF6308}" sibTransId="{C0BE3F7E-5BA3-4135-9DF8-641EB989F5BD}"/>
-    <dgm:cxn modelId="{214516D3-CC21-4575-AE21-6103AB1A0E39}" type="presOf" srcId="{B5BFF3B3-3CFD-460A-94A1-291B336615D7}" destId="{0E686097-54A9-4522-AF1B-4C407A2E37BE}" srcOrd="0" destOrd="0" presId="urn:microsoft.com/office/officeart/2009/3/layout/HorizontalOrganizationChart"/>
-    <dgm:cxn modelId="{C842BB3F-F018-4AE6-8710-E017642C2D96}" type="presOf" srcId="{CAC235E9-9009-46C7-BD4B-EA53128023A8}" destId="{028C9B1A-798C-4DF4-A2CB-E9A84371AB77}" srcOrd="0" destOrd="0" presId="urn:microsoft.com/office/officeart/2009/3/layout/HorizontalOrganizationChart"/>
-    <dgm:cxn modelId="{2765E336-EFDB-4C6F-B483-4EA940CD0577}" type="presOf" srcId="{77DA738C-36B7-4395-A738-35998C9A5A8B}" destId="{666B7ED4-1440-4E0F-928C-C19310EAB7F1}" srcOrd="0" destOrd="0" presId="urn:microsoft.com/office/officeart/2009/3/layout/HorizontalOrganizationChart"/>
-    <dgm:cxn modelId="{A2C9E8B7-E6A1-4963-8E93-38AD02B9242C}" type="presOf" srcId="{A8EB4D03-BEC6-415E-AEC0-D70D1E5DF295}" destId="{2FE48843-58F9-4FA7-AD41-31343F5419AD}" srcOrd="1" destOrd="0" presId="urn:microsoft.com/office/officeart/2009/3/layout/HorizontalOrganizationChart"/>
-    <dgm:cxn modelId="{7E1DED9E-6666-4FD5-830A-434F741646BF}" type="presOf" srcId="{B4F09747-FBF8-41EA-934B-5E1F66862013}" destId="{81978EE9-A3D3-4F0E-B01C-67FEACF197E1}" srcOrd="1" destOrd="0" presId="urn:microsoft.com/office/officeart/2009/3/layout/HorizontalOrganizationChart"/>
-    <dgm:cxn modelId="{267281E2-E2C6-422E-9B30-05932873A349}" type="presOf" srcId="{5A80081A-A96B-4E42-A778-F41834F8834D}" destId="{8A3D6086-61AC-4392-B905-4D38A44CBA29}" srcOrd="1" destOrd="0" presId="urn:microsoft.com/office/officeart/2009/3/layout/HorizontalOrganizationChart"/>
-    <dgm:cxn modelId="{EC975A3D-EC48-4EEB-8F84-02EBA1337102}" type="presOf" srcId="{A2816C6B-591A-475D-9635-C3FBB5329F80}" destId="{1BFC8042-51E5-4F80-8989-CCDC2F4B5CE1}" srcOrd="0" destOrd="0" presId="urn:microsoft.com/office/officeart/2009/3/layout/HorizontalOrganizationChart"/>
-    <dgm:cxn modelId="{F8C519E8-6120-49F0-8407-5FFE3FC22A4A}" srcId="{F50E6865-D51A-49D3-BBA3-2A36B5CE744E}" destId="{F39B1217-F4BA-49D0-9AF1-48AF14C6FED2}" srcOrd="1" destOrd="0" parTransId="{74110F04-8663-46B2-A56B-5845466BBC77}" sibTransId="{AA32C25D-C8B4-486C-AB0C-CF3BC6153E7F}"/>
-    <dgm:cxn modelId="{65F0619A-DC28-494A-8110-62F1D47000D7}" type="presOf" srcId="{F03F9D8E-7FC6-4A5A-B4E0-A2B5147A8DF8}" destId="{8F66C026-6C77-4F3A-8B71-91D31EC49CD7}" srcOrd="1" destOrd="0" presId="urn:microsoft.com/office/officeart/2009/3/layout/HorizontalOrganizationChart"/>
-    <dgm:cxn modelId="{40A83D56-A221-41CE-A617-8CB894ED7582}" srcId="{BC8DB884-7F9A-4C6A-83B6-C697E0737C40}" destId="{5C1F2BF8-8A32-45B1-9061-47C4235B3CFA}" srcOrd="2" destOrd="0" parTransId="{33C19BF9-391F-4A13-AAE0-B94291797E3E}" sibTransId="{BEC1BD8D-C9AD-4274-8BC4-234ED8C1E459}"/>
-    <dgm:cxn modelId="{015F0FBA-247C-4380-877D-815BA3E09678}" type="presOf" srcId="{4D4BBA52-8469-435F-A0C7-D358A4DFD81D}" destId="{049524DC-52C0-401D-9C7B-E44E3451C89C}" srcOrd="0" destOrd="0" presId="urn:microsoft.com/office/officeart/2009/3/layout/HorizontalOrganizationChart"/>
-    <dgm:cxn modelId="{EE20B726-FD5D-492A-A85F-B3CDC5712723}" srcId="{A2EDA3B9-860E-45BC-8D51-F63D55834A0B}" destId="{BC8DB884-7F9A-4C6A-83B6-C697E0737C40}" srcOrd="0" destOrd="0" parTransId="{98D803F1-3754-497C-9335-24F22E5E934D}" sibTransId="{D08759FD-9E78-4515-A37D-80742D0A7158}"/>
-    <dgm:cxn modelId="{39E8A253-8B42-41E7-8AA3-75563398C0B4}" type="presOf" srcId="{98D803F1-3754-497C-9335-24F22E5E934D}" destId="{8959CE4D-C95F-4740-A864-E32484E321A8}" srcOrd="0" destOrd="0" presId="urn:microsoft.com/office/officeart/2009/3/layout/HorizontalOrganizationChart"/>
-    <dgm:cxn modelId="{74139D48-D1BD-4561-8C6C-19D429C97C8B}" srcId="{BC8DB884-7F9A-4C6A-83B6-C697E0737C40}" destId="{A8EB4D03-BEC6-415E-AEC0-D70D1E5DF295}" srcOrd="0" destOrd="0" parTransId="{4D632FFD-C399-4205-970F-9F5024BDA07B}" sibTransId="{51B34156-9194-49AF-B0E3-E99799E7E295}"/>
-    <dgm:cxn modelId="{576AE213-DFA7-418E-950B-45DACCF83015}" type="presOf" srcId="{BC8DB884-7F9A-4C6A-83B6-C697E0737C40}" destId="{556993A9-E15D-4CD1-A952-8174A291897E}" srcOrd="0" destOrd="0" presId="urn:microsoft.com/office/officeart/2009/3/layout/HorizontalOrganizationChart"/>
-    <dgm:cxn modelId="{93627636-3874-45E3-ACA8-25B5223D12FF}" type="presOf" srcId="{F50E6865-D51A-49D3-BBA3-2A36B5CE744E}" destId="{57E473C7-20BC-4CAF-A736-EFFF5CFA7122}" srcOrd="1" destOrd="0" presId="urn:microsoft.com/office/officeart/2009/3/layout/HorizontalOrganizationChart"/>
-    <dgm:cxn modelId="{1F14B1BF-D66B-4FB3-9737-F6D3C1D4E030}" srcId="{2EC6C609-E7D5-4B3C-9FC6-A6AD016269D2}" destId="{ED3B0839-D385-4759-B07B-8AC8D3958942}" srcOrd="1" destOrd="0" parTransId="{23E01589-027A-41EF-9062-904FF62A0221}" sibTransId="{C3753B7C-6E77-48C2-B794-BE9D9A603AB5}"/>
-    <dgm:cxn modelId="{CA7D4B2A-3880-44CA-BA86-FCD9FC5BEF52}" srcId="{A2EDA3B9-860E-45BC-8D51-F63D55834A0B}" destId="{F50E6865-D51A-49D3-BBA3-2A36B5CE744E}" srcOrd="1" destOrd="0" parTransId="{8B5E82D5-DFD6-4434-BAEA-6FC9B55D3871}" sibTransId="{216146A3-DCBB-4A96-84AA-18A0A1AA7EC7}"/>
-    <dgm:cxn modelId="{F062E995-CAFD-450C-9E88-6A00D3779470}" type="presOf" srcId="{4D632FFD-C399-4205-970F-9F5024BDA07B}" destId="{2A7B97A2-75EE-4FA2-A66E-AE4628B27B74}" srcOrd="0" destOrd="0" presId="urn:microsoft.com/office/officeart/2009/3/layout/HorizontalOrganizationChart"/>
-    <dgm:cxn modelId="{1324A772-31E4-47B8-B47F-9301D8E30A0B}" type="presOf" srcId="{F50E6865-D51A-49D3-BBA3-2A36B5CE744E}" destId="{986C1812-1810-47F5-A099-ABD15361AF24}" srcOrd="0" destOrd="0" presId="urn:microsoft.com/office/officeart/2009/3/layout/HorizontalOrganizationChart"/>
     <dgm:cxn modelId="{C06A3A9D-0713-46C6-9D0A-440A8EEE3E30}" type="presParOf" srcId="{674A9219-5955-4BFB-867C-B3DADBD26AA0}" destId="{FBA0EEE6-D53E-451F-A063-F72AC8C43F5D}" srcOrd="0" destOrd="0" presId="urn:microsoft.com/office/officeart/2009/3/layout/HorizontalOrganizationChart"/>
     <dgm:cxn modelId="{47882B90-4235-4A01-89EE-3D9294C09CA3}" type="presParOf" srcId="{FBA0EEE6-D53E-451F-A063-F72AC8C43F5D}" destId="{BE3E4F9A-1BAE-4659-BC79-310C0A121701}" srcOrd="0" destOrd="0" presId="urn:microsoft.com/office/officeart/2009/3/layout/HorizontalOrganizationChart"/>
     <dgm:cxn modelId="{EA4C8041-D7BE-44C0-B113-D27E2B90C940}" type="presParOf" srcId="{BE3E4F9A-1BAE-4659-BC79-310C0A121701}" destId="{2080319B-642B-4D96-B1EF-39DDB94FEA71}" srcOrd="0" destOrd="0" presId="urn:microsoft.com/office/officeart/2009/3/layout/HorizontalOrganizationChart"/>
@@ -2748,8 +3000,8 @@
       </dsp:nvSpPr>
       <dsp:spPr>
         <a:xfrm>
-          <a:off x="894219" y="14592862"/>
-          <a:ext cx="2285983" cy="9892509"/>
+          <a:off x="894422" y="14592704"/>
+          <a:ext cx="2294838" cy="9933442"/>
         </a:xfrm>
         <a:custGeom>
           <a:avLst/>
@@ -2760,10 +3012,10 @@
           <a:pathLst>
             <a:path>
               <a:moveTo>
-                <a:pt x="2285983" y="0"/>
+                <a:pt x="2294838" y="0"/>
               </a:moveTo>
               <a:lnTo>
-                <a:pt x="0" y="9892509"/>
+                <a:pt x="0" y="9933442"/>
               </a:lnTo>
             </a:path>
           </a:pathLst>
@@ -2804,8 +3056,8 @@
       </dsp:nvSpPr>
       <dsp:spPr>
         <a:xfrm>
-          <a:off x="3180202" y="14592862"/>
-          <a:ext cx="1674912" cy="5820953"/>
+          <a:off x="3189260" y="14592704"/>
+          <a:ext cx="2462926" cy="5895774"/>
         </a:xfrm>
         <a:custGeom>
           <a:avLst/>
@@ -2819,13 +3071,13 @@
                 <a:pt x="0" y="0"/>
               </a:moveTo>
               <a:lnTo>
-                <a:pt x="1295951" y="0"/>
+                <a:pt x="2082375" y="0"/>
               </a:lnTo>
               <a:lnTo>
-                <a:pt x="1295951" y="5820953"/>
+                <a:pt x="2082375" y="5895774"/>
               </a:lnTo>
               <a:lnTo>
-                <a:pt x="1674912" y="5820953"/>
+                <a:pt x="2462926" y="5895774"/>
               </a:lnTo>
             </a:path>
           </a:pathLst>
@@ -2866,8 +3118,8 @@
       </dsp:nvSpPr>
       <dsp:spPr>
         <a:xfrm>
-          <a:off x="3180202" y="14543966"/>
-          <a:ext cx="1253962" cy="91440"/>
+          <a:off x="3189260" y="14543705"/>
+          <a:ext cx="2511104" cy="91440"/>
         </a:xfrm>
         <a:custGeom>
           <a:avLst/>
@@ -2878,16 +3130,16 @@
           <a:pathLst>
             <a:path>
               <a:moveTo>
-                <a:pt x="0" y="48895"/>
+                <a:pt x="0" y="48998"/>
               </a:moveTo>
               <a:lnTo>
-                <a:pt x="875002" y="48895"/>
+                <a:pt x="2130553" y="48998"/>
               </a:lnTo>
               <a:lnTo>
-                <a:pt x="875002" y="45720"/>
+                <a:pt x="2130553" y="45720"/>
               </a:lnTo>
               <a:lnTo>
-                <a:pt x="1253962" y="45720"/>
+                <a:pt x="2511104" y="45720"/>
               </a:lnTo>
             </a:path>
           </a:pathLst>
@@ -2928,8 +3180,8 @@
       </dsp:nvSpPr>
       <dsp:spPr>
         <a:xfrm>
-          <a:off x="6198929" y="7611024"/>
-          <a:ext cx="4800603" cy="555038"/>
+          <a:off x="6222138" y="7585913"/>
+          <a:ext cx="4725352" cy="552427"/>
         </a:xfrm>
         <a:custGeom>
           <a:avLst/>
@@ -2940,13 +3192,13 @@
           <a:pathLst>
             <a:path>
               <a:moveTo>
-                <a:pt x="0" y="555038"/>
+                <a:pt x="0" y="552427"/>
               </a:moveTo>
               <a:lnTo>
-                <a:pt x="4800603" y="555038"/>
+                <a:pt x="4725352" y="552427"/>
               </a:lnTo>
               <a:lnTo>
-                <a:pt x="4800603" y="0"/>
+                <a:pt x="4725352" y="0"/>
               </a:lnTo>
             </a:path>
           </a:pathLst>
@@ -2987,8 +3239,8 @@
       </dsp:nvSpPr>
       <dsp:spPr>
         <a:xfrm>
-          <a:off x="6198929" y="8166063"/>
-          <a:ext cx="1760633" cy="1012384"/>
+          <a:off x="6222138" y="8138341"/>
+          <a:ext cx="1692995" cy="940195"/>
         </a:xfrm>
         <a:custGeom>
           <a:avLst/>
@@ -3002,10 +3254,10 @@
                 <a:pt x="0" y="0"/>
               </a:moveTo>
               <a:lnTo>
-                <a:pt x="1760633" y="0"/>
+                <a:pt x="1692995" y="0"/>
               </a:lnTo>
               <a:lnTo>
-                <a:pt x="1760633" y="1012384"/>
+                <a:pt x="1692995" y="940195"/>
               </a:lnTo>
             </a:path>
           </a:pathLst>
@@ -3046,8 +3298,8 @@
       </dsp:nvSpPr>
       <dsp:spPr>
         <a:xfrm>
-          <a:off x="6198929" y="7486074"/>
-          <a:ext cx="1840175" cy="679988"/>
+          <a:off x="6222138" y="7507708"/>
+          <a:ext cx="1703791" cy="630633"/>
         </a:xfrm>
         <a:custGeom>
           <a:avLst/>
@@ -3058,13 +3310,13 @@
           <a:pathLst>
             <a:path>
               <a:moveTo>
-                <a:pt x="0" y="679988"/>
+                <a:pt x="0" y="630633"/>
               </a:moveTo>
               <a:lnTo>
-                <a:pt x="1840175" y="679988"/>
+                <a:pt x="1703791" y="630633"/>
               </a:lnTo>
               <a:lnTo>
-                <a:pt x="1840175" y="0"/>
+                <a:pt x="1703791" y="0"/>
               </a:lnTo>
             </a:path>
           </a:pathLst>
@@ -3105,8 +3357,8 @@
       </dsp:nvSpPr>
       <dsp:spPr>
         <a:xfrm>
-          <a:off x="6198929" y="8166063"/>
-          <a:ext cx="3551020" cy="1589277"/>
+          <a:off x="6222138" y="8138341"/>
+          <a:ext cx="3464470" cy="1595948"/>
         </a:xfrm>
         <a:custGeom>
           <a:avLst/>
@@ -3120,13 +3372,13 @@
                 <a:pt x="0" y="0"/>
               </a:moveTo>
               <a:lnTo>
-                <a:pt x="3173168" y="0"/>
+                <a:pt x="3084662" y="0"/>
               </a:lnTo>
               <a:lnTo>
-                <a:pt x="3173168" y="1589277"/>
+                <a:pt x="3084662" y="1595948"/>
               </a:lnTo>
               <a:lnTo>
-                <a:pt x="3551020" y="1589277"/>
+                <a:pt x="3464470" y="1595948"/>
               </a:lnTo>
             </a:path>
           </a:pathLst>
@@ -3167,8 +3419,8 @@
       </dsp:nvSpPr>
       <dsp:spPr>
         <a:xfrm>
-          <a:off x="3718915" y="5511126"/>
-          <a:ext cx="1327519" cy="2049512"/>
+          <a:off x="3730974" y="5473439"/>
+          <a:ext cx="1333831" cy="2056937"/>
         </a:xfrm>
         <a:custGeom>
           <a:avLst/>
@@ -3182,10 +3434,10 @@
                 <a:pt x="0" y="0"/>
               </a:moveTo>
               <a:lnTo>
-                <a:pt x="1327519" y="0"/>
+                <a:pt x="1333831" y="0"/>
               </a:lnTo>
               <a:lnTo>
-                <a:pt x="1327519" y="2049512"/>
+                <a:pt x="1333831" y="2056937"/>
               </a:lnTo>
             </a:path>
           </a:pathLst>
@@ -3226,8 +3478,8 @@
       </dsp:nvSpPr>
       <dsp:spPr>
         <a:xfrm>
-          <a:off x="6312958" y="2568915"/>
-          <a:ext cx="4424745" cy="249869"/>
+          <a:off x="6336646" y="2518879"/>
+          <a:ext cx="4439740" cy="439315"/>
         </a:xfrm>
         <a:custGeom>
           <a:avLst/>
@@ -3241,10 +3493,10 @@
                 <a:pt x="0" y="0"/>
               </a:moveTo>
               <a:lnTo>
-                <a:pt x="4424745" y="0"/>
+                <a:pt x="4439740" y="0"/>
               </a:lnTo>
               <a:lnTo>
-                <a:pt x="4424745" y="249869"/>
+                <a:pt x="4439740" y="439315"/>
               </a:lnTo>
             </a:path>
           </a:pathLst>
@@ -3285,8 +3537,8 @@
       </dsp:nvSpPr>
       <dsp:spPr>
         <a:xfrm>
-          <a:off x="6312958" y="2114610"/>
-          <a:ext cx="1552843" cy="454305"/>
+          <a:off x="6336646" y="2062667"/>
+          <a:ext cx="1560101" cy="456212"/>
         </a:xfrm>
         <a:custGeom>
           <a:avLst/>
@@ -3297,13 +3549,13 @@
           <a:pathLst>
             <a:path>
               <a:moveTo>
-                <a:pt x="0" y="454305"/>
+                <a:pt x="0" y="456212"/>
               </a:moveTo>
               <a:lnTo>
-                <a:pt x="1552843" y="454305"/>
+                <a:pt x="1560101" y="456212"/>
               </a:lnTo>
               <a:lnTo>
-                <a:pt x="1552843" y="0"/>
+                <a:pt x="1560101" y="0"/>
               </a:lnTo>
             </a:path>
           </a:pathLst>
@@ -3344,8 +3596,8 @@
       </dsp:nvSpPr>
       <dsp:spPr>
         <a:xfrm>
-          <a:off x="6312958" y="2568915"/>
-          <a:ext cx="1513811" cy="300584"/>
+          <a:off x="6336646" y="2518879"/>
+          <a:ext cx="1569264" cy="398505"/>
         </a:xfrm>
         <a:custGeom>
           <a:avLst/>
@@ -3359,10 +3611,10 @@
                 <a:pt x="0" y="0"/>
               </a:moveTo>
               <a:lnTo>
-                <a:pt x="1513811" y="0"/>
+                <a:pt x="1569264" y="0"/>
               </a:lnTo>
               <a:lnTo>
-                <a:pt x="1513811" y="300584"/>
+                <a:pt x="1569264" y="398505"/>
               </a:lnTo>
             </a:path>
           </a:pathLst>
@@ -3403,8 +3655,8 @@
       </dsp:nvSpPr>
       <dsp:spPr>
         <a:xfrm>
-          <a:off x="6312958" y="1540747"/>
-          <a:ext cx="3141344" cy="1028168"/>
+          <a:off x="6336646" y="1486395"/>
+          <a:ext cx="3436797" cy="1032483"/>
         </a:xfrm>
         <a:custGeom>
           <a:avLst/>
@@ -3415,16 +3667,16 @@
           <a:pathLst>
             <a:path>
               <a:moveTo>
-                <a:pt x="0" y="1028168"/>
+                <a:pt x="0" y="1032483"/>
               </a:moveTo>
               <a:lnTo>
-                <a:pt x="2764230" y="1028168"/>
+                <a:pt x="3057730" y="1032483"/>
               </a:lnTo>
               <a:lnTo>
-                <a:pt x="2764230" y="0"/>
+                <a:pt x="3057730" y="0"/>
               </a:lnTo>
               <a:lnTo>
-                <a:pt x="3141344" y="0"/>
+                <a:pt x="3436797" y="0"/>
               </a:lnTo>
             </a:path>
           </a:pathLst>
@@ -3465,8 +3717,8 @@
       </dsp:nvSpPr>
       <dsp:spPr>
         <a:xfrm>
-          <a:off x="3718915" y="3185065"/>
-          <a:ext cx="1328182" cy="2326060"/>
+          <a:off x="3730974" y="3137615"/>
+          <a:ext cx="1334497" cy="2335823"/>
         </a:xfrm>
         <a:custGeom>
           <a:avLst/>
@@ -3477,13 +3729,13 @@
           <a:pathLst>
             <a:path>
               <a:moveTo>
-                <a:pt x="0" y="2326060"/>
+                <a:pt x="0" y="2335823"/>
               </a:moveTo>
               <a:lnTo>
-                <a:pt x="1328182" y="2326060"/>
+                <a:pt x="1334497" y="2335823"/>
               </a:lnTo>
               <a:lnTo>
-                <a:pt x="1328182" y="0"/>
+                <a:pt x="1334497" y="0"/>
               </a:lnTo>
             </a:path>
           </a:pathLst>
@@ -3524,8 +3776,8 @@
       </dsp:nvSpPr>
       <dsp:spPr>
         <a:xfrm>
-          <a:off x="6057093" y="11643157"/>
-          <a:ext cx="941547" cy="91440"/>
+          <a:off x="5976684" y="11631399"/>
+          <a:ext cx="946240" cy="91440"/>
         </a:xfrm>
         <a:custGeom>
           <a:avLst/>
@@ -3539,7 +3791,7 @@
                 <a:pt x="0" y="45720"/>
               </a:moveTo>
               <a:lnTo>
-                <a:pt x="941547" y="45720"/>
+                <a:pt x="946240" y="45720"/>
               </a:lnTo>
             </a:path>
           </a:pathLst>
@@ -3580,8 +3832,8 @@
       </dsp:nvSpPr>
       <dsp:spPr>
         <a:xfrm>
-          <a:off x="3718915" y="5511126"/>
-          <a:ext cx="1340071" cy="5457957"/>
+          <a:off x="3730974" y="5473439"/>
+          <a:ext cx="1243413" cy="5480866"/>
         </a:xfrm>
         <a:custGeom>
           <a:avLst/>
@@ -3595,10 +3847,10 @@
                 <a:pt x="0" y="0"/>
               </a:moveTo>
               <a:lnTo>
-                <a:pt x="1340071" y="0"/>
+                <a:pt x="1243413" y="0"/>
               </a:lnTo>
               <a:lnTo>
-                <a:pt x="1340071" y="5457957"/>
+                <a:pt x="1243413" y="5480866"/>
               </a:lnTo>
             </a:path>
           </a:pathLst>
@@ -3639,8 +3891,8 @@
       </dsp:nvSpPr>
       <dsp:spPr>
         <a:xfrm>
-          <a:off x="849160" y="5511126"/>
-          <a:ext cx="2331042" cy="9081735"/>
+          <a:off x="849174" y="5473439"/>
+          <a:ext cx="2340085" cy="9119265"/>
         </a:xfrm>
         <a:custGeom>
           <a:avLst/>
@@ -3651,7 +3903,7 @@
           <a:pathLst>
             <a:path>
               <a:moveTo>
-                <a:pt x="2331042" y="9081735"/>
+                <a:pt x="2340085" y="9119265"/>
               </a:moveTo>
               <a:lnTo>
                 <a:pt x="0" y="0"/>
@@ -3695,8 +3947,8 @@
       </dsp:nvSpPr>
       <dsp:spPr>
         <a:xfrm rot="16200000">
-          <a:off x="-264890" y="14067485"/>
-          <a:ext cx="3445092" cy="1050753"/>
+          <a:off x="-270292" y="14065122"/>
+          <a:ext cx="3459552" cy="1055163"/>
         </a:xfrm>
         <a:prstGeom prst="rect">
           <a:avLst/>
@@ -3794,8 +4046,8 @@
         </a:p>
       </dsp:txBody>
       <dsp:txXfrm>
-        <a:off x="-264890" y="14067485"/>
-        <a:ext cx="3445092" cy="1050753"/>
+        <a:off x="-270292" y="14065122"/>
+        <a:ext cx="3459552" cy="1055163"/>
       </dsp:txXfrm>
     </dsp:sp>
     <dsp:sp modelId="{F7DD4743-AB9B-49CB-BEC9-3FDFA5225BBE}">
@@ -3805,8 +4057,8 @@
       </dsp:nvSpPr>
       <dsp:spPr>
         <a:xfrm>
-          <a:off x="849160" y="4341201"/>
-          <a:ext cx="2869754" cy="2339850"/>
+          <a:off x="849174" y="4298603"/>
+          <a:ext cx="2881799" cy="2349671"/>
         </a:xfrm>
         <a:prstGeom prst="rect">
           <a:avLst/>
@@ -3914,8 +4166,8 @@
         </a:p>
       </dsp:txBody>
       <dsp:txXfrm>
-        <a:off x="849160" y="4341201"/>
-        <a:ext cx="2869754" cy="2339850"/>
+        <a:off x="849174" y="4298603"/>
+        <a:ext cx="2881799" cy="2349671"/>
       </dsp:txXfrm>
     </dsp:sp>
     <dsp:sp modelId="{FABCCD5F-C157-4DE5-BE28-BDA5FB49084B}">
@@ -3925,8 +4177,8 @@
       </dsp:nvSpPr>
       <dsp:spPr>
         <a:xfrm>
-          <a:off x="4060880" y="10969084"/>
-          <a:ext cx="1996212" cy="1439586"/>
+          <a:off x="3972092" y="10954305"/>
+          <a:ext cx="2004591" cy="1445628"/>
         </a:xfrm>
         <a:prstGeom prst="rect">
           <a:avLst/>
@@ -4034,8 +4286,8 @@
         </a:p>
       </dsp:txBody>
       <dsp:txXfrm>
-        <a:off x="4060880" y="10969084"/>
-        <a:ext cx="1996212" cy="1439586"/>
+        <a:off x="3972092" y="10954305"/>
+        <a:ext cx="2004591" cy="1445628"/>
       </dsp:txXfrm>
     </dsp:sp>
     <dsp:sp modelId="{1BF09A72-5553-4CF0-BAAF-4C2F29A6B64A}">
@@ -4045,8 +4297,8 @@
       </dsp:nvSpPr>
       <dsp:spPr>
         <a:xfrm>
-          <a:off x="6998641" y="11315914"/>
-          <a:ext cx="1716085" cy="745926"/>
+          <a:off x="6922924" y="11302591"/>
+          <a:ext cx="1723288" cy="749057"/>
         </a:xfrm>
         <a:prstGeom prst="rect">
           <a:avLst/>
@@ -4165,8 +4417,8 @@
         </a:p>
       </dsp:txBody>
       <dsp:txXfrm>
-        <a:off x="6998641" y="11315914"/>
-        <a:ext cx="1716085" cy="745926"/>
+        <a:off x="6922924" y="11302591"/>
+        <a:ext cx="1723288" cy="749057"/>
       </dsp:txXfrm>
     </dsp:sp>
     <dsp:sp modelId="{556993A9-E15D-4CD1-A952-8174A291897E}">
@@ -4176,8 +4428,8 @@
       </dsp:nvSpPr>
       <dsp:spPr>
         <a:xfrm>
-          <a:off x="3781236" y="1952766"/>
-          <a:ext cx="2531722" cy="1232299"/>
+          <a:off x="3794297" y="1900143"/>
+          <a:ext cx="2542348" cy="1237471"/>
         </a:xfrm>
         <a:prstGeom prst="rect">
           <a:avLst/>
@@ -4285,8 +4537,8 @@
         </a:p>
       </dsp:txBody>
       <dsp:txXfrm>
-        <a:off x="3781236" y="1952766"/>
-        <a:ext cx="2531722" cy="1232299"/>
+        <a:off x="3794297" y="1900143"/>
+        <a:ext cx="2542348" cy="1237471"/>
       </dsp:txXfrm>
     </dsp:sp>
     <dsp:sp modelId="{08EA9D08-644C-4287-941A-553225F3C022}">
@@ -4296,8 +4548,8 @@
       </dsp:nvSpPr>
       <dsp:spPr>
         <a:xfrm>
-          <a:off x="9454303" y="921459"/>
-          <a:ext cx="2026567" cy="1238575"/>
+          <a:off x="9773443" y="864508"/>
+          <a:ext cx="2035073" cy="1243774"/>
         </a:xfrm>
         <a:prstGeom prst="rect">
           <a:avLst/>
@@ -4405,8 +4657,8 @@
         </a:p>
       </dsp:txBody>
       <dsp:txXfrm>
-        <a:off x="9454303" y="921459"/>
-        <a:ext cx="2026567" cy="1238575"/>
+        <a:off x="9773443" y="864508"/>
+        <a:ext cx="2035073" cy="1243774"/>
       </dsp:txXfrm>
     </dsp:sp>
     <dsp:sp modelId="{E46D91B8-1864-4ACE-880D-EE43968002F2}">
@@ -4416,8 +4668,8 @@
       </dsp:nvSpPr>
       <dsp:spPr>
         <a:xfrm>
-          <a:off x="6814475" y="2869500"/>
-          <a:ext cx="2024588" cy="1237343"/>
+          <a:off x="6889367" y="2917385"/>
+          <a:ext cx="2033086" cy="1242536"/>
         </a:xfrm>
         <a:prstGeom prst="rect">
           <a:avLst/>
@@ -4525,8 +4777,8 @@
         </a:p>
       </dsp:txBody>
       <dsp:txXfrm>
-        <a:off x="6814475" y="2869500"/>
-        <a:ext cx="2024588" cy="1237343"/>
+        <a:off x="6889367" y="2917385"/>
+        <a:ext cx="2033086" cy="1242536"/>
       </dsp:txXfrm>
     </dsp:sp>
     <dsp:sp modelId="{7EA8C150-67AD-4449-A92E-08A01AECE502}">
@@ -4536,8 +4788,8 @@
       </dsp:nvSpPr>
       <dsp:spPr>
         <a:xfrm>
-          <a:off x="6853508" y="877267"/>
-          <a:ext cx="2024588" cy="1237343"/>
+          <a:off x="6880205" y="820130"/>
+          <a:ext cx="2033086" cy="1242536"/>
         </a:xfrm>
         <a:prstGeom prst="rect">
           <a:avLst/>
@@ -4645,8 +4897,8 @@
         </a:p>
       </dsp:txBody>
       <dsp:txXfrm>
-        <a:off x="6853508" y="877267"/>
-        <a:ext cx="2024588" cy="1237343"/>
+        <a:off x="6880205" y="820130"/>
+        <a:ext cx="2033086" cy="1242536"/>
       </dsp:txXfrm>
     </dsp:sp>
     <dsp:sp modelId="{9F264E81-31BB-4948-AFA1-083E4D73A81A}">
@@ -4656,8 +4908,8 @@
       </dsp:nvSpPr>
       <dsp:spPr>
         <a:xfrm>
-          <a:off x="9725409" y="2818785"/>
-          <a:ext cx="2024588" cy="1237343"/>
+          <a:off x="9866945" y="2958195"/>
+          <a:ext cx="1818882" cy="1226143"/>
         </a:xfrm>
         <a:prstGeom prst="rect">
           <a:avLst/>
@@ -4765,8 +5017,8 @@
         </a:p>
       </dsp:txBody>
       <dsp:txXfrm>
-        <a:off x="9725409" y="2818785"/>
-        <a:ext cx="2024588" cy="1237343"/>
+        <a:off x="9866945" y="2958195"/>
+        <a:ext cx="1818882" cy="1226143"/>
       </dsp:txXfrm>
     </dsp:sp>
     <dsp:sp modelId="{986C1812-1810-47F5-A099-ABD15361AF24}">
@@ -4776,8 +5028,8 @@
       </dsp:nvSpPr>
       <dsp:spPr>
         <a:xfrm>
-          <a:off x="3893939" y="7560639"/>
-          <a:ext cx="2304989" cy="1210847"/>
+          <a:off x="3907473" y="7530376"/>
+          <a:ext cx="2314664" cy="1215929"/>
         </a:xfrm>
         <a:prstGeom prst="rect">
           <a:avLst/>
@@ -4885,8 +5137,8 @@
         </a:p>
       </dsp:txBody>
       <dsp:txXfrm>
-        <a:off x="3893939" y="7560639"/>
-        <a:ext cx="2304989" cy="1210847"/>
+        <a:off x="3907473" y="7530376"/>
+        <a:ext cx="2314664" cy="1215929"/>
       </dsp:txXfrm>
     </dsp:sp>
     <dsp:sp modelId="{1BFC8042-51E5-4F80-8989-CCDC2F4B5CE1}">
@@ -4896,8 +5148,8 @@
       </dsp:nvSpPr>
       <dsp:spPr>
         <a:xfrm>
-          <a:off x="9749949" y="9082422"/>
-          <a:ext cx="2123467" cy="1345836"/>
+          <a:off x="9686609" y="9058546"/>
+          <a:ext cx="2132380" cy="1351485"/>
         </a:xfrm>
         <a:prstGeom prst="rect">
           <a:avLst/>
@@ -5005,8 +5257,8 @@
         </a:p>
       </dsp:txBody>
       <dsp:txXfrm>
-        <a:off x="9749949" y="9082422"/>
-        <a:ext cx="2123467" cy="1345836"/>
+        <a:off x="9686609" y="9058546"/>
+        <a:ext cx="2132380" cy="1351485"/>
       </dsp:txXfrm>
     </dsp:sp>
     <dsp:sp modelId="{049524DC-52C0-401D-9C7B-E44E3451C89C}">
@@ -5016,8 +5268,8 @@
       </dsp:nvSpPr>
       <dsp:spPr>
         <a:xfrm>
-          <a:off x="6894058" y="6392260"/>
-          <a:ext cx="2290094" cy="1093813"/>
+          <a:off x="6876292" y="6355569"/>
+          <a:ext cx="2099275" cy="1152138"/>
         </a:xfrm>
         <a:prstGeom prst="rect">
           <a:avLst/>
@@ -5125,8 +5377,8 @@
         </a:p>
       </dsp:txBody>
       <dsp:txXfrm>
-        <a:off x="6894058" y="6392260"/>
-        <a:ext cx="2290094" cy="1093813"/>
+        <a:off x="6876292" y="6355569"/>
+        <a:ext cx="2099275" cy="1152138"/>
       </dsp:txXfrm>
     </dsp:sp>
     <dsp:sp modelId="{3377E816-CCFA-4883-AD24-77904C317FF4}">
@@ -5136,8 +5388,8 @@
       </dsp:nvSpPr>
       <dsp:spPr>
         <a:xfrm>
-          <a:off x="6834676" y="9178447"/>
-          <a:ext cx="2249774" cy="1309581"/>
+          <a:off x="6883003" y="9078537"/>
+          <a:ext cx="2064261" cy="1380757"/>
         </a:xfrm>
         <a:prstGeom prst="rect">
           <a:avLst/>
@@ -5245,8 +5497,8 @@
         </a:p>
       </dsp:txBody>
       <dsp:txXfrm>
-        <a:off x="6834676" y="9178447"/>
-        <a:ext cx="2249774" cy="1309581"/>
+        <a:off x="6883003" y="9078537"/>
+        <a:ext cx="2064261" cy="1380757"/>
       </dsp:txXfrm>
     </dsp:sp>
     <dsp:sp modelId="{028C9B1A-798C-4DF4-A2CB-E9A84371AB77}">
@@ -5256,8 +5508,8 @@
       </dsp:nvSpPr>
       <dsp:spPr>
         <a:xfrm>
-          <a:off x="10121424" y="6409943"/>
-          <a:ext cx="1756217" cy="1201080"/>
+          <a:off x="10066558" y="6380969"/>
+          <a:ext cx="1761866" cy="1204943"/>
         </a:xfrm>
         <a:prstGeom prst="rect">
           <a:avLst/>
@@ -5365,8 +5617,8 @@
         </a:p>
       </dsp:txBody>
       <dsp:txXfrm>
-        <a:off x="10121424" y="6409943"/>
-        <a:ext cx="1756217" cy="1201080"/>
+        <a:off x="10066558" y="6380969"/>
+        <a:ext cx="1761866" cy="1204943"/>
       </dsp:txXfrm>
     </dsp:sp>
     <dsp:sp modelId="{A2E958C8-5C62-47CE-8A00-AFAB0A3EA338}">
@@ -5376,8 +5628,8 @@
       </dsp:nvSpPr>
       <dsp:spPr>
         <a:xfrm>
-          <a:off x="4434165" y="13761869"/>
-          <a:ext cx="3724235" cy="1655633"/>
+          <a:off x="5700365" y="13758134"/>
+          <a:ext cx="3739866" cy="1662582"/>
         </a:xfrm>
         <a:prstGeom prst="rect">
           <a:avLst/>
@@ -5485,8 +5737,8 @@
         </a:p>
       </dsp:txBody>
       <dsp:txXfrm>
-        <a:off x="4434165" y="13761869"/>
-        <a:ext cx="3724235" cy="1655633"/>
+        <a:off x="5700365" y="13758134"/>
+        <a:ext cx="3739866" cy="1662582"/>
       </dsp:txXfrm>
     </dsp:sp>
     <dsp:sp modelId="{0E686097-54A9-4522-AF1B-4C407A2E37BE}">
@@ -5496,8 +5748,8 @@
       </dsp:nvSpPr>
       <dsp:spPr>
         <a:xfrm>
-          <a:off x="4855115" y="19504929"/>
-          <a:ext cx="3738863" cy="1817773"/>
+          <a:off x="5652187" y="19575777"/>
+          <a:ext cx="3754556" cy="1825403"/>
         </a:xfrm>
         <a:prstGeom prst="rect">
           <a:avLst/>
@@ -5605,8 +5857,8 @@
         </a:p>
       </dsp:txBody>
       <dsp:txXfrm>
-        <a:off x="4855115" y="19504929"/>
-        <a:ext cx="3738863" cy="1817773"/>
+        <a:off x="5652187" y="19575777"/>
+        <a:ext cx="3754556" cy="1825403"/>
       </dsp:txXfrm>
     </dsp:sp>
     <dsp:sp modelId="{771FB855-8FBC-446B-913B-0B006896F1BA}">
@@ -5616,8 +5868,8 @@
       </dsp:nvSpPr>
       <dsp:spPr>
         <a:xfrm>
-          <a:off x="894219" y="23047080"/>
-          <a:ext cx="3169247" cy="2876582"/>
+          <a:off x="894422" y="23081818"/>
+          <a:ext cx="3182549" cy="2888656"/>
         </a:xfrm>
         <a:prstGeom prst="rect">
           <a:avLst/>
@@ -5721,8 +5973,8 @@
         </a:p>
       </dsp:txBody>
       <dsp:txXfrm>
-        <a:off x="894219" y="23047080"/>
-        <a:ext cx="3169247" cy="2876582"/>
+        <a:off x="894422" y="23081818"/>
+        <a:ext cx="3182549" cy="2888656"/>
       </dsp:txXfrm>
     </dsp:sp>
   </dsp:spTree>
@@ -8104,7 +8356,7 @@
           <a:p>
             <a:fld id="{B8656705-AE6B-4018-A0DF-8E9499DF64DD}" type="datetimeFigureOut">
               <a:rPr lang="en-US" smtClean="0"/>
-              <a:t>3/12/2015</a:t>
+              <a:t>3/15/2015</a:t>
             </a:fld>
             <a:endParaRPr lang="en-US"/>
           </a:p>
@@ -8274,7 +8526,7 @@
           <a:p>
             <a:fld id="{B8656705-AE6B-4018-A0DF-8E9499DF64DD}" type="datetimeFigureOut">
               <a:rPr lang="en-US" smtClean="0"/>
-              <a:t>3/12/2015</a:t>
+              <a:t>3/15/2015</a:t>
             </a:fld>
             <a:endParaRPr lang="en-US"/>
           </a:p>
@@ -8454,7 +8706,7 @@
           <a:p>
             <a:fld id="{B8656705-AE6B-4018-A0DF-8E9499DF64DD}" type="datetimeFigureOut">
               <a:rPr lang="en-US" smtClean="0"/>
-              <a:t>3/12/2015</a:t>
+              <a:t>3/15/2015</a:t>
             </a:fld>
             <a:endParaRPr lang="en-US"/>
           </a:p>
@@ -8624,7 +8876,7 @@
           <a:p>
             <a:fld id="{B8656705-AE6B-4018-A0DF-8E9499DF64DD}" type="datetimeFigureOut">
               <a:rPr lang="en-US" smtClean="0"/>
-              <a:t>3/12/2015</a:t>
+              <a:t>3/15/2015</a:t>
             </a:fld>
             <a:endParaRPr lang="en-US"/>
           </a:p>
@@ -8868,7 +9120,7 @@
           <a:p>
             <a:fld id="{B8656705-AE6B-4018-A0DF-8E9499DF64DD}" type="datetimeFigureOut">
               <a:rPr lang="en-US" smtClean="0"/>
-              <a:t>3/12/2015</a:t>
+              <a:t>3/15/2015</a:t>
             </a:fld>
             <a:endParaRPr lang="en-US"/>
           </a:p>
@@ -9100,7 +9352,7 @@
           <a:p>
             <a:fld id="{B8656705-AE6B-4018-A0DF-8E9499DF64DD}" type="datetimeFigureOut">
               <a:rPr lang="en-US" smtClean="0"/>
-              <a:t>3/12/2015</a:t>
+              <a:t>3/15/2015</a:t>
             </a:fld>
             <a:endParaRPr lang="en-US"/>
           </a:p>
@@ -9467,7 +9719,7 @@
           <a:p>
             <a:fld id="{B8656705-AE6B-4018-A0DF-8E9499DF64DD}" type="datetimeFigureOut">
               <a:rPr lang="en-US" smtClean="0"/>
-              <a:t>3/12/2015</a:t>
+              <a:t>3/15/2015</a:t>
             </a:fld>
             <a:endParaRPr lang="en-US"/>
           </a:p>
@@ -9585,7 +9837,7 @@
           <a:p>
             <a:fld id="{B8656705-AE6B-4018-A0DF-8E9499DF64DD}" type="datetimeFigureOut">
               <a:rPr lang="en-US" smtClean="0"/>
-              <a:t>3/12/2015</a:t>
+              <a:t>3/15/2015</a:t>
             </a:fld>
             <a:endParaRPr lang="en-US"/>
           </a:p>
@@ -9680,7 +9932,7 @@
           <a:p>
             <a:fld id="{B8656705-AE6B-4018-A0DF-8E9499DF64DD}" type="datetimeFigureOut">
               <a:rPr lang="en-US" smtClean="0"/>
-              <a:t>3/12/2015</a:t>
+              <a:t>3/15/2015</a:t>
             </a:fld>
             <a:endParaRPr lang="en-US"/>
           </a:p>
@@ -9957,7 +10209,7 @@
           <a:p>
             <a:fld id="{B8656705-AE6B-4018-A0DF-8E9499DF64DD}" type="datetimeFigureOut">
               <a:rPr lang="en-US" smtClean="0"/>
-              <a:t>3/12/2015</a:t>
+              <a:t>3/15/2015</a:t>
             </a:fld>
             <a:endParaRPr lang="en-US"/>
           </a:p>
@@ -10214,7 +10466,7 @@
           <a:p>
             <a:fld id="{B8656705-AE6B-4018-A0DF-8E9499DF64DD}" type="datetimeFigureOut">
               <a:rPr lang="en-US" smtClean="0"/>
-              <a:t>3/12/2015</a:t>
+              <a:t>3/15/2015</a:t>
             </a:fld>
             <a:endParaRPr lang="en-US"/>
           </a:p>
@@ -10427,7 +10679,7 @@
           <a:p>
             <a:fld id="{B8656705-AE6B-4018-A0DF-8E9499DF64DD}" type="datetimeFigureOut">
               <a:rPr lang="en-US" smtClean="0"/>
-              <a:t>3/12/2015</a:t>
+              <a:t>3/15/2015</a:t>
             </a:fld>
             <a:endParaRPr lang="en-US"/>
           </a:p>
@@ -10839,7 +11091,7 @@
           <p:nvPr>
             <p:extLst>
               <p:ext uri="{D42A27DB-BD31-4B8C-83A1-F6EECF244321}">
-                <p14:modId xmlns:p14="http://schemas.microsoft.com/office/powerpoint/2010/main" val="2811622117"/>
+                <p14:modId xmlns:p14="http://schemas.microsoft.com/office/powerpoint/2010/main" val="875330197"/>
               </p:ext>
             </p:extLst>
           </p:nvPr>
@@ -11001,10 +11253,22 @@
                 <a:latin typeface="Consolas" panose="020B0609020204030204" pitchFamily="49" charset="0"/>
                 <a:cs typeface="Consolas" panose="020B0609020204030204" pitchFamily="49" charset="0"/>
               </a:rPr>
-              <a:t>	) </a:t>
+              <a:t>	</a:t>
             </a:r>
             <a:r>
-              <a:rPr lang="en-US" sz="2400" dirty="0">
+              <a:rPr lang="en-US" sz="2400" dirty="0" smtClean="0">
+                <a:solidFill>
+                  <a:schemeClr val="accent4">
+                    <a:lumMod val="75000"/>
+                  </a:schemeClr>
+                </a:solidFill>
+                <a:latin typeface="Consolas" panose="020B0609020204030204" pitchFamily="49" charset="0"/>
+                <a:cs typeface="Consolas" panose="020B0609020204030204" pitchFamily="49" charset="0"/>
+              </a:rPr>
+              <a:t>) </a:t>
+            </a:r>
+            <a:r>
+              <a:rPr lang="en-US" sz="2400" dirty="0" smtClean="0">
                 <a:solidFill>
                   <a:schemeClr val="tx1"/>
                 </a:solidFill>
@@ -11032,7 +11296,7 @@
         <p:spPr>
           <a:xfrm>
             <a:off x="12801897" y="7326668"/>
-            <a:ext cx="4251960" cy="4556820"/>
+            <a:ext cx="4251960" cy="4188381"/>
           </a:xfrm>
           <a:prstGeom prst="flowChartAlternateProcess">
             <a:avLst/>
@@ -11158,8 +11422,18 @@
               </a:rPr>
               <a:t> = "smooth" , position = "identity" , </a:t>
             </a:r>
-          </a:p>
-          <a:p>
+            <a:r>
+              <a:rPr lang="en-US" sz="2400" dirty="0" smtClean="0">
+                <a:solidFill>
+                  <a:schemeClr val="accent4">
+                    <a:lumMod val="75000"/>
+                  </a:schemeClr>
+                </a:solidFill>
+                <a:latin typeface="Consolas" panose="020B0609020204030204" pitchFamily="49" charset="0"/>
+                <a:cs typeface="Consolas" panose="020B0609020204030204" pitchFamily="49" charset="0"/>
+              </a:rPr>
+              <a:t>stat </a:t>
+            </a:r>
             <a:r>
               <a:rPr lang="en-US" sz="2400" dirty="0">
                 <a:solidFill>
@@ -11170,12 +11444,12 @@
                 <a:latin typeface="Consolas" panose="020B0609020204030204" pitchFamily="49" charset="0"/>
                 <a:cs typeface="Consolas" panose="020B0609020204030204" pitchFamily="49" charset="0"/>
               </a:rPr>
-              <a:t>  stat = "smooth" , method = lm</a:t>
+              <a:t>= "smooth" , method = lm</a:t>
             </a:r>
           </a:p>
           <a:p>
             <a:r>
-              <a:rPr lang="en-US" sz="2400" dirty="0">
+              <a:rPr lang="en-US" sz="2400" dirty="0" smtClean="0">
                 <a:solidFill>
                   <a:schemeClr val="accent4">
                     <a:lumMod val="75000"/>
@@ -11184,10 +11458,10 @@
                 <a:latin typeface="Consolas" panose="020B0609020204030204" pitchFamily="49" charset="0"/>
                 <a:cs typeface="Consolas" panose="020B0609020204030204" pitchFamily="49" charset="0"/>
               </a:rPr>
-              <a:t>) </a:t>
+              <a:t>	) </a:t>
             </a:r>
             <a:r>
-              <a:rPr lang="en-US" sz="2400" dirty="0">
+              <a:rPr lang="en-US" sz="2400" dirty="0" smtClean="0">
                 <a:solidFill>
                   <a:schemeClr val="tx1"/>
                 </a:solidFill>
@@ -11217,7 +11491,7 @@
         <p:spPr>
           <a:xfrm>
             <a:off x="12846101" y="14676477"/>
-            <a:ext cx="4207755" cy="1736646"/>
+            <a:ext cx="4207755" cy="2009061"/>
           </a:xfrm>
           <a:prstGeom prst="flowChartAlternateProcess">
             <a:avLst/>
@@ -11249,14 +11523,14 @@
           <a:lstStyle/>
           <a:p>
             <a:r>
-              <a:rPr lang="en-US" sz="2400" dirty="0">
+              <a:rPr lang="en-US" sz="2800" dirty="0">
                 <a:latin typeface="Consolas" panose="020B0609020204030204" pitchFamily="49" charset="0"/>
                 <a:cs typeface="Consolas" panose="020B0609020204030204" pitchFamily="49" charset="0"/>
               </a:rPr>
               <a:t>p &lt;- p + </a:t>
             </a:r>
             <a:r>
-              <a:rPr lang="en-US" sz="2400" dirty="0">
+              <a:rPr lang="en-US" sz="2800" dirty="0">
                 <a:solidFill>
                   <a:schemeClr val="accent5">
                     <a:lumMod val="75000"/>
@@ -11268,7 +11542,7 @@
               <a:t>scale_x_log10() </a:t>
             </a:r>
             <a:r>
-              <a:rPr lang="en-US" sz="2400" dirty="0">
+              <a:rPr lang="en-US" sz="2800" dirty="0">
                 <a:solidFill>
                   <a:schemeClr val="tx1"/>
                 </a:solidFill>
@@ -11280,7 +11554,7 @@
           </a:p>
           <a:p>
             <a:r>
-              <a:rPr lang="en-US" sz="2400" dirty="0">
+              <a:rPr lang="en-US" sz="2800" dirty="0">
                 <a:solidFill>
                   <a:schemeClr val="tx1"/>
                 </a:solidFill>
@@ -11290,7 +11564,7 @@
               <a:t>p &lt;- p +</a:t>
             </a:r>
             <a:r>
-              <a:rPr lang="en-US" sz="2400" dirty="0">
+              <a:rPr lang="en-US" sz="2800" dirty="0">
                 <a:solidFill>
                   <a:schemeClr val="accent5">
                     <a:lumMod val="75000"/>
@@ -11302,7 +11576,7 @@
               <a:t> scale_y_log10() </a:t>
             </a:r>
             <a:r>
-              <a:rPr lang="en-US" sz="2000" dirty="0">
+              <a:rPr lang="en-US" sz="2400" dirty="0">
                 <a:solidFill>
                   <a:schemeClr val="tx1"/>
                 </a:solidFill>
@@ -11311,7 +11585,7 @@
               </a:rPr>
               <a:t>+</a:t>
             </a:r>
-            <a:endParaRPr lang="en-US" sz="2000" dirty="0">
+            <a:endParaRPr lang="en-US" sz="2400" dirty="0">
               <a:solidFill>
                 <a:schemeClr val="accent4">
                   <a:lumMod val="75000"/>
@@ -11331,8 +11605,8 @@
         </p:nvSpPr>
         <p:spPr>
           <a:xfrm>
-            <a:off x="12846100" y="21328218"/>
-            <a:ext cx="4251959" cy="510778"/>
+            <a:off x="12846100" y="20988009"/>
+            <a:ext cx="4251959" cy="1055608"/>
           </a:xfrm>
           <a:prstGeom prst="flowChartAlternateProcess">
             <a:avLst/>
@@ -11364,7 +11638,7 @@
           <a:lstStyle/>
           <a:p>
             <a:r>
-              <a:rPr lang="en-US" sz="2400" dirty="0" smtClean="0">
+              <a:rPr lang="en-US" sz="2800" dirty="0" smtClean="0">
                 <a:solidFill>
                   <a:schemeClr val="tx1"/>
                 </a:solidFill>
@@ -11374,7 +11648,7 @@
               <a:t>p </a:t>
             </a:r>
             <a:r>
-              <a:rPr lang="en-US" sz="2400" dirty="0">
+              <a:rPr lang="en-US" sz="2800" dirty="0">
                 <a:solidFill>
                   <a:schemeClr val="tx1"/>
                 </a:solidFill>
@@ -11384,7 +11658,7 @@
               <a:t>&lt;- p </a:t>
             </a:r>
             <a:r>
-              <a:rPr lang="en-US" sz="2400" dirty="0">
+              <a:rPr lang="en-US" sz="2800" dirty="0">
                 <a:solidFill>
                   <a:schemeClr val="accent5">
                     <a:lumMod val="75000"/>
@@ -11396,7 +11670,7 @@
               <a:t>+ </a:t>
             </a:r>
             <a:r>
-              <a:rPr lang="en-US" sz="2400" dirty="0" err="1">
+              <a:rPr lang="en-US" sz="2800" dirty="0" err="1">
                 <a:solidFill>
                   <a:schemeClr val="accent2">
                     <a:lumMod val="50000"/>
@@ -11408,7 +11682,7 @@
               <a:t>coord_polar</a:t>
             </a:r>
             <a:r>
-              <a:rPr lang="en-US" sz="2400" dirty="0">
+              <a:rPr lang="en-US" sz="2800" dirty="0">
                 <a:solidFill>
                   <a:schemeClr val="accent2">
                     <a:lumMod val="50000"/>
@@ -11419,7 +11693,7 @@
               </a:rPr>
               <a:t>()</a:t>
             </a:r>
-            <a:endParaRPr lang="en-US" sz="2000" dirty="0">
+            <a:endParaRPr lang="en-US" sz="2400" dirty="0">
               <a:solidFill>
                 <a:schemeClr val="accent2">
                   <a:lumMod val="50000"/>
@@ -11439,8 +11713,8 @@
         </p:nvSpPr>
         <p:spPr>
           <a:xfrm>
-            <a:off x="564797" y="27299608"/>
-            <a:ext cx="3365546" cy="2247424"/>
+            <a:off x="818147" y="27299608"/>
+            <a:ext cx="3322816" cy="1940957"/>
           </a:xfrm>
           <a:prstGeom prst="flowChartAlternateProcess">
             <a:avLst/>
@@ -11477,14 +11751,14 @@
               </a:lnSpc>
             </a:pPr>
             <a:r>
-              <a:rPr lang="en-US" sz="2800" dirty="0">
+              <a:rPr lang="en-US" sz="2400" dirty="0">
                 <a:latin typeface="Consolas" panose="020B0609020204030204" pitchFamily="49" charset="0"/>
                 <a:cs typeface="Consolas" panose="020B0609020204030204" pitchFamily="49" charset="0"/>
               </a:rPr>
               <a:t>p &lt;- p + </a:t>
             </a:r>
             <a:r>
-              <a:rPr lang="en-US" sz="2800" dirty="0" err="1">
+              <a:rPr lang="en-US" sz="2400" dirty="0" err="1">
                 <a:solidFill>
                   <a:srgbClr val="098A87"/>
                 </a:solidFill>
@@ -11494,7 +11768,7 @@
               <a:t>facet_wrap</a:t>
             </a:r>
             <a:r>
-              <a:rPr lang="en-US" sz="2800" dirty="0">
+              <a:rPr lang="en-US" sz="2400" dirty="0">
                 <a:solidFill>
                   <a:srgbClr val="098A87"/>
                 </a:solidFill>
@@ -11504,7 +11778,7 @@
               <a:t>(~color, </a:t>
             </a:r>
             <a:r>
-              <a:rPr lang="en-US" sz="2800" dirty="0" err="1">
+              <a:rPr lang="en-US" sz="2400" dirty="0" err="1">
                 <a:solidFill>
                   <a:srgbClr val="098A87"/>
                 </a:solidFill>
@@ -11514,7 +11788,7 @@
               <a:t>ncol</a:t>
             </a:r>
             <a:r>
-              <a:rPr lang="en-US" sz="2800" dirty="0">
+              <a:rPr lang="en-US" sz="2400" dirty="0">
                 <a:solidFill>
                   <a:srgbClr val="098A87"/>
                 </a:solidFill>
@@ -11787,6 +12061,230 @@
               <a:latin typeface="Consolas" panose="020B0609020204030204" pitchFamily="49" charset="0"/>
               <a:cs typeface="Consolas" panose="020B0609020204030204" pitchFamily="49" charset="0"/>
             </a:endParaRPr>
+          </a:p>
+        </p:txBody>
+      </p:sp>
+      <p:sp>
+        <p:nvSpPr>
+          <p:cNvPr id="3" name="TextBox 2"/>
+          <p:cNvSpPr txBox="1"/>
+          <p:nvPr/>
+        </p:nvSpPr>
+        <p:spPr>
+          <a:xfrm>
+            <a:off x="5364626" y="30568485"/>
+            <a:ext cx="15331145" cy="369332"/>
+          </a:xfrm>
+          <a:prstGeom prst="rect">
+            <a:avLst/>
+          </a:prstGeom>
+          <a:noFill/>
+        </p:spPr>
+        <p:txBody>
+          <a:bodyPr wrap="square" rtlCol="0">
+            <a:spAutoFit/>
+          </a:bodyPr>
+          <a:lstStyle/>
+          <a:p>
+            <a:pPr algn="ctr"/>
+            <a:r>
+              <a:rPr lang="en-US" sz="1800" dirty="0" smtClean="0"/>
+              <a:t>ggplot2: R package by </a:t>
+            </a:r>
+            <a:r>
+              <a:rPr lang="en-US" sz="1800" dirty="0"/>
+              <a:t>Hadley Wickham, </a:t>
+            </a:r>
+            <a:r>
+              <a:rPr lang="en-US" sz="1800" dirty="0">
+                <a:hlinkClick r:id="rId13"/>
+              </a:rPr>
+              <a:t>http://ggplot2.org</a:t>
+            </a:r>
+            <a:r>
+              <a:rPr lang="en-US" sz="1800" dirty="0" smtClean="0">
+                <a:hlinkClick r:id="rId13"/>
+              </a:rPr>
+              <a:t>/</a:t>
+            </a:r>
+            <a:r>
+              <a:rPr lang="en-US" sz="1800" dirty="0" smtClean="0"/>
+              <a:t>  Figure: Myfanwy Johnston, merowlands@ucdavis.edu</a:t>
+            </a:r>
+            <a:endParaRPr lang="en-US" sz="1800" dirty="0"/>
+          </a:p>
+        </p:txBody>
+      </p:sp>
+      <p:sp>
+        <p:nvSpPr>
+          <p:cNvPr id="18" name="TextBox 17"/>
+          <p:cNvSpPr txBox="1"/>
+          <p:nvPr/>
+        </p:nvSpPr>
+        <p:spPr>
+          <a:xfrm>
+            <a:off x="5364627" y="149508"/>
+            <a:ext cx="15331145" cy="830997"/>
+          </a:xfrm>
+          <a:prstGeom prst="rect">
+            <a:avLst/>
+          </a:prstGeom>
+          <a:noFill/>
+        </p:spPr>
+        <p:txBody>
+          <a:bodyPr wrap="square" rtlCol="0">
+            <a:spAutoFit/>
+          </a:bodyPr>
+          <a:lstStyle/>
+          <a:p>
+            <a:pPr algn="ctr"/>
+            <a:r>
+              <a:rPr lang="en-US" sz="4800" dirty="0" smtClean="0"/>
+              <a:t>Visual Schematic of the Syntax of ggplot2::</a:t>
+            </a:r>
+            <a:r>
+              <a:rPr lang="en-US" sz="4800" dirty="0" err="1" smtClean="0"/>
+              <a:t>ggplot</a:t>
+            </a:r>
+            <a:r>
+              <a:rPr lang="en-US" sz="4800" dirty="0" smtClean="0"/>
+              <a:t>()</a:t>
+            </a:r>
+            <a:endParaRPr lang="en-US" sz="4800" dirty="0"/>
+          </a:p>
+        </p:txBody>
+      </p:sp>
+      <p:sp>
+        <p:nvSpPr>
+          <p:cNvPr id="4" name="TextBox 3"/>
+          <p:cNvSpPr txBox="1"/>
+          <p:nvPr/>
+        </p:nvSpPr>
+        <p:spPr>
+          <a:xfrm>
+            <a:off x="6509084" y="5909927"/>
+            <a:ext cx="2863516" cy="461665"/>
+          </a:xfrm>
+          <a:prstGeom prst="rect">
+            <a:avLst/>
+          </a:prstGeom>
+          <a:noFill/>
+        </p:spPr>
+        <p:txBody>
+          <a:bodyPr wrap="square" rtlCol="0">
+            <a:spAutoFit/>
+          </a:bodyPr>
+          <a:lstStyle/>
+          <a:p>
+            <a:r>
+              <a:rPr lang="en-US" sz="2400" b="1" dirty="0" smtClean="0">
+                <a:solidFill>
+                  <a:schemeClr val="accent1">
+                    <a:lumMod val="50000"/>
+                  </a:schemeClr>
+                </a:solidFill>
+                <a:latin typeface="+mj-lt"/>
+              </a:rPr>
+              <a:t>Controlled by scales</a:t>
+            </a:r>
+            <a:endParaRPr lang="en-US" sz="2400" b="1" dirty="0">
+              <a:solidFill>
+                <a:schemeClr val="accent1">
+                  <a:lumMod val="50000"/>
+                </a:schemeClr>
+              </a:solidFill>
+              <a:latin typeface="+mj-lt"/>
+            </a:endParaRPr>
+          </a:p>
+        </p:txBody>
+      </p:sp>
+      <p:sp>
+        <p:nvSpPr>
+          <p:cNvPr id="5" name="Left Brace 4"/>
+          <p:cNvSpPr/>
+          <p:nvPr/>
+        </p:nvSpPr>
+        <p:spPr>
+          <a:xfrm rot="16200000">
+            <a:off x="7668643" y="4540432"/>
+            <a:ext cx="544398" cy="1925053"/>
+          </a:xfrm>
+          <a:prstGeom prst="leftBrace">
+            <a:avLst/>
+          </a:prstGeom>
+          <a:ln w="12700">
+            <a:solidFill>
+              <a:schemeClr val="accent1">
+                <a:lumMod val="50000"/>
+              </a:schemeClr>
+            </a:solidFill>
+          </a:ln>
+        </p:spPr>
+        <p:style>
+          <a:lnRef idx="1">
+            <a:schemeClr val="accent1"/>
+          </a:lnRef>
+          <a:fillRef idx="0">
+            <a:schemeClr val="accent1"/>
+          </a:fillRef>
+          <a:effectRef idx="0">
+            <a:schemeClr val="accent1"/>
+          </a:effectRef>
+          <a:fontRef idx="minor">
+            <a:schemeClr val="tx1"/>
+          </a:fontRef>
+        </p:style>
+        <p:txBody>
+          <a:bodyPr rtlCol="0" anchor="ctr"/>
+          <a:lstStyle/>
+          <a:p>
+            <a:pPr algn="ctr"/>
+            <a:endParaRPr lang="en-US"/>
+          </a:p>
+        </p:txBody>
+      </p:sp>
+      <p:sp>
+        <p:nvSpPr>
+          <p:cNvPr id="23" name="Left Brace 22"/>
+          <p:cNvSpPr/>
+          <p:nvPr/>
+        </p:nvSpPr>
+        <p:spPr>
+          <a:xfrm rot="16200000" flipH="1" flipV="1">
+            <a:off x="7668644" y="5816035"/>
+            <a:ext cx="544398" cy="1925053"/>
+          </a:xfrm>
+          <a:prstGeom prst="leftBrace">
+            <a:avLst/>
+          </a:prstGeom>
+          <a:ln w="12700">
+            <a:solidFill>
+              <a:schemeClr val="accent1">
+                <a:lumMod val="50000"/>
+              </a:schemeClr>
+            </a:solidFill>
+          </a:ln>
+        </p:spPr>
+        <p:style>
+          <a:lnRef idx="1">
+            <a:schemeClr val="accent1"/>
+          </a:lnRef>
+          <a:fillRef idx="0">
+            <a:schemeClr val="accent1"/>
+          </a:fillRef>
+          <a:effectRef idx="0">
+            <a:schemeClr val="accent1"/>
+          </a:effectRef>
+          <a:fontRef idx="minor">
+            <a:schemeClr val="tx1"/>
+          </a:fontRef>
+        </p:style>
+        <p:txBody>
+          <a:bodyPr rtlCol="0" anchor="ctr"/>
+          <a:lstStyle/>
+          <a:p>
+            <a:pPr algn="ctr"/>
+            <a:endParaRPr lang="en-US"/>
           </a:p>
         </p:txBody>
       </p:sp>
